--- a/汇报PPT/桂宝山4.9.pptx
+++ b/汇报PPT/桂宝山4.9.pptx
@@ -5,20 +5,22 @@
     <p:sldMasterId id="2147483648" r:id="rId1"/>
   </p:sldMasterIdLst>
   <p:notesMasterIdLst>
-    <p:notesMasterId r:id="rId13"/>
+    <p:notesMasterId r:id="rId4"/>
   </p:notesMasterIdLst>
   <p:sldIdLst>
-    <p:sldId id="289" r:id="rId2"/>
-    <p:sldId id="268" r:id="rId3"/>
-    <p:sldId id="763" r:id="rId4"/>
-    <p:sldId id="769" r:id="rId5"/>
-    <p:sldId id="770" r:id="rId6"/>
-    <p:sldId id="771" r:id="rId7"/>
-    <p:sldId id="772" r:id="rId8"/>
-    <p:sldId id="774" r:id="rId9"/>
-    <p:sldId id="773" r:id="rId10"/>
-    <p:sldId id="288" r:id="rId11"/>
-    <p:sldId id="768" r:id="rId12"/>
+    <p:sldId id="289" r:id="rId3"/>
+    <p:sldId id="268" r:id="rId5"/>
+    <p:sldId id="763" r:id="rId6"/>
+    <p:sldId id="769" r:id="rId7"/>
+    <p:sldId id="770" r:id="rId8"/>
+    <p:sldId id="771" r:id="rId9"/>
+    <p:sldId id="772" r:id="rId10"/>
+    <p:sldId id="774" r:id="rId11"/>
+    <p:sldId id="778" r:id="rId12"/>
+    <p:sldId id="773" r:id="rId13"/>
+    <p:sldId id="779" r:id="rId14"/>
+    <p:sldId id="288" r:id="rId15"/>
+    <p:sldId id="768" r:id="rId16"/>
   </p:sldIdLst>
   <p:sldSz cx="12192000" cy="6858000"/>
   <p:notesSz cx="6858000" cy="9144000"/>
@@ -118,22 +120,52 @@
     </a:lvl9pPr>
   </p:defaultTextStyle>
   <p:extLst>
+    <p:ext uri="{521415D9-36F7-43E2-AB2F-B90AF26B5E84}">
+      <p14:sectionLst xmlns:p14="http://schemas.microsoft.com/office/powerpoint/2010/main">
+        <p14:section name="开头" id="{cef62cbd-54d8-4da5-9789-1f056603d6ad}">
+          <p14:sldIdLst>
+            <p14:sldId id="289"/>
+          </p14:sldIdLst>
+        </p14:section>
+        <p14:section name="视觉大模型" id="{5df66594-e70c-4047-882b-7c7c6382d632}">
+          <p14:sldIdLst>
+            <p14:sldId id="268"/>
+            <p14:sldId id="763"/>
+            <p14:sldId id="769"/>
+            <p14:sldId id="770"/>
+            <p14:sldId id="771"/>
+          </p14:sldIdLst>
+        </p14:section>
+        <p14:section name="零件定位" id="{9285c4a1-59fd-455e-9eae-6e2edfb7b4f3}">
+          <p14:sldIdLst>
+            <p14:sldId id="772"/>
+            <p14:sldId id="774"/>
+            <p14:sldId id="778"/>
+            <p14:sldId id="773"/>
+            <p14:sldId id="779"/>
+          </p14:sldIdLst>
+        </p14:section>
+        <p14:section name="结尾" id="{57be7700-63ec-42ce-a057-d9a2756732f9}">
+          <p14:sldIdLst>
+            <p14:sldId id="768"/>
+            <p14:sldId id="288"/>
+          </p14:sldIdLst>
+        </p14:section>
+      </p14:sectionLst>
+    </p:ext>
     <p:ext uri="{EFAFB233-063F-42B5-8137-9DF3F51BA10A}">
       <p15:sldGuideLst xmlns:p15="http://schemas.microsoft.com/office/powerpoint/2012/main">
-        <p15:guide id="1" orient="horz" pos="2268">
+        <p15:guide id="1" orient="horz" pos="2268" userDrawn="1">
           <p15:clr>
             <a:srgbClr val="A4A3A4"/>
           </p15:clr>
         </p15:guide>
-        <p15:guide id="2" pos="3847">
+        <p15:guide id="2" pos="3840" userDrawn="1">
           <p15:clr>
             <a:srgbClr val="A4A3A4"/>
           </p15:clr>
         </p15:guide>
       </p15:sldGuideLst>
-    </p:ext>
-    <p:ext uri="{2D200454-40CA-4A62-9FC3-DE9A4176ACB9}">
-      <p15:notesGuideLst xmlns:p15="http://schemas.microsoft.com/office/powerpoint/2012/main"/>
     </p:ext>
   </p:extLst>
 </p:presentation>
@@ -141,13 +173,7 @@
 
 <file path=ppt/commentAuthors.xml><?xml version="1.0" encoding="utf-8"?>
 <p:cmAuthorLst xmlns:a="http://schemas.openxmlformats.org/drawingml/2006/main" xmlns:r="http://schemas.openxmlformats.org/officeDocument/2006/relationships" xmlns:p="http://schemas.openxmlformats.org/presentationml/2006/main">
-  <p:cmAuthor id="1" name="宝山 桂" initials="宝桂" lastIdx="3" clrIdx="0">
-    <p:extLst>
-      <p:ext uri="{19B8F6BF-5375-455C-9EA6-DF929625EA0E}">
-        <p15:presenceInfo xmlns:p15="http://schemas.microsoft.com/office/powerpoint/2012/main" userId="50a08245e831849f" providerId="Windows Live"/>
-      </p:ext>
-    </p:extLst>
-  </p:cmAuthor>
+  <p:cmAuthor id="1" name="宝山 桂" initials="宝桂" lastIdx="3" clrIdx="0"/>
 </p:cmAuthorLst>
 </file>
 
@@ -156,11 +182,6 @@
   <p:cm authorId="1" dt="2025-01-16T10:57:20.643" idx="1">
     <p:pos x="10" y="10"/>
     <p:text/>
-    <p:extLst>
-      <p:ext uri="{C676402C-5697-4E1C-873F-D02D1690AC5C}">
-        <p15:threadingInfo xmlns:p15="http://schemas.microsoft.com/office/powerpoint/2012/main" timeZoneBias="-480"/>
-      </p:ext>
-    </p:extLst>
   </p:cm>
 </p:cmLst>
 </file>
@@ -170,11 +191,6 @@
   <p:cm authorId="1" dt="2025-01-16T10:57:20.643" idx="3">
     <p:pos x="10" y="10"/>
     <p:text/>
-    <p:extLst>
-      <p:ext uri="{C676402C-5697-4E1C-873F-D02D1690AC5C}">
-        <p15:threadingInfo xmlns:p15="http://schemas.microsoft.com/office/powerpoint/2012/main" timeZoneBias="-480"/>
-      </p:ext>
-    </p:extLst>
   </p:cm>
 </p:cmLst>
 </file>
@@ -261,7 +277,6 @@
           <a:p>
             <a:fld id="{D2A48B96-639E-45A3-A0BA-2464DFDB1FAA}" type="datetimeFigureOut">
               <a:rPr lang="zh-CN" altLang="en-US" smtClean="0"/>
-              <a:t>2025/4/8</a:t>
             </a:fld>
             <a:endParaRPr lang="zh-CN" altLang="en-US"/>
           </a:p>
@@ -328,6 +343,7 @@
               <a:rPr lang="zh-CN" altLang="en-US"/>
               <a:t>单击此处编辑母版文本样式</a:t>
             </a:r>
+            <a:endParaRPr lang="zh-CN" altLang="en-US"/>
           </a:p>
           <a:p>
             <a:pPr lvl="1"/>
@@ -335,6 +351,7 @@
               <a:rPr lang="zh-CN" altLang="en-US"/>
               <a:t>第二级</a:t>
             </a:r>
+            <a:endParaRPr lang="zh-CN" altLang="en-US"/>
           </a:p>
           <a:p>
             <a:pPr lvl="2"/>
@@ -342,6 +359,7 @@
               <a:rPr lang="zh-CN" altLang="en-US"/>
               <a:t>第三级</a:t>
             </a:r>
+            <a:endParaRPr lang="zh-CN" altLang="en-US"/>
           </a:p>
           <a:p>
             <a:pPr lvl="3"/>
@@ -349,6 +367,7 @@
               <a:rPr lang="zh-CN" altLang="en-US"/>
               <a:t>第四级</a:t>
             </a:r>
+            <a:endParaRPr lang="zh-CN" altLang="en-US"/>
           </a:p>
           <a:p>
             <a:pPr lvl="4"/>
@@ -356,6 +375,7 @@
               <a:rPr lang="zh-CN" altLang="en-US"/>
               <a:t>第五级</a:t>
             </a:r>
+            <a:endParaRPr lang="zh-CN" altLang="en-US"/>
           </a:p>
         </p:txBody>
       </p:sp>
@@ -419,7 +439,6 @@
           <a:p>
             <a:fld id="{A6837353-30EB-4A48-80EB-173D804AEFBD}" type="slidenum">
               <a:rPr lang="zh-CN" altLang="en-US" smtClean="0"/>
-              <a:t>‹#›</a:t>
             </a:fld>
             <a:endParaRPr lang="zh-CN" altLang="en-US"/>
           </a:p>
@@ -603,19 +622,19 @@
             <a:spLocks noGrp="1" noRot="1" noChangeAspect="1"/>
           </p:cNvSpPr>
           <p:nvPr>
-            <p:ph type="sldImg" idx="2"/>
+            <p:ph type="sldImg"/>
           </p:nvPr>
         </p:nvSpPr>
         <p:spPr/>
       </p:sp>
       <p:sp>
         <p:nvSpPr>
-          <p:cNvPr id="3" name="文本占位符 2"/>
+          <p:cNvPr id="3" name="备注占位符 2"/>
           <p:cNvSpPr>
             <a:spLocks noGrp="1"/>
           </p:cNvSpPr>
           <p:nvPr>
-            <p:ph type="body" idx="3"/>
+            <p:ph type="body" idx="1"/>
           </p:nvPr>
         </p:nvSpPr>
         <p:spPr/>
@@ -624,6 +643,28 @@
           <a:lstStyle/>
           <a:p>
             <a:endParaRPr lang="zh-CN" altLang="en-US" dirty="0"/>
+          </a:p>
+        </p:txBody>
+      </p:sp>
+      <p:sp>
+        <p:nvSpPr>
+          <p:cNvPr id="4" name="灯片编号占位符 3"/>
+          <p:cNvSpPr>
+            <a:spLocks noGrp="1"/>
+          </p:cNvSpPr>
+          <p:nvPr>
+            <p:ph type="sldNum" sz="quarter" idx="5"/>
+          </p:nvPr>
+        </p:nvSpPr>
+        <p:spPr/>
+        <p:txBody>
+          <a:bodyPr/>
+          <a:lstStyle/>
+          <a:p>
+            <a:fld id="{A6837353-30EB-4A48-80EB-173D804AEFBD}" type="slidenum">
+              <a:rPr lang="zh-CN" altLang="en-US" smtClean="0"/>
+            </a:fld>
+            <a:endParaRPr lang="zh-CN" altLang="en-US"/>
           </a:p>
         </p:txBody>
       </p:sp>
@@ -659,6 +700,84 @@
             <a:spLocks noGrp="1" noRot="1" noChangeAspect="1"/>
           </p:cNvSpPr>
           <p:nvPr>
+            <p:ph type="sldImg"/>
+          </p:nvPr>
+        </p:nvSpPr>
+        <p:spPr/>
+      </p:sp>
+      <p:sp>
+        <p:nvSpPr>
+          <p:cNvPr id="3" name="备注占位符 2"/>
+          <p:cNvSpPr>
+            <a:spLocks noGrp="1"/>
+          </p:cNvSpPr>
+          <p:nvPr>
+            <p:ph type="body" idx="1"/>
+          </p:nvPr>
+        </p:nvSpPr>
+        <p:spPr/>
+        <p:txBody>
+          <a:bodyPr/>
+          <a:lstStyle/>
+          <a:p>
+            <a:endParaRPr lang="zh-CN" altLang="en-US" dirty="0"/>
+          </a:p>
+        </p:txBody>
+      </p:sp>
+      <p:sp>
+        <p:nvSpPr>
+          <p:cNvPr id="4" name="灯片编号占位符 3"/>
+          <p:cNvSpPr>
+            <a:spLocks noGrp="1"/>
+          </p:cNvSpPr>
+          <p:nvPr>
+            <p:ph type="sldNum" sz="quarter" idx="5"/>
+          </p:nvPr>
+        </p:nvSpPr>
+        <p:spPr/>
+        <p:txBody>
+          <a:bodyPr/>
+          <a:lstStyle/>
+          <a:p>
+            <a:fld id="{A6837353-30EB-4A48-80EB-173D804AEFBD}" type="slidenum">
+              <a:rPr lang="zh-CN" altLang="en-US" smtClean="0"/>
+            </a:fld>
+            <a:endParaRPr lang="zh-CN" altLang="en-US"/>
+          </a:p>
+        </p:txBody>
+      </p:sp>
+    </p:spTree>
+  </p:cSld>
+  <p:clrMapOvr>
+    <a:masterClrMapping/>
+  </p:clrMapOvr>
+</p:notes>
+</file>
+
+<file path=ppt/notesSlides/notesSlide12.xml><?xml version="1.0" encoding="utf-8"?>
+<p:notes xmlns:a="http://schemas.openxmlformats.org/drawingml/2006/main" xmlns:r="http://schemas.openxmlformats.org/officeDocument/2006/relationships" xmlns:p="http://schemas.openxmlformats.org/presentationml/2006/main">
+  <p:cSld>
+    <p:spTree>
+      <p:nvGrpSpPr>
+        <p:cNvPr id="1" name=""/>
+        <p:cNvGrpSpPr/>
+        <p:nvPr/>
+      </p:nvGrpSpPr>
+      <p:grpSpPr>
+        <a:xfrm>
+          <a:off x="0" y="0"/>
+          <a:ext cx="0" cy="0"/>
+          <a:chOff x="0" y="0"/>
+          <a:chExt cx="0" cy="0"/>
+        </a:xfrm>
+      </p:grpSpPr>
+      <p:sp>
+        <p:nvSpPr>
+          <p:cNvPr id="2" name="幻灯片图像占位符 1"/>
+          <p:cNvSpPr>
+            <a:spLocks noGrp="1" noRot="1" noChangeAspect="1"/>
+          </p:cNvSpPr>
+          <p:nvPr>
             <p:ph type="sldImg" idx="2"/>
           </p:nvPr>
         </p:nvSpPr>
@@ -684,11 +803,62 @@
         </p:txBody>
       </p:sp>
     </p:spTree>
-    <p:extLst>
-      <p:ext uri="{BB962C8B-B14F-4D97-AF65-F5344CB8AC3E}">
-        <p14:creationId xmlns:p14="http://schemas.microsoft.com/office/powerpoint/2010/main" val="3911159332"/>
-      </p:ext>
-    </p:extLst>
+  </p:cSld>
+  <p:clrMapOvr>
+    <a:masterClrMapping/>
+  </p:clrMapOvr>
+</p:notes>
+</file>
+
+<file path=ppt/notesSlides/notesSlide13.xml><?xml version="1.0" encoding="utf-8"?>
+<p:notes xmlns:a="http://schemas.openxmlformats.org/drawingml/2006/main" xmlns:r="http://schemas.openxmlformats.org/officeDocument/2006/relationships" xmlns:p="http://schemas.openxmlformats.org/presentationml/2006/main">
+  <p:cSld>
+    <p:spTree>
+      <p:nvGrpSpPr>
+        <p:cNvPr id="1" name=""/>
+        <p:cNvGrpSpPr/>
+        <p:nvPr/>
+      </p:nvGrpSpPr>
+      <p:grpSpPr>
+        <a:xfrm>
+          <a:off x="0" y="0"/>
+          <a:ext cx="0" cy="0"/>
+          <a:chOff x="0" y="0"/>
+          <a:chExt cx="0" cy="0"/>
+        </a:xfrm>
+      </p:grpSpPr>
+      <p:sp>
+        <p:nvSpPr>
+          <p:cNvPr id="2" name="幻灯片图像占位符 1"/>
+          <p:cNvSpPr>
+            <a:spLocks noGrp="1" noRot="1" noChangeAspect="1"/>
+          </p:cNvSpPr>
+          <p:nvPr>
+            <p:ph type="sldImg" idx="2"/>
+          </p:nvPr>
+        </p:nvSpPr>
+        <p:spPr/>
+      </p:sp>
+      <p:sp>
+        <p:nvSpPr>
+          <p:cNvPr id="3" name="文本占位符 2"/>
+          <p:cNvSpPr>
+            <a:spLocks noGrp="1"/>
+          </p:cNvSpPr>
+          <p:nvPr>
+            <p:ph type="body" idx="3"/>
+          </p:nvPr>
+        </p:nvSpPr>
+        <p:spPr/>
+        <p:txBody>
+          <a:bodyPr/>
+          <a:lstStyle/>
+          <a:p>
+            <a:endParaRPr lang="zh-CN" altLang="en-US" dirty="0"/>
+          </a:p>
+        </p:txBody>
+      </p:sp>
+    </p:spTree>
   </p:cSld>
   <p:clrMapOvr>
     <a:masterClrMapping/>
@@ -761,7 +931,6 @@
           <a:p>
             <a:fld id="{A6837353-30EB-4A48-80EB-173D804AEFBD}" type="slidenum">
               <a:rPr lang="zh-CN" altLang="en-US" smtClean="0"/>
-              <a:t>2</a:t>
             </a:fld>
             <a:endParaRPr lang="zh-CN" altLang="en-US"/>
           </a:p>
@@ -780,13 +949,7 @@
   <p:cSld>
     <p:spTree>
       <p:nvGrpSpPr>
-        <p:cNvPr id="1" name="">
-          <a:extLst>
-            <a:ext uri="{FF2B5EF4-FFF2-40B4-BE49-F238E27FC236}">
-              <a16:creationId xmlns:a16="http://schemas.microsoft.com/office/drawing/2014/main" id="{5FF0B383-3F2B-56BD-EE86-803514AA7F0E}"/>
-            </a:ext>
-          </a:extLst>
-        </p:cNvPr>
+        <p:cNvPr id="1" name=""/>
         <p:cNvGrpSpPr/>
         <p:nvPr/>
       </p:nvGrpSpPr>
@@ -800,13 +963,7 @@
       </p:grpSpPr>
       <p:sp>
         <p:nvSpPr>
-          <p:cNvPr id="2" name="幻灯片图像占位符 1">
-            <a:extLst>
-              <a:ext uri="{FF2B5EF4-FFF2-40B4-BE49-F238E27FC236}">
-                <a16:creationId xmlns:a16="http://schemas.microsoft.com/office/drawing/2014/main" id="{040544B2-B3AD-D67B-C9B3-572842A0F252}"/>
-              </a:ext>
-            </a:extLst>
-          </p:cNvPr>
+          <p:cNvPr id="2" name="幻灯片图像占位符 1"/>
           <p:cNvSpPr>
             <a:spLocks noGrp="1" noRot="1" noChangeAspect="1"/>
           </p:cNvSpPr>
@@ -818,13 +975,7 @@
       </p:sp>
       <p:sp>
         <p:nvSpPr>
-          <p:cNvPr id="3" name="备注占位符 2">
-            <a:extLst>
-              <a:ext uri="{FF2B5EF4-FFF2-40B4-BE49-F238E27FC236}">
-                <a16:creationId xmlns:a16="http://schemas.microsoft.com/office/drawing/2014/main" id="{69A6BE01-3738-4923-0C59-52D674D0E6A1}"/>
-              </a:ext>
-            </a:extLst>
-          </p:cNvPr>
+          <p:cNvPr id="3" name="备注占位符 2"/>
           <p:cNvSpPr>
             <a:spLocks noGrp="1"/>
           </p:cNvSpPr>
@@ -843,13 +994,7 @@
       </p:sp>
       <p:sp>
         <p:nvSpPr>
-          <p:cNvPr id="4" name="灯片编号占位符 3">
-            <a:extLst>
-              <a:ext uri="{FF2B5EF4-FFF2-40B4-BE49-F238E27FC236}">
-                <a16:creationId xmlns:a16="http://schemas.microsoft.com/office/drawing/2014/main" id="{DF8EC71F-14A4-EE5B-2996-4A9AC4642327}"/>
-              </a:ext>
-            </a:extLst>
-          </p:cNvPr>
+          <p:cNvPr id="4" name="灯片编号占位符 3"/>
           <p:cNvSpPr>
             <a:spLocks noGrp="1"/>
           </p:cNvSpPr>
@@ -864,18 +1009,12 @@
           <a:p>
             <a:fld id="{A6837353-30EB-4A48-80EB-173D804AEFBD}" type="slidenum">
               <a:rPr lang="zh-CN" altLang="en-US" smtClean="0"/>
-              <a:t>3</a:t>
             </a:fld>
             <a:endParaRPr lang="zh-CN" altLang="en-US"/>
           </a:p>
         </p:txBody>
       </p:sp>
     </p:spTree>
-    <p:extLst>
-      <p:ext uri="{BB962C8B-B14F-4D97-AF65-F5344CB8AC3E}">
-        <p14:creationId xmlns:p14="http://schemas.microsoft.com/office/powerpoint/2010/main" val="3708092563"/>
-      </p:ext>
-    </p:extLst>
   </p:cSld>
   <p:clrMapOvr>
     <a:masterClrMapping/>
@@ -888,13 +1027,7 @@
   <p:cSld>
     <p:spTree>
       <p:nvGrpSpPr>
-        <p:cNvPr id="1" name="">
-          <a:extLst>
-            <a:ext uri="{FF2B5EF4-FFF2-40B4-BE49-F238E27FC236}">
-              <a16:creationId xmlns:a16="http://schemas.microsoft.com/office/drawing/2014/main" id="{5FF0B383-3F2B-56BD-EE86-803514AA7F0E}"/>
-            </a:ext>
-          </a:extLst>
-        </p:cNvPr>
+        <p:cNvPr id="1" name=""/>
         <p:cNvGrpSpPr/>
         <p:nvPr/>
       </p:nvGrpSpPr>
@@ -908,13 +1041,7 @@
       </p:grpSpPr>
       <p:sp>
         <p:nvSpPr>
-          <p:cNvPr id="2" name="幻灯片图像占位符 1">
-            <a:extLst>
-              <a:ext uri="{FF2B5EF4-FFF2-40B4-BE49-F238E27FC236}">
-                <a16:creationId xmlns:a16="http://schemas.microsoft.com/office/drawing/2014/main" id="{040544B2-B3AD-D67B-C9B3-572842A0F252}"/>
-              </a:ext>
-            </a:extLst>
-          </p:cNvPr>
+          <p:cNvPr id="2" name="幻灯片图像占位符 1"/>
           <p:cNvSpPr>
             <a:spLocks noGrp="1" noRot="1" noChangeAspect="1"/>
           </p:cNvSpPr>
@@ -926,13 +1053,7 @@
       </p:sp>
       <p:sp>
         <p:nvSpPr>
-          <p:cNvPr id="3" name="备注占位符 2">
-            <a:extLst>
-              <a:ext uri="{FF2B5EF4-FFF2-40B4-BE49-F238E27FC236}">
-                <a16:creationId xmlns:a16="http://schemas.microsoft.com/office/drawing/2014/main" id="{69A6BE01-3738-4923-0C59-52D674D0E6A1}"/>
-              </a:ext>
-            </a:extLst>
-          </p:cNvPr>
+          <p:cNvPr id="3" name="备注占位符 2"/>
           <p:cNvSpPr>
             <a:spLocks noGrp="1"/>
           </p:cNvSpPr>
@@ -951,13 +1072,7 @@
       </p:sp>
       <p:sp>
         <p:nvSpPr>
-          <p:cNvPr id="4" name="灯片编号占位符 3">
-            <a:extLst>
-              <a:ext uri="{FF2B5EF4-FFF2-40B4-BE49-F238E27FC236}">
-                <a16:creationId xmlns:a16="http://schemas.microsoft.com/office/drawing/2014/main" id="{DF8EC71F-14A4-EE5B-2996-4A9AC4642327}"/>
-              </a:ext>
-            </a:extLst>
-          </p:cNvPr>
+          <p:cNvPr id="4" name="灯片编号占位符 3"/>
           <p:cNvSpPr>
             <a:spLocks noGrp="1"/>
           </p:cNvSpPr>
@@ -972,18 +1087,12 @@
           <a:p>
             <a:fld id="{A6837353-30EB-4A48-80EB-173D804AEFBD}" type="slidenum">
               <a:rPr lang="zh-CN" altLang="en-US" smtClean="0"/>
-              <a:t>4</a:t>
             </a:fld>
             <a:endParaRPr lang="zh-CN" altLang="en-US"/>
           </a:p>
         </p:txBody>
       </p:sp>
     </p:spTree>
-    <p:extLst>
-      <p:ext uri="{BB962C8B-B14F-4D97-AF65-F5344CB8AC3E}">
-        <p14:creationId xmlns:p14="http://schemas.microsoft.com/office/powerpoint/2010/main" val="2451908142"/>
-      </p:ext>
-    </p:extLst>
   </p:cSld>
   <p:clrMapOvr>
     <a:masterClrMapping/>
@@ -996,13 +1105,7 @@
   <p:cSld>
     <p:spTree>
       <p:nvGrpSpPr>
-        <p:cNvPr id="1" name="">
-          <a:extLst>
-            <a:ext uri="{FF2B5EF4-FFF2-40B4-BE49-F238E27FC236}">
-              <a16:creationId xmlns:a16="http://schemas.microsoft.com/office/drawing/2014/main" id="{5FF0B383-3F2B-56BD-EE86-803514AA7F0E}"/>
-            </a:ext>
-          </a:extLst>
-        </p:cNvPr>
+        <p:cNvPr id="1" name=""/>
         <p:cNvGrpSpPr/>
         <p:nvPr/>
       </p:nvGrpSpPr>
@@ -1016,13 +1119,7 @@
       </p:grpSpPr>
       <p:sp>
         <p:nvSpPr>
-          <p:cNvPr id="2" name="幻灯片图像占位符 1">
-            <a:extLst>
-              <a:ext uri="{FF2B5EF4-FFF2-40B4-BE49-F238E27FC236}">
-                <a16:creationId xmlns:a16="http://schemas.microsoft.com/office/drawing/2014/main" id="{040544B2-B3AD-D67B-C9B3-572842A0F252}"/>
-              </a:ext>
-            </a:extLst>
-          </p:cNvPr>
+          <p:cNvPr id="2" name="幻灯片图像占位符 1"/>
           <p:cNvSpPr>
             <a:spLocks noGrp="1" noRot="1" noChangeAspect="1"/>
           </p:cNvSpPr>
@@ -1034,13 +1131,7 @@
       </p:sp>
       <p:sp>
         <p:nvSpPr>
-          <p:cNvPr id="3" name="备注占位符 2">
-            <a:extLst>
-              <a:ext uri="{FF2B5EF4-FFF2-40B4-BE49-F238E27FC236}">
-                <a16:creationId xmlns:a16="http://schemas.microsoft.com/office/drawing/2014/main" id="{69A6BE01-3738-4923-0C59-52D674D0E6A1}"/>
-              </a:ext>
-            </a:extLst>
-          </p:cNvPr>
+          <p:cNvPr id="3" name="备注占位符 2"/>
           <p:cNvSpPr>
             <a:spLocks noGrp="1"/>
           </p:cNvSpPr>
@@ -1059,13 +1150,7 @@
       </p:sp>
       <p:sp>
         <p:nvSpPr>
-          <p:cNvPr id="4" name="灯片编号占位符 3">
-            <a:extLst>
-              <a:ext uri="{FF2B5EF4-FFF2-40B4-BE49-F238E27FC236}">
-                <a16:creationId xmlns:a16="http://schemas.microsoft.com/office/drawing/2014/main" id="{DF8EC71F-14A4-EE5B-2996-4A9AC4642327}"/>
-              </a:ext>
-            </a:extLst>
-          </p:cNvPr>
+          <p:cNvPr id="4" name="灯片编号占位符 3"/>
           <p:cNvSpPr>
             <a:spLocks noGrp="1"/>
           </p:cNvSpPr>
@@ -1080,18 +1165,12 @@
           <a:p>
             <a:fld id="{A6837353-30EB-4A48-80EB-173D804AEFBD}" type="slidenum">
               <a:rPr lang="zh-CN" altLang="en-US" smtClean="0"/>
-              <a:t>5</a:t>
             </a:fld>
             <a:endParaRPr lang="zh-CN" altLang="en-US"/>
           </a:p>
         </p:txBody>
       </p:sp>
     </p:spTree>
-    <p:extLst>
-      <p:ext uri="{BB962C8B-B14F-4D97-AF65-F5344CB8AC3E}">
-        <p14:creationId xmlns:p14="http://schemas.microsoft.com/office/powerpoint/2010/main" val="2617121034"/>
-      </p:ext>
-    </p:extLst>
   </p:cSld>
   <p:clrMapOvr>
     <a:masterClrMapping/>
@@ -1104,13 +1183,7 @@
   <p:cSld>
     <p:spTree>
       <p:nvGrpSpPr>
-        <p:cNvPr id="1" name="">
-          <a:extLst>
-            <a:ext uri="{FF2B5EF4-FFF2-40B4-BE49-F238E27FC236}">
-              <a16:creationId xmlns:a16="http://schemas.microsoft.com/office/drawing/2014/main" id="{5FF0B383-3F2B-56BD-EE86-803514AA7F0E}"/>
-            </a:ext>
-          </a:extLst>
-        </p:cNvPr>
+        <p:cNvPr id="1" name=""/>
         <p:cNvGrpSpPr/>
         <p:nvPr/>
       </p:nvGrpSpPr>
@@ -1124,13 +1197,7 @@
       </p:grpSpPr>
       <p:sp>
         <p:nvSpPr>
-          <p:cNvPr id="2" name="幻灯片图像占位符 1">
-            <a:extLst>
-              <a:ext uri="{FF2B5EF4-FFF2-40B4-BE49-F238E27FC236}">
-                <a16:creationId xmlns:a16="http://schemas.microsoft.com/office/drawing/2014/main" id="{040544B2-B3AD-D67B-C9B3-572842A0F252}"/>
-              </a:ext>
-            </a:extLst>
-          </p:cNvPr>
+          <p:cNvPr id="2" name="幻灯片图像占位符 1"/>
           <p:cNvSpPr>
             <a:spLocks noGrp="1" noRot="1" noChangeAspect="1"/>
           </p:cNvSpPr>
@@ -1142,13 +1209,7 @@
       </p:sp>
       <p:sp>
         <p:nvSpPr>
-          <p:cNvPr id="3" name="备注占位符 2">
-            <a:extLst>
-              <a:ext uri="{FF2B5EF4-FFF2-40B4-BE49-F238E27FC236}">
-                <a16:creationId xmlns:a16="http://schemas.microsoft.com/office/drawing/2014/main" id="{69A6BE01-3738-4923-0C59-52D674D0E6A1}"/>
-              </a:ext>
-            </a:extLst>
-          </p:cNvPr>
+          <p:cNvPr id="3" name="备注占位符 2"/>
           <p:cNvSpPr>
             <a:spLocks noGrp="1"/>
           </p:cNvSpPr>
@@ -1167,13 +1228,7 @@
       </p:sp>
       <p:sp>
         <p:nvSpPr>
-          <p:cNvPr id="4" name="灯片编号占位符 3">
-            <a:extLst>
-              <a:ext uri="{FF2B5EF4-FFF2-40B4-BE49-F238E27FC236}">
-                <a16:creationId xmlns:a16="http://schemas.microsoft.com/office/drawing/2014/main" id="{DF8EC71F-14A4-EE5B-2996-4A9AC4642327}"/>
-              </a:ext>
-            </a:extLst>
-          </p:cNvPr>
+          <p:cNvPr id="4" name="灯片编号占位符 3"/>
           <p:cNvSpPr>
             <a:spLocks noGrp="1"/>
           </p:cNvSpPr>
@@ -1188,18 +1243,12 @@
           <a:p>
             <a:fld id="{A6837353-30EB-4A48-80EB-173D804AEFBD}" type="slidenum">
               <a:rPr lang="zh-CN" altLang="en-US" smtClean="0"/>
-              <a:t>6</a:t>
             </a:fld>
             <a:endParaRPr lang="zh-CN" altLang="en-US"/>
           </a:p>
         </p:txBody>
       </p:sp>
     </p:spTree>
-    <p:extLst>
-      <p:ext uri="{BB962C8B-B14F-4D97-AF65-F5344CB8AC3E}">
-        <p14:creationId xmlns:p14="http://schemas.microsoft.com/office/powerpoint/2010/main" val="2391609166"/>
-      </p:ext>
-    </p:extLst>
   </p:cSld>
   <p:clrMapOvr>
     <a:masterClrMapping/>
@@ -1212,13 +1261,7 @@
   <p:cSld>
     <p:spTree>
       <p:nvGrpSpPr>
-        <p:cNvPr id="1" name="">
-          <a:extLst>
-            <a:ext uri="{FF2B5EF4-FFF2-40B4-BE49-F238E27FC236}">
-              <a16:creationId xmlns:a16="http://schemas.microsoft.com/office/drawing/2014/main" id="{5FF0B383-3F2B-56BD-EE86-803514AA7F0E}"/>
-            </a:ext>
-          </a:extLst>
-        </p:cNvPr>
+        <p:cNvPr id="1" name=""/>
         <p:cNvGrpSpPr/>
         <p:nvPr/>
       </p:nvGrpSpPr>
@@ -1232,13 +1275,7 @@
       </p:grpSpPr>
       <p:sp>
         <p:nvSpPr>
-          <p:cNvPr id="2" name="幻灯片图像占位符 1">
-            <a:extLst>
-              <a:ext uri="{FF2B5EF4-FFF2-40B4-BE49-F238E27FC236}">
-                <a16:creationId xmlns:a16="http://schemas.microsoft.com/office/drawing/2014/main" id="{040544B2-B3AD-D67B-C9B3-572842A0F252}"/>
-              </a:ext>
-            </a:extLst>
-          </p:cNvPr>
+          <p:cNvPr id="2" name="幻灯片图像占位符 1"/>
           <p:cNvSpPr>
             <a:spLocks noGrp="1" noRot="1" noChangeAspect="1"/>
           </p:cNvSpPr>
@@ -1250,13 +1287,7 @@
       </p:sp>
       <p:sp>
         <p:nvSpPr>
-          <p:cNvPr id="3" name="备注占位符 2">
-            <a:extLst>
-              <a:ext uri="{FF2B5EF4-FFF2-40B4-BE49-F238E27FC236}">
-                <a16:creationId xmlns:a16="http://schemas.microsoft.com/office/drawing/2014/main" id="{69A6BE01-3738-4923-0C59-52D674D0E6A1}"/>
-              </a:ext>
-            </a:extLst>
-          </p:cNvPr>
+          <p:cNvPr id="3" name="备注占位符 2"/>
           <p:cNvSpPr>
             <a:spLocks noGrp="1"/>
           </p:cNvSpPr>
@@ -1275,13 +1306,7 @@
       </p:sp>
       <p:sp>
         <p:nvSpPr>
-          <p:cNvPr id="4" name="灯片编号占位符 3">
-            <a:extLst>
-              <a:ext uri="{FF2B5EF4-FFF2-40B4-BE49-F238E27FC236}">
-                <a16:creationId xmlns:a16="http://schemas.microsoft.com/office/drawing/2014/main" id="{DF8EC71F-14A4-EE5B-2996-4A9AC4642327}"/>
-              </a:ext>
-            </a:extLst>
-          </p:cNvPr>
+          <p:cNvPr id="4" name="灯片编号占位符 3"/>
           <p:cNvSpPr>
             <a:spLocks noGrp="1"/>
           </p:cNvSpPr>
@@ -1296,18 +1321,12 @@
           <a:p>
             <a:fld id="{A6837353-30EB-4A48-80EB-173D804AEFBD}" type="slidenum">
               <a:rPr lang="zh-CN" altLang="en-US" smtClean="0"/>
-              <a:t>7</a:t>
             </a:fld>
             <a:endParaRPr lang="zh-CN" altLang="en-US"/>
           </a:p>
         </p:txBody>
       </p:sp>
     </p:spTree>
-    <p:extLst>
-      <p:ext uri="{BB962C8B-B14F-4D97-AF65-F5344CB8AC3E}">
-        <p14:creationId xmlns:p14="http://schemas.microsoft.com/office/powerpoint/2010/main" val="2027048556"/>
-      </p:ext>
-    </p:extLst>
   </p:cSld>
   <p:clrMapOvr>
     <a:masterClrMapping/>
@@ -1320,13 +1339,7 @@
   <p:cSld>
     <p:spTree>
       <p:nvGrpSpPr>
-        <p:cNvPr id="1" name="">
-          <a:extLst>
-            <a:ext uri="{FF2B5EF4-FFF2-40B4-BE49-F238E27FC236}">
-              <a16:creationId xmlns:a16="http://schemas.microsoft.com/office/drawing/2014/main" id="{5FF0B383-3F2B-56BD-EE86-803514AA7F0E}"/>
-            </a:ext>
-          </a:extLst>
-        </p:cNvPr>
+        <p:cNvPr id="1" name=""/>
         <p:cNvGrpSpPr/>
         <p:nvPr/>
       </p:nvGrpSpPr>
@@ -1340,13 +1353,7 @@
       </p:grpSpPr>
       <p:sp>
         <p:nvSpPr>
-          <p:cNvPr id="2" name="幻灯片图像占位符 1">
-            <a:extLst>
-              <a:ext uri="{FF2B5EF4-FFF2-40B4-BE49-F238E27FC236}">
-                <a16:creationId xmlns:a16="http://schemas.microsoft.com/office/drawing/2014/main" id="{040544B2-B3AD-D67B-C9B3-572842A0F252}"/>
-              </a:ext>
-            </a:extLst>
-          </p:cNvPr>
+          <p:cNvPr id="2" name="幻灯片图像占位符 1"/>
           <p:cNvSpPr>
             <a:spLocks noGrp="1" noRot="1" noChangeAspect="1"/>
           </p:cNvSpPr>
@@ -1358,13 +1365,7 @@
       </p:sp>
       <p:sp>
         <p:nvSpPr>
-          <p:cNvPr id="3" name="备注占位符 2">
-            <a:extLst>
-              <a:ext uri="{FF2B5EF4-FFF2-40B4-BE49-F238E27FC236}">
-                <a16:creationId xmlns:a16="http://schemas.microsoft.com/office/drawing/2014/main" id="{69A6BE01-3738-4923-0C59-52D674D0E6A1}"/>
-              </a:ext>
-            </a:extLst>
-          </p:cNvPr>
+          <p:cNvPr id="3" name="备注占位符 2"/>
           <p:cNvSpPr>
             <a:spLocks noGrp="1"/>
           </p:cNvSpPr>
@@ -1383,13 +1384,7 @@
       </p:sp>
       <p:sp>
         <p:nvSpPr>
-          <p:cNvPr id="4" name="灯片编号占位符 3">
-            <a:extLst>
-              <a:ext uri="{FF2B5EF4-FFF2-40B4-BE49-F238E27FC236}">
-                <a16:creationId xmlns:a16="http://schemas.microsoft.com/office/drawing/2014/main" id="{DF8EC71F-14A4-EE5B-2996-4A9AC4642327}"/>
-              </a:ext>
-            </a:extLst>
-          </p:cNvPr>
+          <p:cNvPr id="4" name="灯片编号占位符 3"/>
           <p:cNvSpPr>
             <a:spLocks noGrp="1"/>
           </p:cNvSpPr>
@@ -1404,18 +1399,12 @@
           <a:p>
             <a:fld id="{A6837353-30EB-4A48-80EB-173D804AEFBD}" type="slidenum">
               <a:rPr lang="zh-CN" altLang="en-US" smtClean="0"/>
-              <a:t>8</a:t>
             </a:fld>
             <a:endParaRPr lang="zh-CN" altLang="en-US"/>
           </a:p>
         </p:txBody>
       </p:sp>
     </p:spTree>
-    <p:extLst>
-      <p:ext uri="{BB962C8B-B14F-4D97-AF65-F5344CB8AC3E}">
-        <p14:creationId xmlns:p14="http://schemas.microsoft.com/office/powerpoint/2010/main" val="1327424448"/>
-      </p:ext>
-    </p:extLst>
   </p:cSld>
   <p:clrMapOvr>
     <a:masterClrMapping/>
@@ -1428,13 +1417,7 @@
   <p:cSld>
     <p:spTree>
       <p:nvGrpSpPr>
-        <p:cNvPr id="1" name="">
-          <a:extLst>
-            <a:ext uri="{FF2B5EF4-FFF2-40B4-BE49-F238E27FC236}">
-              <a16:creationId xmlns:a16="http://schemas.microsoft.com/office/drawing/2014/main" id="{5FF0B383-3F2B-56BD-EE86-803514AA7F0E}"/>
-            </a:ext>
-          </a:extLst>
-        </p:cNvPr>
+        <p:cNvPr id="1" name=""/>
         <p:cNvGrpSpPr/>
         <p:nvPr/>
       </p:nvGrpSpPr>
@@ -1448,13 +1431,7 @@
       </p:grpSpPr>
       <p:sp>
         <p:nvSpPr>
-          <p:cNvPr id="2" name="幻灯片图像占位符 1">
-            <a:extLst>
-              <a:ext uri="{FF2B5EF4-FFF2-40B4-BE49-F238E27FC236}">
-                <a16:creationId xmlns:a16="http://schemas.microsoft.com/office/drawing/2014/main" id="{040544B2-B3AD-D67B-C9B3-572842A0F252}"/>
-              </a:ext>
-            </a:extLst>
-          </p:cNvPr>
+          <p:cNvPr id="2" name="幻灯片图像占位符 1"/>
           <p:cNvSpPr>
             <a:spLocks noGrp="1" noRot="1" noChangeAspect="1"/>
           </p:cNvSpPr>
@@ -1466,13 +1443,7 @@
       </p:sp>
       <p:sp>
         <p:nvSpPr>
-          <p:cNvPr id="3" name="备注占位符 2">
-            <a:extLst>
-              <a:ext uri="{FF2B5EF4-FFF2-40B4-BE49-F238E27FC236}">
-                <a16:creationId xmlns:a16="http://schemas.microsoft.com/office/drawing/2014/main" id="{69A6BE01-3738-4923-0C59-52D674D0E6A1}"/>
-              </a:ext>
-            </a:extLst>
-          </p:cNvPr>
+          <p:cNvPr id="3" name="备注占位符 2"/>
           <p:cNvSpPr>
             <a:spLocks noGrp="1"/>
           </p:cNvSpPr>
@@ -1491,13 +1462,7 @@
       </p:sp>
       <p:sp>
         <p:nvSpPr>
-          <p:cNvPr id="4" name="灯片编号占位符 3">
-            <a:extLst>
-              <a:ext uri="{FF2B5EF4-FFF2-40B4-BE49-F238E27FC236}">
-                <a16:creationId xmlns:a16="http://schemas.microsoft.com/office/drawing/2014/main" id="{DF8EC71F-14A4-EE5B-2996-4A9AC4642327}"/>
-              </a:ext>
-            </a:extLst>
-          </p:cNvPr>
+          <p:cNvPr id="4" name="灯片编号占位符 3"/>
           <p:cNvSpPr>
             <a:spLocks noGrp="1"/>
           </p:cNvSpPr>
@@ -1512,18 +1477,12 @@
           <a:p>
             <a:fld id="{A6837353-30EB-4A48-80EB-173D804AEFBD}" type="slidenum">
               <a:rPr lang="zh-CN" altLang="en-US" smtClean="0"/>
-              <a:t>9</a:t>
             </a:fld>
             <a:endParaRPr lang="zh-CN" altLang="en-US"/>
           </a:p>
         </p:txBody>
       </p:sp>
     </p:spTree>
-    <p:extLst>
-      <p:ext uri="{BB962C8B-B14F-4D97-AF65-F5344CB8AC3E}">
-        <p14:creationId xmlns:p14="http://schemas.microsoft.com/office/powerpoint/2010/main" val="2611482733"/>
-      </p:ext>
-    </p:extLst>
   </p:cSld>
   <p:clrMapOvr>
     <a:masterClrMapping/>
@@ -1576,6 +1535,7 @@
               <a:rPr lang="zh-CN" altLang="en-US"/>
               <a:t>单击此处编辑母版标题样式</a:t>
             </a:r>
+            <a:endParaRPr lang="zh-CN" altLang="en-US"/>
           </a:p>
         </p:txBody>
       </p:sp>
@@ -1640,6 +1600,7 @@
               <a:rPr lang="zh-CN" altLang="en-US"/>
               <a:t>单击此处编辑母版副标题样式</a:t>
             </a:r>
+            <a:endParaRPr lang="zh-CN" altLang="en-US"/>
           </a:p>
         </p:txBody>
       </p:sp>
@@ -1660,7 +1621,6 @@
           <a:p>
             <a:fld id="{D997B5FA-0921-464F-AAE1-844C04324D75}" type="datetimeFigureOut">
               <a:rPr lang="zh-CN" altLang="en-US" smtClean="0"/>
-              <a:t>2025/4/8</a:t>
             </a:fld>
             <a:endParaRPr lang="zh-CN" altLang="en-US"/>
           </a:p>
@@ -1702,7 +1662,6 @@
           <a:p>
             <a:fld id="{565CE74E-AB26-4998-AD42-012C4C1AD076}" type="slidenum">
               <a:rPr lang="zh-CN" altLang="en-US" smtClean="0"/>
-              <a:t>‹#›</a:t>
             </a:fld>
             <a:endParaRPr lang="zh-CN" altLang="en-US"/>
           </a:p>
@@ -1713,13 +1672,13 @@
   <p:clrMapOvr>
     <a:masterClrMapping/>
   </p:clrMapOvr>
-  <mc:AlternateContent xmlns:mc="http://schemas.openxmlformats.org/markup-compatibility/2006" xmlns:p14="http://schemas.microsoft.com/office/powerpoint/2010/main">
-    <mc:Choice Requires="p14">
+  <mc:AlternateContent xmlns:mc="http://schemas.openxmlformats.org/markup-compatibility/2006">
+    <mc:Choice xmlns:p14="http://schemas.microsoft.com/office/powerpoint/2010/main" Requires="p14">
       <p:transition spd="med" p14:dur="699">
         <p:fade/>
       </p:transition>
     </mc:Choice>
-    <mc:Fallback xmlns="">
+    <mc:Fallback>
       <p:transition spd="med">
         <p:fade/>
       </p:transition>
@@ -1764,6 +1723,7 @@
               <a:rPr lang="zh-CN" altLang="en-US"/>
               <a:t>单击此处编辑母版标题样式</a:t>
             </a:r>
+            <a:endParaRPr lang="zh-CN" altLang="en-US"/>
           </a:p>
         </p:txBody>
       </p:sp>
@@ -1787,6 +1747,7 @@
               <a:rPr lang="zh-CN" altLang="en-US"/>
               <a:t>单击此处编辑母版文本样式</a:t>
             </a:r>
+            <a:endParaRPr lang="zh-CN" altLang="en-US"/>
           </a:p>
           <a:p>
             <a:pPr lvl="1"/>
@@ -1794,6 +1755,7 @@
               <a:rPr lang="zh-CN" altLang="en-US"/>
               <a:t>第二级</a:t>
             </a:r>
+            <a:endParaRPr lang="zh-CN" altLang="en-US"/>
           </a:p>
           <a:p>
             <a:pPr lvl="2"/>
@@ -1801,6 +1763,7 @@
               <a:rPr lang="zh-CN" altLang="en-US"/>
               <a:t>第三级</a:t>
             </a:r>
+            <a:endParaRPr lang="zh-CN" altLang="en-US"/>
           </a:p>
           <a:p>
             <a:pPr lvl="3"/>
@@ -1808,6 +1771,7 @@
               <a:rPr lang="zh-CN" altLang="en-US"/>
               <a:t>第四级</a:t>
             </a:r>
+            <a:endParaRPr lang="zh-CN" altLang="en-US"/>
           </a:p>
           <a:p>
             <a:pPr lvl="4"/>
@@ -1815,6 +1779,7 @@
               <a:rPr lang="zh-CN" altLang="en-US"/>
               <a:t>第五级</a:t>
             </a:r>
+            <a:endParaRPr lang="zh-CN" altLang="en-US"/>
           </a:p>
         </p:txBody>
       </p:sp>
@@ -1835,7 +1800,6 @@
           <a:p>
             <a:fld id="{D997B5FA-0921-464F-AAE1-844C04324D75}" type="datetimeFigureOut">
               <a:rPr lang="zh-CN" altLang="en-US" smtClean="0"/>
-              <a:t>2025/4/8</a:t>
             </a:fld>
             <a:endParaRPr lang="zh-CN" altLang="en-US"/>
           </a:p>
@@ -1877,7 +1841,6 @@
           <a:p>
             <a:fld id="{565CE74E-AB26-4998-AD42-012C4C1AD076}" type="slidenum">
               <a:rPr lang="zh-CN" altLang="en-US" smtClean="0"/>
-              <a:t>‹#›</a:t>
             </a:fld>
             <a:endParaRPr lang="zh-CN" altLang="en-US"/>
           </a:p>
@@ -1888,13 +1851,13 @@
   <p:clrMapOvr>
     <a:masterClrMapping/>
   </p:clrMapOvr>
-  <mc:AlternateContent xmlns:mc="http://schemas.openxmlformats.org/markup-compatibility/2006" xmlns:p14="http://schemas.microsoft.com/office/powerpoint/2010/main">
-    <mc:Choice Requires="p14">
+  <mc:AlternateContent xmlns:mc="http://schemas.openxmlformats.org/markup-compatibility/2006">
+    <mc:Choice xmlns:p14="http://schemas.microsoft.com/office/powerpoint/2010/main" Requires="p14">
       <p:transition spd="med" p14:dur="699">
         <p:fade/>
       </p:transition>
     </mc:Choice>
-    <mc:Fallback xmlns="">
+    <mc:Fallback>
       <p:transition spd="med">
         <p:fade/>
       </p:transition>
@@ -1944,6 +1907,7 @@
               <a:rPr lang="zh-CN" altLang="en-US"/>
               <a:t>单击此处编辑母版标题样式</a:t>
             </a:r>
+            <a:endParaRPr lang="zh-CN" altLang="en-US"/>
           </a:p>
         </p:txBody>
       </p:sp>
@@ -1972,6 +1936,7 @@
               <a:rPr lang="zh-CN" altLang="en-US"/>
               <a:t>单击此处编辑母版文本样式</a:t>
             </a:r>
+            <a:endParaRPr lang="zh-CN" altLang="en-US"/>
           </a:p>
           <a:p>
             <a:pPr lvl="1"/>
@@ -1979,6 +1944,7 @@
               <a:rPr lang="zh-CN" altLang="en-US"/>
               <a:t>第二级</a:t>
             </a:r>
+            <a:endParaRPr lang="zh-CN" altLang="en-US"/>
           </a:p>
           <a:p>
             <a:pPr lvl="2"/>
@@ -1986,6 +1952,7 @@
               <a:rPr lang="zh-CN" altLang="en-US"/>
               <a:t>第三级</a:t>
             </a:r>
+            <a:endParaRPr lang="zh-CN" altLang="en-US"/>
           </a:p>
           <a:p>
             <a:pPr lvl="3"/>
@@ -1993,6 +1960,7 @@
               <a:rPr lang="zh-CN" altLang="en-US"/>
               <a:t>第四级</a:t>
             </a:r>
+            <a:endParaRPr lang="zh-CN" altLang="en-US"/>
           </a:p>
           <a:p>
             <a:pPr lvl="4"/>
@@ -2000,6 +1968,7 @@
               <a:rPr lang="zh-CN" altLang="en-US"/>
               <a:t>第五级</a:t>
             </a:r>
+            <a:endParaRPr lang="zh-CN" altLang="en-US"/>
           </a:p>
         </p:txBody>
       </p:sp>
@@ -2020,7 +1989,6 @@
           <a:p>
             <a:fld id="{D997B5FA-0921-464F-AAE1-844C04324D75}" type="datetimeFigureOut">
               <a:rPr lang="zh-CN" altLang="en-US" smtClean="0"/>
-              <a:t>2025/4/8</a:t>
             </a:fld>
             <a:endParaRPr lang="zh-CN" altLang="en-US"/>
           </a:p>
@@ -2062,7 +2030,6 @@
           <a:p>
             <a:fld id="{565CE74E-AB26-4998-AD42-012C4C1AD076}" type="slidenum">
               <a:rPr lang="zh-CN" altLang="en-US" smtClean="0"/>
-              <a:t>‹#›</a:t>
             </a:fld>
             <a:endParaRPr lang="zh-CN" altLang="en-US"/>
           </a:p>
@@ -2073,13 +2040,13 @@
   <p:clrMapOvr>
     <a:masterClrMapping/>
   </p:clrMapOvr>
-  <mc:AlternateContent xmlns:mc="http://schemas.openxmlformats.org/markup-compatibility/2006" xmlns:p14="http://schemas.microsoft.com/office/powerpoint/2010/main">
-    <mc:Choice Requires="p14">
+  <mc:AlternateContent xmlns:mc="http://schemas.openxmlformats.org/markup-compatibility/2006">
+    <mc:Choice xmlns:p14="http://schemas.microsoft.com/office/powerpoint/2010/main" Requires="p14">
       <p:transition spd="med" p14:dur="699">
         <p:fade/>
       </p:transition>
     </mc:Choice>
-    <mc:Fallback xmlns="">
+    <mc:Fallback>
       <p:transition spd="med">
         <p:fade/>
       </p:transition>
@@ -2124,6 +2091,7 @@
               <a:rPr lang="zh-CN" altLang="en-US"/>
               <a:t>单击此处编辑母版标题样式</a:t>
             </a:r>
+            <a:endParaRPr lang="zh-CN" altLang="en-US"/>
           </a:p>
         </p:txBody>
       </p:sp>
@@ -2147,6 +2115,7 @@
               <a:rPr lang="zh-CN" altLang="en-US"/>
               <a:t>单击此处编辑母版文本样式</a:t>
             </a:r>
+            <a:endParaRPr lang="zh-CN" altLang="en-US"/>
           </a:p>
           <a:p>
             <a:pPr lvl="1"/>
@@ -2154,6 +2123,7 @@
               <a:rPr lang="zh-CN" altLang="en-US"/>
               <a:t>第二级</a:t>
             </a:r>
+            <a:endParaRPr lang="zh-CN" altLang="en-US"/>
           </a:p>
           <a:p>
             <a:pPr lvl="2"/>
@@ -2161,6 +2131,7 @@
               <a:rPr lang="zh-CN" altLang="en-US"/>
               <a:t>第三级</a:t>
             </a:r>
+            <a:endParaRPr lang="zh-CN" altLang="en-US"/>
           </a:p>
           <a:p>
             <a:pPr lvl="3"/>
@@ -2168,6 +2139,7 @@
               <a:rPr lang="zh-CN" altLang="en-US"/>
               <a:t>第四级</a:t>
             </a:r>
+            <a:endParaRPr lang="zh-CN" altLang="en-US"/>
           </a:p>
           <a:p>
             <a:pPr lvl="4"/>
@@ -2175,6 +2147,7 @@
               <a:rPr lang="zh-CN" altLang="en-US"/>
               <a:t>第五级</a:t>
             </a:r>
+            <a:endParaRPr lang="zh-CN" altLang="en-US"/>
           </a:p>
         </p:txBody>
       </p:sp>
@@ -2195,7 +2168,6 @@
           <a:p>
             <a:fld id="{D997B5FA-0921-464F-AAE1-844C04324D75}" type="datetimeFigureOut">
               <a:rPr lang="zh-CN" altLang="en-US" smtClean="0"/>
-              <a:t>2025/4/8</a:t>
             </a:fld>
             <a:endParaRPr lang="zh-CN" altLang="en-US"/>
           </a:p>
@@ -2237,7 +2209,6 @@
           <a:p>
             <a:fld id="{565CE74E-AB26-4998-AD42-012C4C1AD076}" type="slidenum">
               <a:rPr lang="zh-CN" altLang="en-US" smtClean="0"/>
-              <a:t>‹#›</a:t>
             </a:fld>
             <a:endParaRPr lang="zh-CN" altLang="en-US"/>
           </a:p>
@@ -2248,13 +2219,13 @@
   <p:clrMapOvr>
     <a:masterClrMapping/>
   </p:clrMapOvr>
-  <mc:AlternateContent xmlns:mc="http://schemas.openxmlformats.org/markup-compatibility/2006" xmlns:p14="http://schemas.microsoft.com/office/powerpoint/2010/main">
-    <mc:Choice Requires="p14">
+  <mc:AlternateContent xmlns:mc="http://schemas.openxmlformats.org/markup-compatibility/2006">
+    <mc:Choice xmlns:p14="http://schemas.microsoft.com/office/powerpoint/2010/main" Requires="p14">
       <p:transition spd="med" p14:dur="699">
         <p:fade/>
       </p:transition>
     </mc:Choice>
-    <mc:Fallback xmlns="">
+    <mc:Fallback>
       <p:transition spd="med">
         <p:fade/>
       </p:transition>
@@ -2308,6 +2279,7 @@
               <a:rPr lang="zh-CN" altLang="en-US"/>
               <a:t>单击此处编辑母版标题样式</a:t>
             </a:r>
+            <a:endParaRPr lang="zh-CN" altLang="en-US"/>
           </a:p>
         </p:txBody>
       </p:sp>
@@ -2427,6 +2399,7 @@
               <a:rPr lang="zh-CN" altLang="en-US"/>
               <a:t>单击此处编辑母版文本样式</a:t>
             </a:r>
+            <a:endParaRPr lang="zh-CN" altLang="en-US"/>
           </a:p>
         </p:txBody>
       </p:sp>
@@ -2447,7 +2420,6 @@
           <a:p>
             <a:fld id="{D997B5FA-0921-464F-AAE1-844C04324D75}" type="datetimeFigureOut">
               <a:rPr lang="zh-CN" altLang="en-US" smtClean="0"/>
-              <a:t>2025/4/8</a:t>
             </a:fld>
             <a:endParaRPr lang="zh-CN" altLang="en-US"/>
           </a:p>
@@ -2489,7 +2461,6 @@
           <a:p>
             <a:fld id="{565CE74E-AB26-4998-AD42-012C4C1AD076}" type="slidenum">
               <a:rPr lang="zh-CN" altLang="en-US" smtClean="0"/>
-              <a:t>‹#›</a:t>
             </a:fld>
             <a:endParaRPr lang="zh-CN" altLang="en-US"/>
           </a:p>
@@ -2500,13 +2471,13 @@
   <p:clrMapOvr>
     <a:masterClrMapping/>
   </p:clrMapOvr>
-  <mc:AlternateContent xmlns:mc="http://schemas.openxmlformats.org/markup-compatibility/2006" xmlns:p14="http://schemas.microsoft.com/office/powerpoint/2010/main">
-    <mc:Choice Requires="p14">
+  <mc:AlternateContent xmlns:mc="http://schemas.openxmlformats.org/markup-compatibility/2006">
+    <mc:Choice xmlns:p14="http://schemas.microsoft.com/office/powerpoint/2010/main" Requires="p14">
       <p:transition spd="med" p14:dur="699">
         <p:fade/>
       </p:transition>
     </mc:Choice>
-    <mc:Fallback xmlns="">
+    <mc:Fallback>
       <p:transition spd="med">
         <p:fade/>
       </p:transition>
@@ -2551,6 +2522,7 @@
               <a:rPr lang="zh-CN" altLang="en-US"/>
               <a:t>单击此处编辑母版标题样式</a:t>
             </a:r>
+            <a:endParaRPr lang="zh-CN" altLang="en-US"/>
           </a:p>
         </p:txBody>
       </p:sp>
@@ -2579,6 +2551,7 @@
               <a:rPr lang="zh-CN" altLang="en-US"/>
               <a:t>单击此处编辑母版文本样式</a:t>
             </a:r>
+            <a:endParaRPr lang="zh-CN" altLang="en-US"/>
           </a:p>
           <a:p>
             <a:pPr lvl="1"/>
@@ -2586,6 +2559,7 @@
               <a:rPr lang="zh-CN" altLang="en-US"/>
               <a:t>第二级</a:t>
             </a:r>
+            <a:endParaRPr lang="zh-CN" altLang="en-US"/>
           </a:p>
           <a:p>
             <a:pPr lvl="2"/>
@@ -2593,6 +2567,7 @@
               <a:rPr lang="zh-CN" altLang="en-US"/>
               <a:t>第三级</a:t>
             </a:r>
+            <a:endParaRPr lang="zh-CN" altLang="en-US"/>
           </a:p>
           <a:p>
             <a:pPr lvl="3"/>
@@ -2600,6 +2575,7 @@
               <a:rPr lang="zh-CN" altLang="en-US"/>
               <a:t>第四级</a:t>
             </a:r>
+            <a:endParaRPr lang="zh-CN" altLang="en-US"/>
           </a:p>
           <a:p>
             <a:pPr lvl="4"/>
@@ -2607,6 +2583,7 @@
               <a:rPr lang="zh-CN" altLang="en-US"/>
               <a:t>第五级</a:t>
             </a:r>
+            <a:endParaRPr lang="zh-CN" altLang="en-US"/>
           </a:p>
         </p:txBody>
       </p:sp>
@@ -2635,6 +2612,7 @@
               <a:rPr lang="zh-CN" altLang="en-US"/>
               <a:t>单击此处编辑母版文本样式</a:t>
             </a:r>
+            <a:endParaRPr lang="zh-CN" altLang="en-US"/>
           </a:p>
           <a:p>
             <a:pPr lvl="1"/>
@@ -2642,6 +2620,7 @@
               <a:rPr lang="zh-CN" altLang="en-US"/>
               <a:t>第二级</a:t>
             </a:r>
+            <a:endParaRPr lang="zh-CN" altLang="en-US"/>
           </a:p>
           <a:p>
             <a:pPr lvl="2"/>
@@ -2649,6 +2628,7 @@
               <a:rPr lang="zh-CN" altLang="en-US"/>
               <a:t>第三级</a:t>
             </a:r>
+            <a:endParaRPr lang="zh-CN" altLang="en-US"/>
           </a:p>
           <a:p>
             <a:pPr lvl="3"/>
@@ -2656,6 +2636,7 @@
               <a:rPr lang="zh-CN" altLang="en-US"/>
               <a:t>第四级</a:t>
             </a:r>
+            <a:endParaRPr lang="zh-CN" altLang="en-US"/>
           </a:p>
           <a:p>
             <a:pPr lvl="4"/>
@@ -2663,6 +2644,7 @@
               <a:rPr lang="zh-CN" altLang="en-US"/>
               <a:t>第五级</a:t>
             </a:r>
+            <a:endParaRPr lang="zh-CN" altLang="en-US"/>
           </a:p>
         </p:txBody>
       </p:sp>
@@ -2683,7 +2665,6 @@
           <a:p>
             <a:fld id="{D997B5FA-0921-464F-AAE1-844C04324D75}" type="datetimeFigureOut">
               <a:rPr lang="zh-CN" altLang="en-US" smtClean="0"/>
-              <a:t>2025/4/8</a:t>
             </a:fld>
             <a:endParaRPr lang="zh-CN" altLang="en-US"/>
           </a:p>
@@ -2725,7 +2706,6 @@
           <a:p>
             <a:fld id="{565CE74E-AB26-4998-AD42-012C4C1AD076}" type="slidenum">
               <a:rPr lang="zh-CN" altLang="en-US" smtClean="0"/>
-              <a:t>‹#›</a:t>
             </a:fld>
             <a:endParaRPr lang="zh-CN" altLang="en-US"/>
           </a:p>
@@ -2736,13 +2716,13 @@
   <p:clrMapOvr>
     <a:masterClrMapping/>
   </p:clrMapOvr>
-  <mc:AlternateContent xmlns:mc="http://schemas.openxmlformats.org/markup-compatibility/2006" xmlns:p14="http://schemas.microsoft.com/office/powerpoint/2010/main">
-    <mc:Choice Requires="p14">
+  <mc:AlternateContent xmlns:mc="http://schemas.openxmlformats.org/markup-compatibility/2006">
+    <mc:Choice xmlns:p14="http://schemas.microsoft.com/office/powerpoint/2010/main" Requires="p14">
       <p:transition spd="med" p14:dur="699">
         <p:fade/>
       </p:transition>
     </mc:Choice>
-    <mc:Fallback xmlns="">
+    <mc:Fallback>
       <p:transition spd="med">
         <p:fade/>
       </p:transition>
@@ -2792,6 +2772,7 @@
               <a:rPr lang="zh-CN" altLang="en-US"/>
               <a:t>单击此处编辑母版标题样式</a:t>
             </a:r>
+            <a:endParaRPr lang="zh-CN" altLang="en-US"/>
           </a:p>
         </p:txBody>
       </p:sp>
@@ -2857,6 +2838,7 @@
               <a:rPr lang="zh-CN" altLang="en-US"/>
               <a:t>单击此处编辑母版文本样式</a:t>
             </a:r>
+            <a:endParaRPr lang="zh-CN" altLang="en-US"/>
           </a:p>
         </p:txBody>
       </p:sp>
@@ -2885,6 +2867,7 @@
               <a:rPr lang="zh-CN" altLang="en-US"/>
               <a:t>单击此处编辑母版文本样式</a:t>
             </a:r>
+            <a:endParaRPr lang="zh-CN" altLang="en-US"/>
           </a:p>
           <a:p>
             <a:pPr lvl="1"/>
@@ -2892,6 +2875,7 @@
               <a:rPr lang="zh-CN" altLang="en-US"/>
               <a:t>第二级</a:t>
             </a:r>
+            <a:endParaRPr lang="zh-CN" altLang="en-US"/>
           </a:p>
           <a:p>
             <a:pPr lvl="2"/>
@@ -2899,6 +2883,7 @@
               <a:rPr lang="zh-CN" altLang="en-US"/>
               <a:t>第三级</a:t>
             </a:r>
+            <a:endParaRPr lang="zh-CN" altLang="en-US"/>
           </a:p>
           <a:p>
             <a:pPr lvl="3"/>
@@ -2906,6 +2891,7 @@
               <a:rPr lang="zh-CN" altLang="en-US"/>
               <a:t>第四级</a:t>
             </a:r>
+            <a:endParaRPr lang="zh-CN" altLang="en-US"/>
           </a:p>
           <a:p>
             <a:pPr lvl="4"/>
@@ -2913,6 +2899,7 @@
               <a:rPr lang="zh-CN" altLang="en-US"/>
               <a:t>第五级</a:t>
             </a:r>
+            <a:endParaRPr lang="zh-CN" altLang="en-US"/>
           </a:p>
         </p:txBody>
       </p:sp>
@@ -2978,6 +2965,7 @@
               <a:rPr lang="zh-CN" altLang="en-US"/>
               <a:t>单击此处编辑母版文本样式</a:t>
             </a:r>
+            <a:endParaRPr lang="zh-CN" altLang="en-US"/>
           </a:p>
         </p:txBody>
       </p:sp>
@@ -3006,6 +2994,7 @@
               <a:rPr lang="zh-CN" altLang="en-US"/>
               <a:t>单击此处编辑母版文本样式</a:t>
             </a:r>
+            <a:endParaRPr lang="zh-CN" altLang="en-US"/>
           </a:p>
           <a:p>
             <a:pPr lvl="1"/>
@@ -3013,6 +3002,7 @@
               <a:rPr lang="zh-CN" altLang="en-US"/>
               <a:t>第二级</a:t>
             </a:r>
+            <a:endParaRPr lang="zh-CN" altLang="en-US"/>
           </a:p>
           <a:p>
             <a:pPr lvl="2"/>
@@ -3020,6 +3010,7 @@
               <a:rPr lang="zh-CN" altLang="en-US"/>
               <a:t>第三级</a:t>
             </a:r>
+            <a:endParaRPr lang="zh-CN" altLang="en-US"/>
           </a:p>
           <a:p>
             <a:pPr lvl="3"/>
@@ -3027,6 +3018,7 @@
               <a:rPr lang="zh-CN" altLang="en-US"/>
               <a:t>第四级</a:t>
             </a:r>
+            <a:endParaRPr lang="zh-CN" altLang="en-US"/>
           </a:p>
           <a:p>
             <a:pPr lvl="4"/>
@@ -3034,6 +3026,7 @@
               <a:rPr lang="zh-CN" altLang="en-US"/>
               <a:t>第五级</a:t>
             </a:r>
+            <a:endParaRPr lang="zh-CN" altLang="en-US"/>
           </a:p>
         </p:txBody>
       </p:sp>
@@ -3054,7 +3047,6 @@
           <a:p>
             <a:fld id="{D997B5FA-0921-464F-AAE1-844C04324D75}" type="datetimeFigureOut">
               <a:rPr lang="zh-CN" altLang="en-US" smtClean="0"/>
-              <a:t>2025/4/8</a:t>
             </a:fld>
             <a:endParaRPr lang="zh-CN" altLang="en-US"/>
           </a:p>
@@ -3096,7 +3088,6 @@
           <a:p>
             <a:fld id="{565CE74E-AB26-4998-AD42-012C4C1AD076}" type="slidenum">
               <a:rPr lang="zh-CN" altLang="en-US" smtClean="0"/>
-              <a:t>‹#›</a:t>
             </a:fld>
             <a:endParaRPr lang="zh-CN" altLang="en-US"/>
           </a:p>
@@ -3107,13 +3098,13 @@
   <p:clrMapOvr>
     <a:masterClrMapping/>
   </p:clrMapOvr>
-  <mc:AlternateContent xmlns:mc="http://schemas.openxmlformats.org/markup-compatibility/2006" xmlns:p14="http://schemas.microsoft.com/office/powerpoint/2010/main">
-    <mc:Choice Requires="p14">
+  <mc:AlternateContent xmlns:mc="http://schemas.openxmlformats.org/markup-compatibility/2006">
+    <mc:Choice xmlns:p14="http://schemas.microsoft.com/office/powerpoint/2010/main" Requires="p14">
       <p:transition spd="med" p14:dur="699">
         <p:fade/>
       </p:transition>
     </mc:Choice>
-    <mc:Fallback xmlns="">
+    <mc:Fallback>
       <p:transition spd="med">
         <p:fade/>
       </p:transition>
@@ -3158,6 +3149,7 @@
               <a:rPr lang="zh-CN" altLang="en-US"/>
               <a:t>单击此处编辑母版标题样式</a:t>
             </a:r>
+            <a:endParaRPr lang="zh-CN" altLang="en-US"/>
           </a:p>
         </p:txBody>
       </p:sp>
@@ -3178,7 +3170,6 @@
           <a:p>
             <a:fld id="{D997B5FA-0921-464F-AAE1-844C04324D75}" type="datetimeFigureOut">
               <a:rPr lang="zh-CN" altLang="en-US" smtClean="0"/>
-              <a:t>2025/4/8</a:t>
             </a:fld>
             <a:endParaRPr lang="zh-CN" altLang="en-US"/>
           </a:p>
@@ -3220,7 +3211,6 @@
           <a:p>
             <a:fld id="{565CE74E-AB26-4998-AD42-012C4C1AD076}" type="slidenum">
               <a:rPr lang="zh-CN" altLang="en-US" smtClean="0"/>
-              <a:t>‹#›</a:t>
             </a:fld>
             <a:endParaRPr lang="zh-CN" altLang="en-US"/>
           </a:p>
@@ -3231,13 +3221,13 @@
   <p:clrMapOvr>
     <a:masterClrMapping/>
   </p:clrMapOvr>
-  <mc:AlternateContent xmlns:mc="http://schemas.openxmlformats.org/markup-compatibility/2006" xmlns:p14="http://schemas.microsoft.com/office/powerpoint/2010/main">
-    <mc:Choice Requires="p14">
+  <mc:AlternateContent xmlns:mc="http://schemas.openxmlformats.org/markup-compatibility/2006">
+    <mc:Choice xmlns:p14="http://schemas.microsoft.com/office/powerpoint/2010/main" Requires="p14">
       <p:transition spd="med" p14:dur="699">
         <p:fade/>
       </p:transition>
     </mc:Choice>
-    <mc:Fallback xmlns="">
+    <mc:Fallback>
       <p:transition spd="med">
         <p:fade/>
       </p:transition>
@@ -3280,7 +3270,6 @@
           <a:p>
             <a:fld id="{D997B5FA-0921-464F-AAE1-844C04324D75}" type="datetimeFigureOut">
               <a:rPr lang="zh-CN" altLang="en-US" smtClean="0"/>
-              <a:t>2025/4/8</a:t>
             </a:fld>
             <a:endParaRPr lang="zh-CN" altLang="en-US"/>
           </a:p>
@@ -3322,7 +3311,6 @@
           <a:p>
             <a:fld id="{565CE74E-AB26-4998-AD42-012C4C1AD076}" type="slidenum">
               <a:rPr lang="zh-CN" altLang="en-US" smtClean="0"/>
-              <a:t>‹#›</a:t>
             </a:fld>
             <a:endParaRPr lang="zh-CN" altLang="en-US"/>
           </a:p>
@@ -3333,13 +3321,13 @@
   <p:clrMapOvr>
     <a:masterClrMapping/>
   </p:clrMapOvr>
-  <mc:AlternateContent xmlns:mc="http://schemas.openxmlformats.org/markup-compatibility/2006" xmlns:p14="http://schemas.microsoft.com/office/powerpoint/2010/main">
-    <mc:Choice Requires="p14">
+  <mc:AlternateContent xmlns:mc="http://schemas.openxmlformats.org/markup-compatibility/2006">
+    <mc:Choice xmlns:p14="http://schemas.microsoft.com/office/powerpoint/2010/main" Requires="p14">
       <p:transition spd="med" p14:dur="699">
         <p:fade/>
       </p:transition>
     </mc:Choice>
-    <mc:Fallback xmlns="">
+    <mc:Fallback>
       <p:transition spd="med">
         <p:fade/>
       </p:transition>
@@ -3393,6 +3381,7 @@
               <a:rPr lang="zh-CN" altLang="en-US"/>
               <a:t>单击此处编辑母版标题样式</a:t>
             </a:r>
+            <a:endParaRPr lang="zh-CN" altLang="en-US"/>
           </a:p>
         </p:txBody>
       </p:sp>
@@ -3449,6 +3438,7 @@
               <a:rPr lang="zh-CN" altLang="en-US"/>
               <a:t>单击此处编辑母版文本样式</a:t>
             </a:r>
+            <a:endParaRPr lang="zh-CN" altLang="en-US"/>
           </a:p>
           <a:p>
             <a:pPr lvl="1"/>
@@ -3456,6 +3446,7 @@
               <a:rPr lang="zh-CN" altLang="en-US"/>
               <a:t>第二级</a:t>
             </a:r>
+            <a:endParaRPr lang="zh-CN" altLang="en-US"/>
           </a:p>
           <a:p>
             <a:pPr lvl="2"/>
@@ -3463,6 +3454,7 @@
               <a:rPr lang="zh-CN" altLang="en-US"/>
               <a:t>第三级</a:t>
             </a:r>
+            <a:endParaRPr lang="zh-CN" altLang="en-US"/>
           </a:p>
           <a:p>
             <a:pPr lvl="3"/>
@@ -3470,6 +3462,7 @@
               <a:rPr lang="zh-CN" altLang="en-US"/>
               <a:t>第四级</a:t>
             </a:r>
+            <a:endParaRPr lang="zh-CN" altLang="en-US"/>
           </a:p>
           <a:p>
             <a:pPr lvl="4"/>
@@ -3477,6 +3470,7 @@
               <a:rPr lang="zh-CN" altLang="en-US"/>
               <a:t>第五级</a:t>
             </a:r>
+            <a:endParaRPr lang="zh-CN" altLang="en-US"/>
           </a:p>
         </p:txBody>
       </p:sp>
@@ -3542,6 +3536,7 @@
               <a:rPr lang="zh-CN" altLang="en-US"/>
               <a:t>单击此处编辑母版文本样式</a:t>
             </a:r>
+            <a:endParaRPr lang="zh-CN" altLang="en-US"/>
           </a:p>
         </p:txBody>
       </p:sp>
@@ -3562,7 +3557,6 @@
           <a:p>
             <a:fld id="{D997B5FA-0921-464F-AAE1-844C04324D75}" type="datetimeFigureOut">
               <a:rPr lang="zh-CN" altLang="en-US" smtClean="0"/>
-              <a:t>2025/4/8</a:t>
             </a:fld>
             <a:endParaRPr lang="zh-CN" altLang="en-US"/>
           </a:p>
@@ -3604,7 +3598,6 @@
           <a:p>
             <a:fld id="{565CE74E-AB26-4998-AD42-012C4C1AD076}" type="slidenum">
               <a:rPr lang="zh-CN" altLang="en-US" smtClean="0"/>
-              <a:t>‹#›</a:t>
             </a:fld>
             <a:endParaRPr lang="zh-CN" altLang="en-US"/>
           </a:p>
@@ -3615,13 +3608,13 @@
   <p:clrMapOvr>
     <a:masterClrMapping/>
   </p:clrMapOvr>
-  <mc:AlternateContent xmlns:mc="http://schemas.openxmlformats.org/markup-compatibility/2006" xmlns:p14="http://schemas.microsoft.com/office/powerpoint/2010/main">
-    <mc:Choice Requires="p14">
+  <mc:AlternateContent xmlns:mc="http://schemas.openxmlformats.org/markup-compatibility/2006">
+    <mc:Choice xmlns:p14="http://schemas.microsoft.com/office/powerpoint/2010/main" Requires="p14">
       <p:transition spd="med" p14:dur="699">
         <p:fade/>
       </p:transition>
     </mc:Choice>
-    <mc:Fallback xmlns="">
+    <mc:Fallback>
       <p:transition spd="med">
         <p:fade/>
       </p:transition>
@@ -3675,6 +3668,7 @@
               <a:rPr lang="zh-CN" altLang="en-US"/>
               <a:t>单击此处编辑母版标题样式</a:t>
             </a:r>
+            <a:endParaRPr lang="zh-CN" altLang="en-US"/>
           </a:p>
         </p:txBody>
       </p:sp>
@@ -3801,6 +3795,7 @@
               <a:rPr lang="zh-CN" altLang="en-US"/>
               <a:t>单击此处编辑母版文本样式</a:t>
             </a:r>
+            <a:endParaRPr lang="zh-CN" altLang="en-US"/>
           </a:p>
         </p:txBody>
       </p:sp>
@@ -3821,7 +3816,6 @@
           <a:p>
             <a:fld id="{D997B5FA-0921-464F-AAE1-844C04324D75}" type="datetimeFigureOut">
               <a:rPr lang="zh-CN" altLang="en-US" smtClean="0"/>
-              <a:t>2025/4/8</a:t>
             </a:fld>
             <a:endParaRPr lang="zh-CN" altLang="en-US"/>
           </a:p>
@@ -3863,7 +3857,6 @@
           <a:p>
             <a:fld id="{565CE74E-AB26-4998-AD42-012C4C1AD076}" type="slidenum">
               <a:rPr lang="zh-CN" altLang="en-US" smtClean="0"/>
-              <a:t>‹#›</a:t>
             </a:fld>
             <a:endParaRPr lang="zh-CN" altLang="en-US"/>
           </a:p>
@@ -3874,13 +3867,13 @@
   <p:clrMapOvr>
     <a:masterClrMapping/>
   </p:clrMapOvr>
-  <mc:AlternateContent xmlns:mc="http://schemas.openxmlformats.org/markup-compatibility/2006" xmlns:p14="http://schemas.microsoft.com/office/powerpoint/2010/main">
-    <mc:Choice Requires="p14">
+  <mc:AlternateContent xmlns:mc="http://schemas.openxmlformats.org/markup-compatibility/2006">
+    <mc:Choice xmlns:p14="http://schemas.microsoft.com/office/powerpoint/2010/main" Requires="p14">
       <p:transition spd="med" p14:dur="699">
         <p:fade/>
       </p:transition>
     </mc:Choice>
-    <mc:Fallback xmlns="">
+    <mc:Fallback>
       <p:transition spd="med">
         <p:fade/>
       </p:transition>
@@ -3943,6 +3936,7 @@
               <a:rPr lang="zh-CN" altLang="en-US"/>
               <a:t>单击此处编辑母版标题样式</a:t>
             </a:r>
+            <a:endParaRPr lang="zh-CN" altLang="en-US"/>
           </a:p>
         </p:txBody>
       </p:sp>
@@ -3976,6 +3970,7 @@
               <a:rPr lang="zh-CN" altLang="en-US"/>
               <a:t>单击此处编辑母版文本样式</a:t>
             </a:r>
+            <a:endParaRPr lang="zh-CN" altLang="en-US"/>
           </a:p>
           <a:p>
             <a:pPr lvl="1"/>
@@ -3983,6 +3978,7 @@
               <a:rPr lang="zh-CN" altLang="en-US"/>
               <a:t>第二级</a:t>
             </a:r>
+            <a:endParaRPr lang="zh-CN" altLang="en-US"/>
           </a:p>
           <a:p>
             <a:pPr lvl="2"/>
@@ -3990,6 +3986,7 @@
               <a:rPr lang="zh-CN" altLang="en-US"/>
               <a:t>第三级</a:t>
             </a:r>
+            <a:endParaRPr lang="zh-CN" altLang="en-US"/>
           </a:p>
           <a:p>
             <a:pPr lvl="3"/>
@@ -3997,6 +3994,7 @@
               <a:rPr lang="zh-CN" altLang="en-US"/>
               <a:t>第四级</a:t>
             </a:r>
+            <a:endParaRPr lang="zh-CN" altLang="en-US"/>
           </a:p>
           <a:p>
             <a:pPr lvl="4"/>
@@ -4004,6 +4002,7 @@
               <a:rPr lang="zh-CN" altLang="en-US"/>
               <a:t>第五级</a:t>
             </a:r>
+            <a:endParaRPr lang="zh-CN" altLang="en-US"/>
           </a:p>
         </p:txBody>
       </p:sp>
@@ -4042,7 +4041,6 @@
           <a:p>
             <a:fld id="{D997B5FA-0921-464F-AAE1-844C04324D75}" type="datetimeFigureOut">
               <a:rPr lang="zh-CN" altLang="en-US" smtClean="0"/>
-              <a:t>2025/4/8</a:t>
             </a:fld>
             <a:endParaRPr lang="zh-CN" altLang="en-US"/>
           </a:p>
@@ -4120,7 +4118,6 @@
           <a:p>
             <a:fld id="{565CE74E-AB26-4998-AD42-012C4C1AD076}" type="slidenum">
               <a:rPr lang="zh-CN" altLang="en-US" smtClean="0"/>
-              <a:t>‹#›</a:t>
             </a:fld>
             <a:endParaRPr lang="zh-CN" altLang="en-US"/>
           </a:p>
@@ -4142,13 +4139,13 @@
     <p:sldLayoutId id="2147483658" r:id="rId10"/>
     <p:sldLayoutId id="2147483659" r:id="rId11"/>
   </p:sldLayoutIdLst>
-  <mc:AlternateContent xmlns:mc="http://schemas.openxmlformats.org/markup-compatibility/2006" xmlns:p14="http://schemas.microsoft.com/office/powerpoint/2010/main">
-    <mc:Choice Requires="p14">
+  <mc:AlternateContent xmlns:mc="http://schemas.openxmlformats.org/markup-compatibility/2006">
+    <mc:Choice xmlns:p14="http://schemas.microsoft.com/office/powerpoint/2010/main" Requires="p14">
       <p:transition spd="med" p14:dur="699">
         <p:fade/>
       </p:transition>
     </mc:Choice>
-    <mc:Fallback xmlns="">
+    <mc:Fallback>
       <p:transition spd="med">
         <p:fade/>
       </p:transition>
@@ -4182,7 +4179,7 @@
         <a:spcBef>
           <a:spcPts val="1000"/>
         </a:spcBef>
-        <a:buFont typeface="Arial" charset="0"/>
+        <a:buFont typeface="Arial" panose="020B0604020202020204" pitchFamily="34" charset="0"/>
         <a:buChar char="•"/>
         <a:defRPr sz="2800" kern="1200">
           <a:solidFill>
@@ -4200,7 +4197,7 @@
         <a:spcBef>
           <a:spcPts val="500"/>
         </a:spcBef>
-        <a:buFont typeface="Arial" charset="0"/>
+        <a:buFont typeface="Arial" panose="020B0604020202020204" pitchFamily="34" charset="0"/>
         <a:buChar char="•"/>
         <a:defRPr sz="2400" kern="1200">
           <a:solidFill>
@@ -4218,7 +4215,7 @@
         <a:spcBef>
           <a:spcPts val="500"/>
         </a:spcBef>
-        <a:buFont typeface="Arial" charset="0"/>
+        <a:buFont typeface="Arial" panose="020B0604020202020204" pitchFamily="34" charset="0"/>
         <a:buChar char="•"/>
         <a:defRPr sz="2000" kern="1200">
           <a:solidFill>
@@ -4236,7 +4233,7 @@
         <a:spcBef>
           <a:spcPts val="500"/>
         </a:spcBef>
-        <a:buFont typeface="Arial" charset="0"/>
+        <a:buFont typeface="Arial" panose="020B0604020202020204" pitchFamily="34" charset="0"/>
         <a:buChar char="•"/>
         <a:defRPr sz="1800" kern="1200">
           <a:solidFill>
@@ -4254,7 +4251,7 @@
         <a:spcBef>
           <a:spcPts val="500"/>
         </a:spcBef>
-        <a:buFont typeface="Arial" charset="0"/>
+        <a:buFont typeface="Arial" panose="020B0604020202020204" pitchFamily="34" charset="0"/>
         <a:buChar char="•"/>
         <a:defRPr sz="1800" kern="1200">
           <a:solidFill>
@@ -4272,7 +4269,7 @@
         <a:spcBef>
           <a:spcPts val="500"/>
         </a:spcBef>
-        <a:buFont typeface="Arial" charset="0"/>
+        <a:buFont typeface="Arial" panose="020B0604020202020204" pitchFamily="34" charset="0"/>
         <a:buChar char="•"/>
         <a:defRPr sz="1800" kern="1200">
           <a:solidFill>
@@ -4290,7 +4287,7 @@
         <a:spcBef>
           <a:spcPts val="500"/>
         </a:spcBef>
-        <a:buFont typeface="Arial" charset="0"/>
+        <a:buFont typeface="Arial" panose="020B0604020202020204" pitchFamily="34" charset="0"/>
         <a:buChar char="•"/>
         <a:defRPr sz="1800" kern="1200">
           <a:solidFill>
@@ -4308,7 +4305,7 @@
         <a:spcBef>
           <a:spcPts val="500"/>
         </a:spcBef>
-        <a:buFont typeface="Arial" charset="0"/>
+        <a:buFont typeface="Arial" panose="020B0604020202020204" pitchFamily="34" charset="0"/>
         <a:buChar char="•"/>
         <a:defRPr sz="1800" kern="1200">
           <a:solidFill>
@@ -4326,7 +4323,7 @@
         <a:spcBef>
           <a:spcPts val="500"/>
         </a:spcBef>
-        <a:buFont typeface="Arial" charset="0"/>
+        <a:buFont typeface="Arial" panose="020B0604020202020204" pitchFamily="34" charset="0"/>
         <a:buChar char="•"/>
         <a:defRPr sz="1800" kern="1200">
           <a:solidFill>
@@ -4493,9 +4490,9 @@
                     </a:schemeClr>
                   </a:outerShdw>
                 </a:effectLst>
-                <a:latin typeface="华文行楷" charset="-122"/>
-                <a:ea typeface="华文行楷" charset="-122"/>
-                <a:cs typeface="华文行楷" charset="-122"/>
+                <a:latin typeface="华文行楷" panose="02010800040101010101" charset="-122"/>
+                <a:ea typeface="华文行楷" panose="02010800040101010101" charset="-122"/>
+                <a:cs typeface="华文行楷" panose="02010800040101010101" charset="-122"/>
                 <a:sym typeface="汉仪雅酷黑简" charset="-122"/>
               </a:rPr>
               <a:t>25</a:t>
@@ -4512,9 +4509,9 @@
                     </a:schemeClr>
                   </a:outerShdw>
                 </a:effectLst>
-                <a:latin typeface="华文行楷" charset="-122"/>
-                <a:ea typeface="华文行楷" charset="-122"/>
-                <a:cs typeface="华文行楷" charset="-122"/>
+                <a:latin typeface="华文行楷" panose="02010800040101010101" charset="-122"/>
+                <a:ea typeface="华文行楷" panose="02010800040101010101" charset="-122"/>
+                <a:cs typeface="华文行楷" panose="02010800040101010101" charset="-122"/>
                 <a:sym typeface="汉仪雅酷黑简" charset="-122"/>
               </a:rPr>
               <a:t>级硕桂宝山</a:t>
@@ -4543,13 +4540,7 @@
       </p:sp>
       <p:sp>
         <p:nvSpPr>
-          <p:cNvPr id="11" name="文本框 10">
-            <a:extLst>
-              <a:ext uri="{FF2B5EF4-FFF2-40B4-BE49-F238E27FC236}">
-                <a16:creationId xmlns:a16="http://schemas.microsoft.com/office/drawing/2014/main" id="{AF12CCE5-7835-E442-F777-FC149DB5D141}"/>
-              </a:ext>
-            </a:extLst>
-          </p:cNvPr>
+          <p:cNvPr id="11" name="文本框 10"/>
           <p:cNvSpPr txBox="1"/>
           <p:nvPr/>
         </p:nvSpPr>
@@ -4587,25 +4578,33 @@
               </a:rPr>
               <a:t>例会汇报</a:t>
             </a:r>
+            <a:endParaRPr lang="zh-CN" altLang="en-US" sz="8800" b="1" dirty="0">
+              <a:solidFill>
+                <a:srgbClr val="0C61AC"/>
+              </a:solidFill>
+              <a:effectLst>
+                <a:outerShdw blurRad="50800" dist="38100" dir="2700000" algn="tl" rotWithShape="0">
+                  <a:prstClr val="black">
+                    <a:alpha val="40000"/>
+                  </a:prstClr>
+                </a:outerShdw>
+              </a:effectLst>
+              <a:latin typeface="微软雅黑" panose="020B0503020204020204" pitchFamily="34" charset="-122"/>
+              <a:ea typeface="微软雅黑" panose="020B0503020204020204" pitchFamily="34" charset="-122"/>
+            </a:endParaRPr>
           </a:p>
         </p:txBody>
       </p:sp>
       <p:pic>
         <p:nvPicPr>
-          <p:cNvPr id="15" name="图片 14" descr="附件：北京航空航天大学标志组合汇总(1)">
-            <a:extLst>
-              <a:ext uri="{FF2B5EF4-FFF2-40B4-BE49-F238E27FC236}">
-                <a16:creationId xmlns:a16="http://schemas.microsoft.com/office/drawing/2014/main" id="{5293C875-9C8F-F22F-1077-B24330AED0D2}"/>
-              </a:ext>
-            </a:extLst>
-          </p:cNvPr>
+          <p:cNvPr id="15" name="图片 14" descr="附件：北京航空航天大学标志组合汇总(1)"/>
           <p:cNvPicPr>
             <a:picLocks noChangeAspect="1"/>
           </p:cNvPicPr>
           <p:nvPr/>
         </p:nvPicPr>
         <p:blipFill>
-          <a:blip r:embed="rId4"/>
+          <a:blip r:embed="rId2"/>
           <a:stretch>
             <a:fillRect/>
           </a:stretch>
@@ -4622,13 +4621,7 @@
       </p:pic>
       <p:sp>
         <p:nvSpPr>
-          <p:cNvPr id="18" name="矩形 17">
-            <a:extLst>
-              <a:ext uri="{FF2B5EF4-FFF2-40B4-BE49-F238E27FC236}">
-                <a16:creationId xmlns:a16="http://schemas.microsoft.com/office/drawing/2014/main" id="{DE966030-D183-F2B9-7081-BAAD01C66F86}"/>
-              </a:ext>
-            </a:extLst>
-          </p:cNvPr>
+          <p:cNvPr id="18" name="矩形 17"/>
           <p:cNvSpPr/>
           <p:nvPr/>
         </p:nvSpPr>
@@ -4677,13 +4670,13 @@
   <p:clrMapOvr>
     <a:masterClrMapping/>
   </p:clrMapOvr>
-  <mc:AlternateContent xmlns:mc="http://schemas.openxmlformats.org/markup-compatibility/2006" xmlns:p14="http://schemas.microsoft.com/office/powerpoint/2010/main">
-    <mc:Choice Requires="p14">
+  <mc:AlternateContent xmlns:mc="http://schemas.openxmlformats.org/markup-compatibility/2006">
+    <mc:Choice xmlns:p14="http://schemas.microsoft.com/office/powerpoint/2010/main" Requires="p14">
       <p:transition spd="med" p14:dur="699">
         <p:fade/>
       </p:transition>
     </mc:Choice>
-    <mc:Fallback xmlns="">
+    <mc:Fallback>
       <p:transition spd="med">
         <p:fade/>
       </p:transition>
@@ -4693,6 +4686,1176 @@
 </file>
 
 <file path=ppt/slides/slide10.xml><?xml version="1.0" encoding="utf-8"?>
+<p:sld xmlns:a="http://schemas.openxmlformats.org/drawingml/2006/main" xmlns:r="http://schemas.openxmlformats.org/officeDocument/2006/relationships" xmlns:p="http://schemas.openxmlformats.org/presentationml/2006/main">
+  <p:cSld>
+    <p:spTree>
+      <p:nvGrpSpPr>
+        <p:cNvPr id="1" name=""/>
+        <p:cNvGrpSpPr/>
+        <p:nvPr/>
+      </p:nvGrpSpPr>
+      <p:grpSpPr>
+        <a:xfrm>
+          <a:off x="0" y="0"/>
+          <a:ext cx="0" cy="0"/>
+          <a:chOff x="0" y="0"/>
+          <a:chExt cx="0" cy="0"/>
+        </a:xfrm>
+      </p:grpSpPr>
+      <p:cxnSp>
+        <p:nvCxnSpPr>
+          <p:cNvPr id="37" name="直接连接符 36"/>
+          <p:cNvCxnSpPr/>
+          <p:nvPr>
+            <p:custDataLst>
+              <p:tags r:id="rId1"/>
+            </p:custDataLst>
+          </p:nvPr>
+        </p:nvCxnSpPr>
+        <p:spPr>
+          <a:xfrm>
+            <a:off x="0" y="6858000"/>
+            <a:ext cx="12214225" cy="0"/>
+          </a:xfrm>
+          <a:prstGeom prst="line">
+            <a:avLst/>
+          </a:prstGeom>
+          <a:ln w="92075" cmpd="sng">
+            <a:solidFill>
+              <a:srgbClr val="C00000"/>
+            </a:solidFill>
+            <a:prstDash val="solid"/>
+          </a:ln>
+        </p:spPr>
+        <p:style>
+          <a:lnRef idx="1">
+            <a:schemeClr val="accent1"/>
+          </a:lnRef>
+          <a:fillRef idx="0">
+            <a:schemeClr val="accent1"/>
+          </a:fillRef>
+          <a:effectRef idx="0">
+            <a:schemeClr val="accent1"/>
+          </a:effectRef>
+          <a:fontRef idx="minor">
+            <a:schemeClr val="tx1"/>
+          </a:fontRef>
+        </p:style>
+      </p:cxnSp>
+      <p:grpSp>
+        <p:nvGrpSpPr>
+          <p:cNvPr id="29" name="powerpoint template design by DAJU_PPT正版来源小红书大橘PPT微信DAJU_PPT请勿抄袭搬运！盗版必究！"/>
+          <p:cNvGrpSpPr/>
+          <p:nvPr/>
+        </p:nvGrpSpPr>
+        <p:grpSpPr>
+          <a:xfrm>
+            <a:off x="339244" y="1176213"/>
+            <a:ext cx="9950838" cy="560397"/>
+            <a:chOff x="-3873630" y="2695274"/>
+            <a:chExt cx="9950838" cy="487417"/>
+          </a:xfrm>
+        </p:grpSpPr>
+        <p:sp>
+          <p:nvSpPr>
+            <p:cNvPr id="30" name="powerpoint template design by DAJU_PPT正版来源小红书大橘PPT微信DAJU_PPT请勿抄袭搬运！盗版必究！-1"/>
+            <p:cNvSpPr txBox="1"/>
+            <p:nvPr/>
+          </p:nvSpPr>
+          <p:spPr>
+            <a:xfrm>
+              <a:off x="1035609" y="2695274"/>
+              <a:ext cx="5041599" cy="348004"/>
+            </a:xfrm>
+            <a:prstGeom prst="rect">
+              <a:avLst/>
+            </a:prstGeom>
+            <a:noFill/>
+          </p:spPr>
+          <p:txBody>
+            <a:bodyPr wrap="square" rtlCol="0">
+              <a:spAutoFit/>
+            </a:bodyPr>
+            <a:lstStyle/>
+            <a:p>
+              <a:endParaRPr lang="zh-CN" altLang="en-US" sz="2000" b="1" spc="300" dirty="0">
+                <a:solidFill>
+                  <a:srgbClr val="A50917"/>
+                </a:solidFill>
+                <a:latin typeface="微软雅黑" panose="020B0503020204020204" pitchFamily="34" charset="-122"/>
+                <a:ea typeface="微软雅黑" panose="020B0503020204020204" pitchFamily="34" charset="-122"/>
+              </a:endParaRPr>
+            </a:p>
+          </p:txBody>
+        </p:sp>
+        <p:sp>
+          <p:nvSpPr>
+            <p:cNvPr id="32" name="powerpoint template design by DAJU_PPT正版来源小红书大橘PPT微信DAJU_PPT请勿抄袭搬运！盗版必究！-3"/>
+            <p:cNvSpPr txBox="1"/>
+            <p:nvPr/>
+          </p:nvSpPr>
+          <p:spPr>
+            <a:xfrm>
+              <a:off x="-3873630" y="2779475"/>
+              <a:ext cx="6223214" cy="403216"/>
+            </a:xfrm>
+            <a:prstGeom prst="rect">
+              <a:avLst/>
+            </a:prstGeom>
+            <a:noFill/>
+          </p:spPr>
+          <p:txBody>
+            <a:bodyPr wrap="square" rtlCol="0">
+              <a:spAutoFit/>
+            </a:bodyPr>
+            <a:lstStyle/>
+            <a:p>
+              <a:pPr marL="285750" lvl="0" indent="-285750">
+                <a:lnSpc>
+                  <a:spcPct val="150000"/>
+                </a:lnSpc>
+                <a:spcBef>
+                  <a:spcPts val="1700"/>
+                </a:spcBef>
+                <a:spcAft>
+                  <a:spcPts val="1700"/>
+                </a:spcAft>
+                <a:buFont typeface="Arial" panose="020B0604020202020204" pitchFamily="34" charset="0"/>
+                <a:buChar char="•"/>
+              </a:pPr>
+              <a:r>
+                <a:rPr lang="zh-CN" altLang="en-US" b="1" dirty="0"/>
+                <a:t>基于</a:t>
+              </a:r>
+              <a:r>
+                <a:rPr lang="en-US" altLang="zh-CN" b="1" dirty="0"/>
+                <a:t>Yolov11</a:t>
+              </a:r>
+              <a:r>
+                <a:rPr lang="zh-CN" altLang="en-US" b="1" dirty="0"/>
+                <a:t>与深度相机的定位检测</a:t>
+              </a:r>
+              <a:endParaRPr lang="zh-CN" altLang="en-US" b="1" dirty="0"/>
+            </a:p>
+          </p:txBody>
+        </p:sp>
+      </p:grpSp>
+      <p:sp>
+        <p:nvSpPr>
+          <p:cNvPr id="35" name="powerpoint template design by DAJU_PPT正版来源小红书大橘PPT微信DAJU_PPT请勿抄袭搬运！盗版必究！"/>
+          <p:cNvSpPr/>
+          <p:nvPr/>
+        </p:nvSpPr>
+        <p:spPr>
+          <a:xfrm>
+            <a:off x="238125" y="1104899"/>
+            <a:ext cx="11643995" cy="5521501"/>
+          </a:xfrm>
+          <a:prstGeom prst="roundRect">
+            <a:avLst>
+              <a:gd name="adj" fmla="val 0"/>
+            </a:avLst>
+          </a:prstGeom>
+          <a:noFill/>
+          <a:ln w="25400" cap="flat" cmpd="sng" algn="ctr">
+            <a:solidFill>
+              <a:srgbClr val="A50917"/>
+            </a:solidFill>
+            <a:prstDash val="solid"/>
+            <a:miter lim="800000"/>
+          </a:ln>
+          <a:effectLst/>
+        </p:spPr>
+        <p:style>
+          <a:lnRef idx="2">
+            <a:schemeClr val="accent1">
+              <a:shade val="50000"/>
+            </a:schemeClr>
+          </a:lnRef>
+          <a:fillRef idx="1">
+            <a:schemeClr val="accent1"/>
+          </a:fillRef>
+          <a:effectRef idx="0">
+            <a:schemeClr val="accent1"/>
+          </a:effectRef>
+          <a:fontRef idx="minor">
+            <a:schemeClr val="lt1"/>
+          </a:fontRef>
+        </p:style>
+        <p:txBody>
+          <a:bodyPr rtlCol="0" anchor="ctr"/>
+          <a:lstStyle/>
+          <a:p>
+            <a:pPr algn="ctr"/>
+            <a:endParaRPr lang="zh-CN" altLang="en-US"/>
+          </a:p>
+        </p:txBody>
+      </p:sp>
+      <p:sp>
+        <p:nvSpPr>
+          <p:cNvPr id="36" name="矩形 35"/>
+          <p:cNvSpPr/>
+          <p:nvPr/>
+        </p:nvSpPr>
+        <p:spPr>
+          <a:xfrm>
+            <a:off x="0" y="0"/>
+            <a:ext cx="12192000" cy="6858000"/>
+          </a:xfrm>
+          <a:prstGeom prst="rect">
+            <a:avLst/>
+          </a:prstGeom>
+          <a:noFill/>
+          <a:ln w="117475">
+            <a:solidFill>
+              <a:srgbClr val="A50917"/>
+            </a:solidFill>
+          </a:ln>
+        </p:spPr>
+        <p:style>
+          <a:lnRef idx="2">
+            <a:schemeClr val="accent1">
+              <a:shade val="15000"/>
+            </a:schemeClr>
+          </a:lnRef>
+          <a:fillRef idx="1">
+            <a:schemeClr val="accent1"/>
+          </a:fillRef>
+          <a:effectRef idx="0">
+            <a:schemeClr val="accent1"/>
+          </a:effectRef>
+          <a:fontRef idx="minor">
+            <a:schemeClr val="lt1"/>
+          </a:fontRef>
+        </p:style>
+        <p:txBody>
+          <a:bodyPr rtlCol="0" anchor="ctr"/>
+          <a:lstStyle/>
+          <a:p>
+            <a:pPr algn="ctr"/>
+            <a:endParaRPr lang="zh-CN" altLang="en-US"/>
+          </a:p>
+        </p:txBody>
+      </p:sp>
+      <p:pic>
+        <p:nvPicPr>
+          <p:cNvPr id="6" name="图片 5" descr="附件：北京航空航天大学标志组合汇总(1)"/>
+          <p:cNvPicPr>
+            <a:picLocks noChangeAspect="1"/>
+          </p:cNvPicPr>
+          <p:nvPr/>
+        </p:nvPicPr>
+        <p:blipFill>
+          <a:blip r:embed="rId2"/>
+          <a:stretch>
+            <a:fillRect/>
+          </a:stretch>
+        </p:blipFill>
+        <p:spPr>
+          <a:xfrm>
+            <a:off x="7992267" y="2481"/>
+            <a:ext cx="4402298" cy="1173727"/>
+          </a:xfrm>
+          <a:prstGeom prst="rect">
+            <a:avLst/>
+          </a:prstGeom>
+        </p:spPr>
+      </p:pic>
+      <p:sp>
+        <p:nvSpPr>
+          <p:cNvPr id="2" name="矩形 1" descr="7b0a20202020227461726765744d6f64756c65223a202270726f636573734f6e6c696e65466f6e7473220a7d0a"/>
+          <p:cNvSpPr/>
+          <p:nvPr>
+            <p:custDataLst>
+              <p:tags r:id="rId3"/>
+            </p:custDataLst>
+          </p:nvPr>
+        </p:nvSpPr>
+        <p:spPr>
+          <a:xfrm>
+            <a:off x="238125" y="427776"/>
+            <a:ext cx="7572167" cy="461665"/>
+          </a:xfrm>
+          <a:prstGeom prst="rect">
+            <a:avLst/>
+          </a:prstGeom>
+          <a:noFill/>
+          <a:ln>
+            <a:noFill/>
+          </a:ln>
+          <a:effectLst>
+            <a:outerShdw blurRad="12700" dist="12700" dir="5400000" sx="1000" sy="1000" algn="ctr" rotWithShape="0">
+              <a:schemeClr val="accent4">
+                <a:lumMod val="20000"/>
+                <a:lumOff val="80000"/>
+                <a:alpha val="97000"/>
+              </a:schemeClr>
+            </a:outerShdw>
+          </a:effectLst>
+        </p:spPr>
+        <p:txBody>
+          <a:bodyPr wrap="square" rtlCol="0" anchor="t">
+            <a:spAutoFit/>
+          </a:bodyPr>
+          <a:lstStyle/>
+          <a:p>
+            <a:pPr algn="l"/>
+            <a:r>
+              <a:rPr lang="zh-CN" altLang="en-US" sz="2400" dirty="0">
+                <a:solidFill>
+                  <a:srgbClr val="0C61AC"/>
+                </a:solidFill>
+                <a:effectLst>
+                  <a:outerShdw blurRad="38100" dist="38100" dir="2700000" algn="tl">
+                    <a:srgbClr val="000000">
+                      <a:alpha val="43137"/>
+                    </a:srgbClr>
+                  </a:outerShdw>
+                </a:effectLst>
+                <a:latin typeface="华文行楷" panose="02010800040101010101" charset="-122"/>
+                <a:ea typeface="华文行楷" panose="02010800040101010101" charset="-122"/>
+                <a:cs typeface="明康欧楷" charset="-122"/>
+                <a:sym typeface="汉仪雅酷黑简" charset="-122"/>
+              </a:rPr>
+              <a:t>毕业设计：面向感知觉增强的人机协作装配任务研究</a:t>
+            </a:r>
+            <a:endParaRPr lang="en-US" altLang="zh-CN" sz="2400" dirty="0">
+              <a:solidFill>
+                <a:srgbClr val="0C61AC"/>
+              </a:solidFill>
+              <a:effectLst>
+                <a:outerShdw blurRad="38100" dist="38100" dir="2700000" algn="tl">
+                  <a:srgbClr val="000000">
+                    <a:alpha val="43137"/>
+                  </a:srgbClr>
+                </a:outerShdw>
+              </a:effectLst>
+              <a:latin typeface="华文行楷" panose="02010800040101010101" charset="-122"/>
+              <a:ea typeface="华文行楷" panose="02010800040101010101" charset="-122"/>
+              <a:cs typeface="明康欧楷" charset="-122"/>
+              <a:sym typeface="汉仪雅酷黑简" charset="-122"/>
+            </a:endParaRPr>
+          </a:p>
+        </p:txBody>
+      </p:sp>
+      <p:pic>
+        <p:nvPicPr>
+          <p:cNvPr id="5" name="图片 4"/>
+          <p:cNvPicPr>
+            <a:picLocks noChangeAspect="1"/>
+          </p:cNvPicPr>
+          <p:nvPr/>
+        </p:nvPicPr>
+        <p:blipFill>
+          <a:blip r:embed="rId4"/>
+          <a:stretch>
+            <a:fillRect/>
+          </a:stretch>
+        </p:blipFill>
+        <p:spPr>
+          <a:xfrm>
+            <a:off x="619760" y="1862455"/>
+            <a:ext cx="5551170" cy="4359275"/>
+          </a:xfrm>
+          <a:prstGeom prst="rect">
+            <a:avLst/>
+          </a:prstGeom>
+        </p:spPr>
+      </p:pic>
+      <p:grpSp>
+        <p:nvGrpSpPr>
+          <p:cNvPr id="7" name="组合 6"/>
+          <p:cNvGrpSpPr/>
+          <p:nvPr/>
+        </p:nvGrpSpPr>
+        <p:grpSpPr>
+          <a:xfrm>
+            <a:off x="6531217" y="1273021"/>
+            <a:ext cx="5041599" cy="5315669"/>
+            <a:chOff x="6679516" y="1247519"/>
+            <a:chExt cx="5041599" cy="5315669"/>
+          </a:xfrm>
+        </p:grpSpPr>
+        <p:grpSp>
+          <p:nvGrpSpPr>
+            <p:cNvPr id="8" name="组合 7"/>
+            <p:cNvGrpSpPr/>
+            <p:nvPr/>
+          </p:nvGrpSpPr>
+          <p:grpSpPr>
+            <a:xfrm>
+              <a:off x="6679516" y="1247519"/>
+              <a:ext cx="5041599" cy="5315669"/>
+              <a:chOff x="6679516" y="1247519"/>
+              <a:chExt cx="5041599" cy="5315669"/>
+            </a:xfrm>
+          </p:grpSpPr>
+          <p:sp>
+            <p:nvSpPr>
+              <p:cNvPr id="10" name="powerpoint template design by DAJU_PPT正版来源小红书大橘PPT微信DAJU_PPT请勿抄袭搬运！盗版必究！-1"/>
+              <p:cNvSpPr txBox="1"/>
+              <p:nvPr/>
+            </p:nvSpPr>
+            <p:spPr>
+              <a:xfrm>
+                <a:off x="6679516" y="6149485"/>
+                <a:ext cx="5041599" cy="413703"/>
+              </a:xfrm>
+              <a:prstGeom prst="rect">
+                <a:avLst/>
+              </a:prstGeom>
+              <a:noFill/>
+            </p:spPr>
+            <p:txBody>
+              <a:bodyPr wrap="square" rtlCol="0">
+                <a:spAutoFit/>
+              </a:bodyPr>
+              <a:p>
+                <a:pPr indent="267970" algn="ctr">
+                  <a:lnSpc>
+                    <a:spcPct val="130000"/>
+                  </a:lnSpc>
+                  <a:spcBef>
+                    <a:spcPts val="600"/>
+                  </a:spcBef>
+                  <a:spcAft>
+                    <a:spcPts val="1800"/>
+                  </a:spcAft>
+                </a:pPr>
+                <a:r>
+                  <a:rPr lang="zh-CN" altLang="en-US" sz="1800" b="1" kern="100" dirty="0">
+                    <a:effectLst/>
+                    <a:latin typeface="宋体" panose="02010600030101010101" pitchFamily="2" charset="-122"/>
+                    <a:ea typeface="宋体" panose="02010600030101010101" pitchFamily="2" charset="-122"/>
+                    <a:cs typeface="宋体" panose="02010600030101010101" pitchFamily="2" charset="-122"/>
+                  </a:rPr>
+                  <a:t>研究方案路线图</a:t>
+                </a:r>
+                <a:endParaRPr lang="zh-CN" altLang="en-US" sz="1800" kern="100" dirty="0">
+                  <a:effectLst/>
+                  <a:latin typeface="Times New Roman" panose="02020603050405020304" pitchFamily="18" charset="0"/>
+                  <a:ea typeface="宋体" panose="02010600030101010101" pitchFamily="2" charset="-122"/>
+                  <a:cs typeface="宋体" panose="02010600030101010101" pitchFamily="2" charset="-122"/>
+                </a:endParaRPr>
+              </a:p>
+            </p:txBody>
+          </p:sp>
+          <p:pic>
+            <p:nvPicPr>
+              <p:cNvPr id="11" name="图片 10"/>
+              <p:cNvPicPr>
+                <a:picLocks noChangeAspect="1"/>
+              </p:cNvPicPr>
+              <p:nvPr/>
+            </p:nvPicPr>
+            <p:blipFill>
+              <a:blip r:embed="rId5"/>
+              <a:stretch>
+                <a:fillRect/>
+              </a:stretch>
+            </p:blipFill>
+            <p:spPr>
+              <a:xfrm>
+                <a:off x="7260908" y="1247519"/>
+                <a:ext cx="4262219" cy="4797204"/>
+              </a:xfrm>
+              <a:prstGeom prst="rect">
+                <a:avLst/>
+              </a:prstGeom>
+              <a:noFill/>
+              <a:ln>
+                <a:noFill/>
+              </a:ln>
+            </p:spPr>
+          </p:pic>
+        </p:grpSp>
+        <p:sp>
+          <p:nvSpPr>
+            <p:cNvPr id="12" name="矩形 11"/>
+            <p:cNvSpPr/>
+            <p:nvPr/>
+          </p:nvSpPr>
+          <p:spPr>
+            <a:xfrm>
+              <a:off x="7260909" y="2678741"/>
+              <a:ext cx="1313974" cy="2533339"/>
+            </a:xfrm>
+            <a:prstGeom prst="rect">
+              <a:avLst/>
+            </a:prstGeom>
+            <a:noFill/>
+            <a:ln w="38100">
+              <a:solidFill>
+                <a:srgbClr val="FF0000"/>
+              </a:solidFill>
+            </a:ln>
+          </p:spPr>
+          <p:style>
+            <a:lnRef idx="2">
+              <a:schemeClr val="accent1">
+                <a:shade val="50000"/>
+              </a:schemeClr>
+            </a:lnRef>
+            <a:fillRef idx="1">
+              <a:schemeClr val="accent1"/>
+            </a:fillRef>
+            <a:effectRef idx="0">
+              <a:schemeClr val="accent1"/>
+            </a:effectRef>
+            <a:fontRef idx="minor">
+              <a:schemeClr val="lt1"/>
+            </a:fontRef>
+          </p:style>
+          <p:txBody>
+            <a:bodyPr rtlCol="0" anchor="ctr"/>
+            <a:p>
+              <a:pPr algn="ctr"/>
+              <a:endParaRPr lang="zh-CN" altLang="en-US" dirty="0"/>
+            </a:p>
+          </p:txBody>
+        </p:sp>
+      </p:grpSp>
+      <p:sp>
+        <p:nvSpPr>
+          <p:cNvPr id="16" name="powerpoint template design by DAJU_PPT正版来源小红书大橘PPT微信DAJU_PPT请勿抄袭搬运！盗版必究！-1"/>
+          <p:cNvSpPr txBox="1"/>
+          <p:nvPr/>
+        </p:nvSpPr>
+        <p:spPr>
+          <a:xfrm>
+            <a:off x="708267" y="6138157"/>
+            <a:ext cx="5041599" cy="450850"/>
+          </a:xfrm>
+          <a:prstGeom prst="rect">
+            <a:avLst/>
+          </a:prstGeom>
+          <a:noFill/>
+        </p:spPr>
+        <p:txBody>
+          <a:bodyPr wrap="square" rtlCol="0">
+            <a:spAutoFit/>
+          </a:bodyPr>
+          <a:p>
+            <a:pPr indent="267970" algn="ctr">
+              <a:lnSpc>
+                <a:spcPct val="130000"/>
+              </a:lnSpc>
+              <a:spcBef>
+                <a:spcPts val="600"/>
+              </a:spcBef>
+              <a:spcAft>
+                <a:spcPts val="1800"/>
+              </a:spcAft>
+            </a:pPr>
+            <a:r>
+              <a:rPr lang="en-US" altLang="zh-CN" sz="1800" b="1" kern="100" dirty="0">
+                <a:effectLst/>
+                <a:latin typeface="宋体" panose="02010600030101010101" pitchFamily="2" charset="-122"/>
+                <a:ea typeface="宋体" panose="02010600030101010101" pitchFamily="2" charset="-122"/>
+                <a:cs typeface="宋体" panose="02010600030101010101" pitchFamily="2" charset="-122"/>
+              </a:rPr>
+              <a:t>3D</a:t>
+            </a:r>
+            <a:r>
+              <a:rPr lang="zh-CN" altLang="en-US" sz="1800" b="1" kern="100" dirty="0">
+                <a:effectLst/>
+                <a:latin typeface="宋体" panose="02010600030101010101" pitchFamily="2" charset="-122"/>
+                <a:ea typeface="宋体" panose="02010600030101010101" pitchFamily="2" charset="-122"/>
+                <a:cs typeface="宋体" panose="02010600030101010101" pitchFamily="2" charset="-122"/>
+              </a:rPr>
+              <a:t>坐标</a:t>
+            </a:r>
+            <a:r>
+              <a:rPr lang="zh-CN" altLang="en-US" sz="1800" b="1" kern="100" dirty="0">
+                <a:effectLst/>
+                <a:latin typeface="宋体" panose="02010600030101010101" pitchFamily="2" charset="-122"/>
+                <a:ea typeface="宋体" panose="02010600030101010101" pitchFamily="2" charset="-122"/>
+                <a:cs typeface="宋体" panose="02010600030101010101" pitchFamily="2" charset="-122"/>
+              </a:rPr>
+              <a:t>转换</a:t>
+            </a:r>
+            <a:endParaRPr lang="zh-CN" altLang="en-US" sz="1800" b="1" kern="100" dirty="0">
+              <a:effectLst/>
+              <a:latin typeface="宋体" panose="02010600030101010101" pitchFamily="2" charset="-122"/>
+              <a:ea typeface="宋体" panose="02010600030101010101" pitchFamily="2" charset="-122"/>
+              <a:cs typeface="宋体" panose="02010600030101010101" pitchFamily="2" charset="-122"/>
+            </a:endParaRPr>
+          </a:p>
+        </p:txBody>
+      </p:sp>
+    </p:spTree>
+  </p:cSld>
+  <p:clrMapOvr>
+    <a:masterClrMapping/>
+  </p:clrMapOvr>
+  <mc:AlternateContent xmlns:mc="http://schemas.openxmlformats.org/markup-compatibility/2006">
+    <mc:Choice xmlns:p14="http://schemas.microsoft.com/office/powerpoint/2010/main" Requires="p14">
+      <p:transition spd="med" p14:dur="699">
+        <p:fade/>
+      </p:transition>
+    </mc:Choice>
+    <mc:Fallback>
+      <p:transition spd="med">
+        <p:fade/>
+      </p:transition>
+    </mc:Fallback>
+  </mc:AlternateContent>
+</p:sld>
+</file>
+
+<file path=ppt/slides/slide11.xml><?xml version="1.0" encoding="utf-8"?>
+<p:sld xmlns:a="http://schemas.openxmlformats.org/drawingml/2006/main" xmlns:r="http://schemas.openxmlformats.org/officeDocument/2006/relationships" xmlns:p="http://schemas.openxmlformats.org/presentationml/2006/main">
+  <p:cSld>
+    <p:spTree>
+      <p:nvGrpSpPr>
+        <p:cNvPr id="1" name=""/>
+        <p:cNvGrpSpPr/>
+        <p:nvPr/>
+      </p:nvGrpSpPr>
+      <p:grpSpPr>
+        <a:xfrm>
+          <a:off x="0" y="0"/>
+          <a:ext cx="0" cy="0"/>
+          <a:chOff x="0" y="0"/>
+          <a:chExt cx="0" cy="0"/>
+        </a:xfrm>
+      </p:grpSpPr>
+      <p:cxnSp>
+        <p:nvCxnSpPr>
+          <p:cNvPr id="37" name="直接连接符 36"/>
+          <p:cNvCxnSpPr/>
+          <p:nvPr>
+            <p:custDataLst>
+              <p:tags r:id="rId1"/>
+            </p:custDataLst>
+          </p:nvPr>
+        </p:nvCxnSpPr>
+        <p:spPr>
+          <a:xfrm>
+            <a:off x="0" y="6858000"/>
+            <a:ext cx="12214225" cy="0"/>
+          </a:xfrm>
+          <a:prstGeom prst="line">
+            <a:avLst/>
+          </a:prstGeom>
+          <a:ln w="92075" cmpd="sng">
+            <a:solidFill>
+              <a:srgbClr val="C00000"/>
+            </a:solidFill>
+            <a:prstDash val="solid"/>
+          </a:ln>
+        </p:spPr>
+        <p:style>
+          <a:lnRef idx="1">
+            <a:schemeClr val="accent1"/>
+          </a:lnRef>
+          <a:fillRef idx="0">
+            <a:schemeClr val="accent1"/>
+          </a:fillRef>
+          <a:effectRef idx="0">
+            <a:schemeClr val="accent1"/>
+          </a:effectRef>
+          <a:fontRef idx="minor">
+            <a:schemeClr val="tx1"/>
+          </a:fontRef>
+        </p:style>
+      </p:cxnSp>
+      <p:grpSp>
+        <p:nvGrpSpPr>
+          <p:cNvPr id="29" name="powerpoint template design by DAJU_PPT正版来源小红书大橘PPT微信DAJU_PPT请勿抄袭搬运！盗版必究！"/>
+          <p:cNvGrpSpPr/>
+          <p:nvPr/>
+        </p:nvGrpSpPr>
+        <p:grpSpPr>
+          <a:xfrm>
+            <a:off x="339244" y="1176213"/>
+            <a:ext cx="9950838" cy="560397"/>
+            <a:chOff x="-3873630" y="2695274"/>
+            <a:chExt cx="9950838" cy="487417"/>
+          </a:xfrm>
+        </p:grpSpPr>
+        <p:sp>
+          <p:nvSpPr>
+            <p:cNvPr id="30" name="powerpoint template design by DAJU_PPT正版来源小红书大橘PPT微信DAJU_PPT请勿抄袭搬运！盗版必究！-1"/>
+            <p:cNvSpPr txBox="1"/>
+            <p:nvPr/>
+          </p:nvSpPr>
+          <p:spPr>
+            <a:xfrm>
+              <a:off x="1035609" y="2695274"/>
+              <a:ext cx="5041599" cy="348004"/>
+            </a:xfrm>
+            <a:prstGeom prst="rect">
+              <a:avLst/>
+            </a:prstGeom>
+            <a:noFill/>
+          </p:spPr>
+          <p:txBody>
+            <a:bodyPr wrap="square" rtlCol="0">
+              <a:spAutoFit/>
+            </a:bodyPr>
+            <a:lstStyle/>
+            <a:p>
+              <a:endParaRPr lang="zh-CN" altLang="en-US" sz="2000" b="1" spc="300" dirty="0">
+                <a:solidFill>
+                  <a:srgbClr val="A50917"/>
+                </a:solidFill>
+                <a:latin typeface="微软雅黑" panose="020B0503020204020204" pitchFamily="34" charset="-122"/>
+                <a:ea typeface="微软雅黑" panose="020B0503020204020204" pitchFamily="34" charset="-122"/>
+              </a:endParaRPr>
+            </a:p>
+          </p:txBody>
+        </p:sp>
+        <p:sp>
+          <p:nvSpPr>
+            <p:cNvPr id="32" name="powerpoint template design by DAJU_PPT正版来源小红书大橘PPT微信DAJU_PPT请勿抄袭搬运！盗版必究！-3"/>
+            <p:cNvSpPr txBox="1"/>
+            <p:nvPr/>
+          </p:nvSpPr>
+          <p:spPr>
+            <a:xfrm>
+              <a:off x="-3873630" y="2779475"/>
+              <a:ext cx="6223214" cy="403216"/>
+            </a:xfrm>
+            <a:prstGeom prst="rect">
+              <a:avLst/>
+            </a:prstGeom>
+            <a:noFill/>
+          </p:spPr>
+          <p:txBody>
+            <a:bodyPr wrap="square" rtlCol="0">
+              <a:spAutoFit/>
+            </a:bodyPr>
+            <a:lstStyle/>
+            <a:p>
+              <a:pPr marL="285750" lvl="0" indent="-285750">
+                <a:lnSpc>
+                  <a:spcPct val="150000"/>
+                </a:lnSpc>
+                <a:spcBef>
+                  <a:spcPts val="1700"/>
+                </a:spcBef>
+                <a:spcAft>
+                  <a:spcPts val="1700"/>
+                </a:spcAft>
+                <a:buFont typeface="Arial" panose="020B0604020202020204" pitchFamily="34" charset="0"/>
+                <a:buChar char="•"/>
+              </a:pPr>
+              <a:r>
+                <a:rPr lang="zh-CN" altLang="en-US" b="1" dirty="0"/>
+                <a:t>基于</a:t>
+              </a:r>
+              <a:r>
+                <a:rPr lang="en-US" altLang="zh-CN" b="1" dirty="0"/>
+                <a:t>Yolov11</a:t>
+              </a:r>
+              <a:r>
+                <a:rPr lang="zh-CN" altLang="en-US" b="1" dirty="0"/>
+                <a:t>与深度相机的定位检测</a:t>
+              </a:r>
+              <a:endParaRPr lang="zh-CN" altLang="en-US" b="1" dirty="0"/>
+            </a:p>
+          </p:txBody>
+        </p:sp>
+      </p:grpSp>
+      <p:sp>
+        <p:nvSpPr>
+          <p:cNvPr id="35" name="powerpoint template design by DAJU_PPT正版来源小红书大橘PPT微信DAJU_PPT请勿抄袭搬运！盗版必究！"/>
+          <p:cNvSpPr/>
+          <p:nvPr/>
+        </p:nvSpPr>
+        <p:spPr>
+          <a:xfrm>
+            <a:off x="238125" y="1104899"/>
+            <a:ext cx="11643995" cy="5521501"/>
+          </a:xfrm>
+          <a:prstGeom prst="roundRect">
+            <a:avLst>
+              <a:gd name="adj" fmla="val 0"/>
+            </a:avLst>
+          </a:prstGeom>
+          <a:noFill/>
+          <a:ln w="25400" cap="flat" cmpd="sng" algn="ctr">
+            <a:solidFill>
+              <a:srgbClr val="A50917"/>
+            </a:solidFill>
+            <a:prstDash val="solid"/>
+            <a:miter lim="800000"/>
+          </a:ln>
+          <a:effectLst/>
+        </p:spPr>
+        <p:style>
+          <a:lnRef idx="2">
+            <a:schemeClr val="accent1">
+              <a:shade val="50000"/>
+            </a:schemeClr>
+          </a:lnRef>
+          <a:fillRef idx="1">
+            <a:schemeClr val="accent1"/>
+          </a:fillRef>
+          <a:effectRef idx="0">
+            <a:schemeClr val="accent1"/>
+          </a:effectRef>
+          <a:fontRef idx="minor">
+            <a:schemeClr val="lt1"/>
+          </a:fontRef>
+        </p:style>
+        <p:txBody>
+          <a:bodyPr rtlCol="0" anchor="ctr"/>
+          <a:lstStyle/>
+          <a:p>
+            <a:pPr algn="ctr"/>
+            <a:endParaRPr lang="zh-CN" altLang="en-US"/>
+          </a:p>
+        </p:txBody>
+      </p:sp>
+      <p:sp>
+        <p:nvSpPr>
+          <p:cNvPr id="36" name="矩形 35"/>
+          <p:cNvSpPr/>
+          <p:nvPr/>
+        </p:nvSpPr>
+        <p:spPr>
+          <a:xfrm>
+            <a:off x="0" y="0"/>
+            <a:ext cx="12192000" cy="6858000"/>
+          </a:xfrm>
+          <a:prstGeom prst="rect">
+            <a:avLst/>
+          </a:prstGeom>
+          <a:noFill/>
+          <a:ln w="117475">
+            <a:solidFill>
+              <a:srgbClr val="A50917"/>
+            </a:solidFill>
+          </a:ln>
+        </p:spPr>
+        <p:style>
+          <a:lnRef idx="2">
+            <a:schemeClr val="accent1">
+              <a:shade val="15000"/>
+            </a:schemeClr>
+          </a:lnRef>
+          <a:fillRef idx="1">
+            <a:schemeClr val="accent1"/>
+          </a:fillRef>
+          <a:effectRef idx="0">
+            <a:schemeClr val="accent1"/>
+          </a:effectRef>
+          <a:fontRef idx="minor">
+            <a:schemeClr val="lt1"/>
+          </a:fontRef>
+        </p:style>
+        <p:txBody>
+          <a:bodyPr rtlCol="0" anchor="ctr"/>
+          <a:lstStyle/>
+          <a:p>
+            <a:pPr algn="ctr"/>
+            <a:endParaRPr lang="zh-CN" altLang="en-US"/>
+          </a:p>
+        </p:txBody>
+      </p:sp>
+      <p:pic>
+        <p:nvPicPr>
+          <p:cNvPr id="6" name="图片 5" descr="附件：北京航空航天大学标志组合汇总(1)"/>
+          <p:cNvPicPr>
+            <a:picLocks noChangeAspect="1"/>
+          </p:cNvPicPr>
+          <p:nvPr/>
+        </p:nvPicPr>
+        <p:blipFill>
+          <a:blip r:embed="rId2"/>
+          <a:stretch>
+            <a:fillRect/>
+          </a:stretch>
+        </p:blipFill>
+        <p:spPr>
+          <a:xfrm>
+            <a:off x="7992267" y="2481"/>
+            <a:ext cx="4402298" cy="1173727"/>
+          </a:xfrm>
+          <a:prstGeom prst="rect">
+            <a:avLst/>
+          </a:prstGeom>
+        </p:spPr>
+      </p:pic>
+      <p:sp>
+        <p:nvSpPr>
+          <p:cNvPr id="2" name="矩形 1" descr="7b0a20202020227461726765744d6f64756c65223a202270726f636573734f6e6c696e65466f6e7473220a7d0a"/>
+          <p:cNvSpPr/>
+          <p:nvPr>
+            <p:custDataLst>
+              <p:tags r:id="rId3"/>
+            </p:custDataLst>
+          </p:nvPr>
+        </p:nvSpPr>
+        <p:spPr>
+          <a:xfrm>
+            <a:off x="238125" y="427776"/>
+            <a:ext cx="7572167" cy="461665"/>
+          </a:xfrm>
+          <a:prstGeom prst="rect">
+            <a:avLst/>
+          </a:prstGeom>
+          <a:noFill/>
+          <a:ln>
+            <a:noFill/>
+          </a:ln>
+          <a:effectLst>
+            <a:outerShdw blurRad="12700" dist="12700" dir="5400000" sx="1000" sy="1000" algn="ctr" rotWithShape="0">
+              <a:schemeClr val="accent4">
+                <a:lumMod val="20000"/>
+                <a:lumOff val="80000"/>
+                <a:alpha val="97000"/>
+              </a:schemeClr>
+            </a:outerShdw>
+          </a:effectLst>
+        </p:spPr>
+        <p:txBody>
+          <a:bodyPr wrap="square" rtlCol="0" anchor="t">
+            <a:spAutoFit/>
+          </a:bodyPr>
+          <a:lstStyle/>
+          <a:p>
+            <a:pPr algn="l"/>
+            <a:r>
+              <a:rPr lang="zh-CN" altLang="en-US" sz="2400" dirty="0">
+                <a:solidFill>
+                  <a:srgbClr val="0C61AC"/>
+                </a:solidFill>
+                <a:effectLst>
+                  <a:outerShdw blurRad="38100" dist="38100" dir="2700000" algn="tl">
+                    <a:srgbClr val="000000">
+                      <a:alpha val="43137"/>
+                    </a:srgbClr>
+                  </a:outerShdw>
+                </a:effectLst>
+                <a:latin typeface="华文行楷" panose="02010800040101010101" charset="-122"/>
+                <a:ea typeface="华文行楷" panose="02010800040101010101" charset="-122"/>
+                <a:cs typeface="明康欧楷" charset="-122"/>
+                <a:sym typeface="汉仪雅酷黑简" charset="-122"/>
+              </a:rPr>
+              <a:t>毕业设计：面向感知觉增强的人机协作装配任务研究</a:t>
+            </a:r>
+            <a:endParaRPr lang="en-US" altLang="zh-CN" sz="2400" dirty="0">
+              <a:solidFill>
+                <a:srgbClr val="0C61AC"/>
+              </a:solidFill>
+              <a:effectLst>
+                <a:outerShdw blurRad="38100" dist="38100" dir="2700000" algn="tl">
+                  <a:srgbClr val="000000">
+                    <a:alpha val="43137"/>
+                  </a:srgbClr>
+                </a:outerShdw>
+              </a:effectLst>
+              <a:latin typeface="华文行楷" panose="02010800040101010101" charset="-122"/>
+              <a:ea typeface="华文行楷" panose="02010800040101010101" charset="-122"/>
+              <a:cs typeface="明康欧楷" charset="-122"/>
+              <a:sym typeface="汉仪雅酷黑简" charset="-122"/>
+            </a:endParaRPr>
+          </a:p>
+        </p:txBody>
+      </p:sp>
+      <p:grpSp>
+        <p:nvGrpSpPr>
+          <p:cNvPr id="4" name="组合 3"/>
+          <p:cNvGrpSpPr/>
+          <p:nvPr/>
+        </p:nvGrpSpPr>
+        <p:grpSpPr>
+          <a:xfrm>
+            <a:off x="7637548" y="1661264"/>
+            <a:ext cx="3889195" cy="4480080"/>
+            <a:chOff x="6679516" y="1247519"/>
+            <a:chExt cx="5041599" cy="5315669"/>
+          </a:xfrm>
+        </p:grpSpPr>
+        <p:grpSp>
+          <p:nvGrpSpPr>
+            <p:cNvPr id="13" name="组合 12"/>
+            <p:cNvGrpSpPr/>
+            <p:nvPr/>
+          </p:nvGrpSpPr>
+          <p:grpSpPr>
+            <a:xfrm>
+              <a:off x="6679516" y="1247519"/>
+              <a:ext cx="5041599" cy="5315669"/>
+              <a:chOff x="6679516" y="1247519"/>
+              <a:chExt cx="5041599" cy="5315669"/>
+            </a:xfrm>
+          </p:grpSpPr>
+          <p:sp>
+            <p:nvSpPr>
+              <p:cNvPr id="14" name="powerpoint template design by DAJU_PPT正版来源小红书大橘PPT微信DAJU_PPT请勿抄袭搬运！盗版必究！-1"/>
+              <p:cNvSpPr txBox="1"/>
+              <p:nvPr/>
+            </p:nvSpPr>
+            <p:spPr>
+              <a:xfrm>
+                <a:off x="6679516" y="6149485"/>
+                <a:ext cx="5041599" cy="413703"/>
+              </a:xfrm>
+              <a:prstGeom prst="rect">
+                <a:avLst/>
+              </a:prstGeom>
+              <a:noFill/>
+            </p:spPr>
+            <p:txBody>
+              <a:bodyPr wrap="square" rtlCol="0">
+                <a:spAutoFit/>
+              </a:bodyPr>
+              <a:lstStyle/>
+              <a:p>
+                <a:pPr indent="267970" algn="ctr">
+                  <a:lnSpc>
+                    <a:spcPct val="130000"/>
+                  </a:lnSpc>
+                  <a:spcBef>
+                    <a:spcPts val="600"/>
+                  </a:spcBef>
+                  <a:spcAft>
+                    <a:spcPts val="1800"/>
+                  </a:spcAft>
+                </a:pPr>
+                <a:r>
+                  <a:rPr lang="zh-CN" altLang="en-US" sz="1800" b="1" kern="100" dirty="0">
+                    <a:effectLst/>
+                    <a:latin typeface="宋体" panose="02010600030101010101" pitchFamily="2" charset="-122"/>
+                    <a:ea typeface="宋体" panose="02010600030101010101" pitchFamily="2" charset="-122"/>
+                    <a:cs typeface="宋体" panose="02010600030101010101" pitchFamily="2" charset="-122"/>
+                  </a:rPr>
+                  <a:t>研究方案路线图</a:t>
+                </a:r>
+                <a:endParaRPr lang="zh-CN" altLang="en-US" sz="1800" kern="100" dirty="0">
+                  <a:effectLst/>
+                  <a:latin typeface="Times New Roman" panose="02020603050405020304" pitchFamily="18" charset="0"/>
+                  <a:ea typeface="宋体" panose="02010600030101010101" pitchFamily="2" charset="-122"/>
+                  <a:cs typeface="宋体" panose="02010600030101010101" pitchFamily="2" charset="-122"/>
+                </a:endParaRPr>
+              </a:p>
+            </p:txBody>
+          </p:sp>
+          <p:pic>
+            <p:nvPicPr>
+              <p:cNvPr id="15" name="图片 14"/>
+              <p:cNvPicPr>
+                <a:picLocks noChangeAspect="1"/>
+              </p:cNvPicPr>
+              <p:nvPr/>
+            </p:nvPicPr>
+            <p:blipFill>
+              <a:blip r:embed="rId4"/>
+              <a:stretch>
+                <a:fillRect/>
+              </a:stretch>
+            </p:blipFill>
+            <p:spPr>
+              <a:xfrm>
+                <a:off x="7260908" y="1247519"/>
+                <a:ext cx="4262219" cy="4797204"/>
+              </a:xfrm>
+              <a:prstGeom prst="rect">
+                <a:avLst/>
+              </a:prstGeom>
+              <a:noFill/>
+              <a:ln>
+                <a:noFill/>
+              </a:ln>
+            </p:spPr>
+          </p:pic>
+        </p:grpSp>
+        <p:sp>
+          <p:nvSpPr>
+            <p:cNvPr id="3" name="矩形 2"/>
+            <p:cNvSpPr/>
+            <p:nvPr/>
+          </p:nvSpPr>
+          <p:spPr>
+            <a:xfrm>
+              <a:off x="7260909" y="2678741"/>
+              <a:ext cx="1313974" cy="2533339"/>
+            </a:xfrm>
+            <a:prstGeom prst="rect">
+              <a:avLst/>
+            </a:prstGeom>
+            <a:noFill/>
+            <a:ln w="38100">
+              <a:solidFill>
+                <a:srgbClr val="FF0000"/>
+              </a:solidFill>
+            </a:ln>
+          </p:spPr>
+          <p:style>
+            <a:lnRef idx="2">
+              <a:schemeClr val="accent1">
+                <a:shade val="50000"/>
+              </a:schemeClr>
+            </a:lnRef>
+            <a:fillRef idx="1">
+              <a:schemeClr val="accent1"/>
+            </a:fillRef>
+            <a:effectRef idx="0">
+              <a:schemeClr val="accent1"/>
+            </a:effectRef>
+            <a:fontRef idx="minor">
+              <a:schemeClr val="lt1"/>
+            </a:fontRef>
+          </p:style>
+          <p:txBody>
+            <a:bodyPr rtlCol="0" anchor="ctr"/>
+            <a:lstStyle/>
+            <a:p>
+              <a:pPr algn="ctr"/>
+              <a:endParaRPr lang="zh-CN" altLang="en-US" dirty="0"/>
+            </a:p>
+          </p:txBody>
+        </p:sp>
+      </p:grpSp>
+      <p:pic>
+        <p:nvPicPr>
+          <p:cNvPr id="9" name="图片 8"/>
+          <p:cNvPicPr>
+            <a:picLocks noChangeAspect="1"/>
+          </p:cNvPicPr>
+          <p:nvPr/>
+        </p:nvPicPr>
+        <p:blipFill>
+          <a:blip r:embed="rId5"/>
+          <a:stretch>
+            <a:fillRect/>
+          </a:stretch>
+        </p:blipFill>
+        <p:spPr>
+          <a:xfrm>
+            <a:off x="366286" y="2091035"/>
+            <a:ext cx="7479338" cy="4166959"/>
+          </a:xfrm>
+          <a:prstGeom prst="rect">
+            <a:avLst/>
+          </a:prstGeom>
+        </p:spPr>
+      </p:pic>
+    </p:spTree>
+  </p:cSld>
+  <p:clrMapOvr>
+    <a:masterClrMapping/>
+  </p:clrMapOvr>
+  <mc:AlternateContent xmlns:mc="http://schemas.openxmlformats.org/markup-compatibility/2006">
+    <mc:Choice xmlns:p14="http://schemas.microsoft.com/office/powerpoint/2010/main" Requires="p14">
+      <p:transition spd="med" p14:dur="699">
+        <p:fade/>
+      </p:transition>
+    </mc:Choice>
+    <mc:Fallback>
+      <p:transition spd="med">
+        <p:fade/>
+      </p:transition>
+    </mc:Fallback>
+  </mc:AlternateContent>
+</p:sld>
+</file>
+
+<file path=ppt/slides/slide12.xml><?xml version="1.0" encoding="utf-8"?>
 <p:sld xmlns:a="http://schemas.openxmlformats.org/drawingml/2006/main" xmlns:r="http://schemas.openxmlformats.org/officeDocument/2006/relationships" xmlns:p="http://schemas.openxmlformats.org/presentationml/2006/main">
   <p:cSld>
     <p:spTree>
@@ -4823,8 +5986,8 @@
               <a:effectLst/>
               <a:uLnTx/>
               <a:uFillTx/>
-              <a:latin typeface="Calibri"/>
-              <a:ea typeface="微软雅黑" charset="-122"/>
+              <a:latin typeface="Calibri" panose="020F0502020204030204"/>
+              <a:ea typeface="微软雅黑" panose="020B0503020204020204" pitchFamily="34" charset="-122"/>
               <a:cs typeface="+mn-cs"/>
             </a:endParaRPr>
           </a:p>
@@ -4832,20 +5995,14 @@
       </p:sp>
       <p:pic>
         <p:nvPicPr>
-          <p:cNvPr id="12" name="图片 11" descr="附件：北京航空航天大学标志组合汇总(1)">
-            <a:extLst>
-              <a:ext uri="{FF2B5EF4-FFF2-40B4-BE49-F238E27FC236}">
-                <a16:creationId xmlns:a16="http://schemas.microsoft.com/office/drawing/2014/main" id="{7BD4FD99-65C4-A6E2-269A-19EAE420C0A3}"/>
-              </a:ext>
-            </a:extLst>
-          </p:cNvPr>
+          <p:cNvPr id="12" name="图片 11" descr="附件：北京航空航天大学标志组合汇总(1)"/>
           <p:cNvPicPr>
             <a:picLocks noChangeAspect="1"/>
           </p:cNvPicPr>
           <p:nvPr/>
         </p:nvPicPr>
         <p:blipFill>
-          <a:blip r:embed="rId4"/>
+          <a:blip r:embed="rId1"/>
           <a:stretch>
             <a:fillRect/>
           </a:stretch>
@@ -4862,13 +6019,7 @@
       </p:pic>
       <p:sp>
         <p:nvSpPr>
-          <p:cNvPr id="17" name="矩形 16">
-            <a:extLst>
-              <a:ext uri="{FF2B5EF4-FFF2-40B4-BE49-F238E27FC236}">
-                <a16:creationId xmlns:a16="http://schemas.microsoft.com/office/drawing/2014/main" id="{B9A66D04-094A-2091-AB53-AA487DA90AE0}"/>
-              </a:ext>
-            </a:extLst>
-          </p:cNvPr>
+          <p:cNvPr id="17" name="矩形 16"/>
           <p:cNvSpPr/>
           <p:nvPr/>
         </p:nvSpPr>
@@ -4914,13 +6065,7 @@
       </p:sp>
       <p:sp>
         <p:nvSpPr>
-          <p:cNvPr id="21" name="powerpoint template design by DAJU_PPT正版来源小红书大橘PPT微信DAJU_PPT请勿抄袭搬运！盗版必究！">
-            <a:extLst>
-              <a:ext uri="{FF2B5EF4-FFF2-40B4-BE49-F238E27FC236}">
-                <a16:creationId xmlns:a16="http://schemas.microsoft.com/office/drawing/2014/main" id="{4C8C113C-D77A-A51B-EF45-83B6A4D688CC}"/>
-              </a:ext>
-            </a:extLst>
-          </p:cNvPr>
+          <p:cNvPr id="21" name="powerpoint template design by DAJU_PPT正版来源小红书大橘PPT微信DAJU_PPT请勿抄袭搬运！盗版必究！"/>
           <p:cNvSpPr/>
           <p:nvPr/>
         </p:nvSpPr>
@@ -4971,17 +6116,11 @@
       </p:sp>
       <p:sp>
         <p:nvSpPr>
-          <p:cNvPr id="24" name="矩形 23" descr="7b0a20202020227461726765744d6f64756c65223a202270726f636573734f6e6c696e65466f6e7473220a7d0a">
-            <a:extLst>
-              <a:ext uri="{FF2B5EF4-FFF2-40B4-BE49-F238E27FC236}">
-                <a16:creationId xmlns:a16="http://schemas.microsoft.com/office/drawing/2014/main" id="{F884EAFD-B660-765C-FCCD-89162CC37DAC}"/>
-              </a:ext>
-            </a:extLst>
-          </p:cNvPr>
+          <p:cNvPr id="24" name="矩形 23" descr="7b0a20202020227461726765744d6f64756c65223a202270726f636573734f6e6c696e65466f6e7473220a7d0a"/>
           <p:cNvSpPr/>
           <p:nvPr>
             <p:custDataLst>
-              <p:tags r:id="rId1"/>
+              <p:tags r:id="rId2"/>
             </p:custDataLst>
           </p:nvPr>
         </p:nvSpPr>
@@ -5026,8 +6165,8 @@
                     </a:srgbClr>
                   </a:outerShdw>
                 </a:effectLst>
-                <a:latin typeface="黑体" panose="02010609060101010101" pitchFamily="49" charset="-122"/>
-                <a:ea typeface="黑体" panose="02010609060101010101" pitchFamily="49" charset="-122"/>
+                <a:latin typeface="黑体" panose="02010609060101010101" charset="-122"/>
+                <a:ea typeface="黑体" panose="02010609060101010101" charset="-122"/>
                 <a:cs typeface="明康欧楷" charset="-122"/>
                 <a:sym typeface="汉仪雅酷黑简" charset="-122"/>
               </a:rPr>
@@ -5044,8 +6183,8 @@
                   </a:srgbClr>
                 </a:outerShdw>
               </a:effectLst>
-              <a:latin typeface="黑体" panose="02010609060101010101" pitchFamily="49" charset="-122"/>
-              <a:ea typeface="黑体" panose="02010609060101010101" pitchFamily="49" charset="-122"/>
+              <a:latin typeface="黑体" panose="02010609060101010101" charset="-122"/>
+              <a:ea typeface="黑体" panose="02010609060101010101" charset="-122"/>
               <a:cs typeface="明康欧楷" charset="-122"/>
               <a:sym typeface="汉仪雅酷黑简" charset="-122"/>
             </a:endParaRPr>
@@ -5054,13 +6193,7 @@
       </p:sp>
       <p:sp>
         <p:nvSpPr>
-          <p:cNvPr id="4" name="powerpoint template design by DAJU_PPT正版来源小红书大橘PPT微信DAJU_PPT请勿抄袭搬运！盗版必究！-3">
-            <a:extLst>
-              <a:ext uri="{FF2B5EF4-FFF2-40B4-BE49-F238E27FC236}">
-                <a16:creationId xmlns:a16="http://schemas.microsoft.com/office/drawing/2014/main" id="{ECB407E5-314B-1B84-C0CA-0AE533342AE3}"/>
-              </a:ext>
-            </a:extLst>
-          </p:cNvPr>
+          <p:cNvPr id="4" name="powerpoint template design by DAJU_PPT正版来源小红书大橘PPT微信DAJU_PPT请勿抄袭搬运！盗版必究！-3"/>
           <p:cNvSpPr txBox="1"/>
           <p:nvPr/>
         </p:nvSpPr>
@@ -5099,18 +6232,16 @@
               </a:rPr>
               <a:t>完成已完成工作的论文撰写。</a:t>
             </a:r>
-          </a:p>
-        </p:txBody>
-      </p:sp>
-      <p:sp>
-        <p:nvSpPr>
-          <p:cNvPr id="7" name="powerpoint template design by DAJU_PPT正版来源小红书大橘PPT微信DAJU_PPT请勿抄袭搬运！盗版必究！-3">
-            <a:extLst>
-              <a:ext uri="{FF2B5EF4-FFF2-40B4-BE49-F238E27FC236}">
-                <a16:creationId xmlns:a16="http://schemas.microsoft.com/office/drawing/2014/main" id="{A77ACABE-2262-4EDF-0BA1-D4047F8D679C}"/>
-              </a:ext>
-            </a:extLst>
-          </p:cNvPr>
+            <a:endParaRPr lang="zh-CN" altLang="en-US" b="1" dirty="0">
+              <a:latin typeface="微软雅黑" panose="020B0503020204020204" pitchFamily="34" charset="-122"/>
+              <a:ea typeface="微软雅黑" panose="020B0503020204020204" pitchFamily="34" charset="-122"/>
+            </a:endParaRPr>
+          </a:p>
+        </p:txBody>
+      </p:sp>
+      <p:sp>
+        <p:nvSpPr>
+          <p:cNvPr id="7" name="powerpoint template design by DAJU_PPT正版来源小红书大橘PPT微信DAJU_PPT请勿抄袭搬运！盗版必究！-3"/>
           <p:cNvSpPr txBox="1"/>
           <p:nvPr/>
         </p:nvSpPr>
@@ -5173,6 +6304,13 @@
               </a:rPr>
               <a:t>。</a:t>
             </a:r>
+            <a:endParaRPr lang="zh-CN" altLang="en-US" b="1" i="0" dirty="0">
+              <a:solidFill>
+                <a:srgbClr val="191B1F"/>
+              </a:solidFill>
+              <a:effectLst/>
+              <a:latin typeface="-apple-system"/>
+            </a:endParaRPr>
           </a:p>
           <a:p>
             <a:pPr>
@@ -5189,13 +6327,7 @@
       </p:sp>
       <p:grpSp>
         <p:nvGrpSpPr>
-          <p:cNvPr id="20" name="组合 19">
-            <a:extLst>
-              <a:ext uri="{FF2B5EF4-FFF2-40B4-BE49-F238E27FC236}">
-                <a16:creationId xmlns:a16="http://schemas.microsoft.com/office/drawing/2014/main" id="{E6B2B61B-C664-4F31-A248-3C166526D848}"/>
-              </a:ext>
-            </a:extLst>
-          </p:cNvPr>
+          <p:cNvPr id="20" name="组合 19"/>
           <p:cNvGrpSpPr/>
           <p:nvPr/>
         </p:nvGrpSpPr>
@@ -5209,13 +6341,7 @@
         </p:grpSpPr>
         <p:sp>
           <p:nvSpPr>
-            <p:cNvPr id="22" name="powerpoint template design by DAJU_PPT正版来源小红书大橘PPT微信DAJU_PPT请勿抄袭搬运！盗版必究！-1">
-              <a:extLst>
-                <a:ext uri="{FF2B5EF4-FFF2-40B4-BE49-F238E27FC236}">
-                  <a16:creationId xmlns:a16="http://schemas.microsoft.com/office/drawing/2014/main" id="{D2673A62-32E3-403F-94B9-BAADBB4E9147}"/>
-                </a:ext>
-              </a:extLst>
-            </p:cNvPr>
+            <p:cNvPr id="22" name="powerpoint template design by DAJU_PPT正版来源小红书大橘PPT微信DAJU_PPT请勿抄袭搬运！盗版必究！-1"/>
             <p:cNvSpPr txBox="1"/>
             <p:nvPr/>
           </p:nvSpPr>
@@ -5266,20 +6392,14 @@
         </p:sp>
         <p:pic>
           <p:nvPicPr>
-            <p:cNvPr id="23" name="图片 22">
-              <a:extLst>
-                <a:ext uri="{FF2B5EF4-FFF2-40B4-BE49-F238E27FC236}">
-                  <a16:creationId xmlns:a16="http://schemas.microsoft.com/office/drawing/2014/main" id="{220BE4D5-0CA7-4732-A9ED-5BB5EC383E64}"/>
-                </a:ext>
-              </a:extLst>
-            </p:cNvPr>
+            <p:cNvPr id="23" name="图片 22"/>
             <p:cNvPicPr>
               <a:picLocks noChangeAspect="1"/>
             </p:cNvPicPr>
             <p:nvPr/>
           </p:nvPicPr>
           <p:blipFill>
-            <a:blip r:embed="rId5"/>
+            <a:blip r:embed="rId3"/>
             <a:stretch>
               <a:fillRect/>
             </a:stretch>
@@ -5301,13 +6421,7 @@
       </p:grpSp>
       <p:sp>
         <p:nvSpPr>
-          <p:cNvPr id="11" name="矩形 10">
-            <a:extLst>
-              <a:ext uri="{FF2B5EF4-FFF2-40B4-BE49-F238E27FC236}">
-                <a16:creationId xmlns:a16="http://schemas.microsoft.com/office/drawing/2014/main" id="{F1FD1ABA-C79F-5DF4-6BB1-937F3032A5F4}"/>
-              </a:ext>
-            </a:extLst>
-          </p:cNvPr>
+          <p:cNvPr id="11" name="矩形 10"/>
           <p:cNvSpPr/>
           <p:nvPr/>
         </p:nvSpPr>
@@ -5356,13 +6470,13 @@
   <p:clrMapOvr>
     <a:masterClrMapping/>
   </p:clrMapOvr>
-  <mc:AlternateContent xmlns:mc="http://schemas.openxmlformats.org/markup-compatibility/2006" xmlns:p14="http://schemas.microsoft.com/office/powerpoint/2010/main">
-    <mc:Choice Requires="p14">
+  <mc:AlternateContent xmlns:mc="http://schemas.openxmlformats.org/markup-compatibility/2006">
+    <mc:Choice xmlns:p14="http://schemas.microsoft.com/office/powerpoint/2010/main" Requires="p14">
       <p:transition spd="med" p14:dur="699">
         <p:fade/>
       </p:transition>
     </mc:Choice>
-    <mc:Fallback xmlns="">
+    <mc:Fallback>
       <p:transition spd="med">
         <p:fade/>
       </p:transition>
@@ -5371,7 +6485,7 @@
 </p:sld>
 </file>
 
-<file path=ppt/slides/slide11.xml><?xml version="1.0" encoding="utf-8"?>
+<file path=ppt/slides/slide13.xml><?xml version="1.0" encoding="utf-8"?>
 <p:sld xmlns:a="http://schemas.openxmlformats.org/drawingml/2006/main" xmlns:r="http://schemas.openxmlformats.org/officeDocument/2006/relationships" xmlns:p="http://schemas.openxmlformats.org/presentationml/2006/main">
   <p:cSld>
     <p:spTree>
@@ -5427,9 +6541,9 @@
                     </a:schemeClr>
                   </a:outerShdw>
                 </a:effectLst>
-                <a:latin typeface="华文行楷" charset="-122"/>
-                <a:ea typeface="华文行楷" charset="-122"/>
-                <a:cs typeface="华文行楷" charset="-122"/>
+                <a:latin typeface="华文行楷" panose="02010800040101010101" charset="-122"/>
+                <a:ea typeface="华文行楷" panose="02010800040101010101" charset="-122"/>
+                <a:cs typeface="华文行楷" panose="02010800040101010101" charset="-122"/>
                 <a:sym typeface="汉仪雅酷黑简" charset="-122"/>
               </a:rPr>
               <a:t>25</a:t>
@@ -5446,9 +6560,9 @@
                     </a:schemeClr>
                   </a:outerShdw>
                 </a:effectLst>
-                <a:latin typeface="华文行楷" charset="-122"/>
-                <a:ea typeface="华文行楷" charset="-122"/>
-                <a:cs typeface="华文行楷" charset="-122"/>
+                <a:latin typeface="华文行楷" panose="02010800040101010101" charset="-122"/>
+                <a:ea typeface="华文行楷" panose="02010800040101010101" charset="-122"/>
+                <a:cs typeface="华文行楷" panose="02010800040101010101" charset="-122"/>
                 <a:sym typeface="汉仪雅酷黑简" charset="-122"/>
               </a:rPr>
               <a:t>级硕桂宝山</a:t>
@@ -5477,13 +6591,7 @@
       </p:sp>
       <p:sp>
         <p:nvSpPr>
-          <p:cNvPr id="11" name="文本框 10">
-            <a:extLst>
-              <a:ext uri="{FF2B5EF4-FFF2-40B4-BE49-F238E27FC236}">
-                <a16:creationId xmlns:a16="http://schemas.microsoft.com/office/drawing/2014/main" id="{AF12CCE5-7835-E442-F777-FC149DB5D141}"/>
-              </a:ext>
-            </a:extLst>
-          </p:cNvPr>
+          <p:cNvPr id="11" name="文本框 10"/>
           <p:cNvSpPr txBox="1"/>
           <p:nvPr/>
         </p:nvSpPr>
@@ -5521,25 +6629,33 @@
               </a:rPr>
               <a:t>例会汇报</a:t>
             </a:r>
+            <a:endParaRPr lang="zh-CN" altLang="en-US" sz="8800" b="1" dirty="0">
+              <a:solidFill>
+                <a:srgbClr val="0C61AC"/>
+              </a:solidFill>
+              <a:effectLst>
+                <a:outerShdw blurRad="50800" dist="38100" dir="2700000" algn="tl" rotWithShape="0">
+                  <a:prstClr val="black">
+                    <a:alpha val="40000"/>
+                  </a:prstClr>
+                </a:outerShdw>
+              </a:effectLst>
+              <a:latin typeface="微软雅黑" panose="020B0503020204020204" pitchFamily="34" charset="-122"/>
+              <a:ea typeface="微软雅黑" panose="020B0503020204020204" pitchFamily="34" charset="-122"/>
+            </a:endParaRPr>
           </a:p>
         </p:txBody>
       </p:sp>
       <p:pic>
         <p:nvPicPr>
-          <p:cNvPr id="15" name="图片 14" descr="附件：北京航空航天大学标志组合汇总(1)">
-            <a:extLst>
-              <a:ext uri="{FF2B5EF4-FFF2-40B4-BE49-F238E27FC236}">
-                <a16:creationId xmlns:a16="http://schemas.microsoft.com/office/drawing/2014/main" id="{5293C875-9C8F-F22F-1077-B24330AED0D2}"/>
-              </a:ext>
-            </a:extLst>
-          </p:cNvPr>
+          <p:cNvPr id="15" name="图片 14" descr="附件：北京航空航天大学标志组合汇总(1)"/>
           <p:cNvPicPr>
             <a:picLocks noChangeAspect="1"/>
           </p:cNvPicPr>
           <p:nvPr/>
         </p:nvPicPr>
         <p:blipFill>
-          <a:blip r:embed="rId4"/>
+          <a:blip r:embed="rId2"/>
           <a:stretch>
             <a:fillRect/>
           </a:stretch>
@@ -5556,13 +6672,7 @@
       </p:pic>
       <p:sp>
         <p:nvSpPr>
-          <p:cNvPr id="18" name="矩形 17">
-            <a:extLst>
-              <a:ext uri="{FF2B5EF4-FFF2-40B4-BE49-F238E27FC236}">
-                <a16:creationId xmlns:a16="http://schemas.microsoft.com/office/drawing/2014/main" id="{DE966030-D183-F2B9-7081-BAAD01C66F86}"/>
-              </a:ext>
-            </a:extLst>
-          </p:cNvPr>
+          <p:cNvPr id="18" name="矩形 17"/>
           <p:cNvSpPr/>
           <p:nvPr/>
         </p:nvSpPr>
@@ -5607,22 +6717,17 @@
         </p:txBody>
       </p:sp>
     </p:spTree>
-    <p:extLst>
-      <p:ext uri="{BB962C8B-B14F-4D97-AF65-F5344CB8AC3E}">
-        <p14:creationId xmlns:p14="http://schemas.microsoft.com/office/powerpoint/2010/main" val="2378342026"/>
-      </p:ext>
-    </p:extLst>
   </p:cSld>
   <p:clrMapOvr>
     <a:masterClrMapping/>
   </p:clrMapOvr>
-  <mc:AlternateContent xmlns:mc="http://schemas.openxmlformats.org/markup-compatibility/2006" xmlns:p14="http://schemas.microsoft.com/office/powerpoint/2010/main">
-    <mc:Choice Requires="p14">
+  <mc:AlternateContent xmlns:mc="http://schemas.openxmlformats.org/markup-compatibility/2006">
+    <mc:Choice xmlns:p14="http://schemas.microsoft.com/office/powerpoint/2010/main" Requires="p14">
       <p:transition spd="med" p14:dur="699">
         <p:fade/>
       </p:transition>
     </mc:Choice>
-    <mc:Fallback xmlns="">
+    <mc:Fallback>
       <p:transition spd="med">
         <p:fade/>
       </p:transition>
@@ -5699,8 +6804,8 @@
                     </a:srgbClr>
                   </a:outerShdw>
                 </a:effectLst>
-                <a:latin typeface="华文行楷" charset="-122"/>
-                <a:ea typeface="华文行楷" charset="-122"/>
+                <a:latin typeface="华文行楷" panose="02010800040101010101" charset="-122"/>
+                <a:ea typeface="华文行楷" panose="02010800040101010101" charset="-122"/>
                 <a:cs typeface="明康欧楷" charset="-122"/>
                 <a:sym typeface="汉仪雅酷黑简" charset="-122"/>
               </a:rPr>
@@ -5717,8 +6822,8 @@
                   </a:srgbClr>
                 </a:outerShdw>
               </a:effectLst>
-              <a:latin typeface="华文行楷" charset="-122"/>
-              <a:ea typeface="华文行楷" charset="-122"/>
+              <a:latin typeface="华文行楷" panose="02010800040101010101" charset="-122"/>
+              <a:ea typeface="华文行楷" panose="02010800040101010101" charset="-122"/>
               <a:cs typeface="明康欧楷" charset="-122"/>
               <a:sym typeface="汉仪雅酷黑简" charset="-122"/>
             </a:endParaRPr>
@@ -5767,13 +6872,7 @@
       </p:cxnSp>
       <p:sp>
         <p:nvSpPr>
-          <p:cNvPr id="35" name="powerpoint template design by DAJU_PPT正版来源小红书大橘PPT微信DAJU_PPT请勿抄袭搬运！盗版必究！">
-            <a:extLst>
-              <a:ext uri="{FF2B5EF4-FFF2-40B4-BE49-F238E27FC236}">
-                <a16:creationId xmlns:a16="http://schemas.microsoft.com/office/drawing/2014/main" id="{E536B66C-1DFF-E4CB-E3CE-D1132AF4E82B}"/>
-              </a:ext>
-            </a:extLst>
-          </p:cNvPr>
+          <p:cNvPr id="35" name="powerpoint template design by DAJU_PPT正版来源小红书大橘PPT微信DAJU_PPT请勿抄袭搬运！盗版必究！"/>
           <p:cNvSpPr/>
           <p:nvPr/>
         </p:nvSpPr>
@@ -5824,13 +6923,7 @@
       </p:sp>
       <p:sp>
         <p:nvSpPr>
-          <p:cNvPr id="36" name="矩形 35">
-            <a:extLst>
-              <a:ext uri="{FF2B5EF4-FFF2-40B4-BE49-F238E27FC236}">
-                <a16:creationId xmlns:a16="http://schemas.microsoft.com/office/drawing/2014/main" id="{3D56A5E8-7A07-31B3-54BF-CA5B68150E6C}"/>
-              </a:ext>
-            </a:extLst>
-          </p:cNvPr>
+          <p:cNvPr id="36" name="矩形 35"/>
           <p:cNvSpPr/>
           <p:nvPr/>
         </p:nvSpPr>
@@ -5876,20 +6969,14 @@
       </p:sp>
       <p:pic>
         <p:nvPicPr>
-          <p:cNvPr id="6" name="图片 5" descr="附件：北京航空航天大学标志组合汇总(1)">
-            <a:extLst>
-              <a:ext uri="{FF2B5EF4-FFF2-40B4-BE49-F238E27FC236}">
-                <a16:creationId xmlns:a16="http://schemas.microsoft.com/office/drawing/2014/main" id="{3C1EEE31-95CD-D09D-6178-EF4C20A2732A}"/>
-              </a:ext>
-            </a:extLst>
-          </p:cNvPr>
+          <p:cNvPr id="6" name="图片 5" descr="附件：北京航空航天大学标志组合汇总(1)"/>
           <p:cNvPicPr>
             <a:picLocks noChangeAspect="1"/>
           </p:cNvPicPr>
           <p:nvPr/>
         </p:nvPicPr>
         <p:blipFill>
-          <a:blip r:embed="rId5"/>
+          <a:blip r:embed="rId3"/>
           <a:stretch>
             <a:fillRect/>
           </a:stretch>
@@ -5906,13 +6993,7 @@
       </p:pic>
       <p:grpSp>
         <p:nvGrpSpPr>
-          <p:cNvPr id="3" name="组合 2">
-            <a:extLst>
-              <a:ext uri="{FF2B5EF4-FFF2-40B4-BE49-F238E27FC236}">
-                <a16:creationId xmlns:a16="http://schemas.microsoft.com/office/drawing/2014/main" id="{1A6DA68F-A27E-4024-B04C-AE6F0EF0012F}"/>
-              </a:ext>
-            </a:extLst>
-          </p:cNvPr>
+          <p:cNvPr id="3" name="组合 2"/>
           <p:cNvGrpSpPr/>
           <p:nvPr/>
         </p:nvGrpSpPr>
@@ -5926,13 +7007,7 @@
         </p:grpSpPr>
         <p:sp>
           <p:nvSpPr>
-            <p:cNvPr id="30" name="powerpoint template design by DAJU_PPT正版来源小红书大橘PPT微信DAJU_PPT请勿抄袭搬运！盗版必究！-1">
-              <a:extLst>
-                <a:ext uri="{FF2B5EF4-FFF2-40B4-BE49-F238E27FC236}">
-                  <a16:creationId xmlns:a16="http://schemas.microsoft.com/office/drawing/2014/main" id="{F5985B82-B9DE-A3D9-D9CD-4361835C6574}"/>
-                </a:ext>
-              </a:extLst>
-            </p:cNvPr>
+            <p:cNvPr id="30" name="powerpoint template design by DAJU_PPT正版来源小红书大橘PPT微信DAJU_PPT请勿抄袭搬运！盗版必究！-1"/>
             <p:cNvSpPr txBox="1"/>
             <p:nvPr/>
           </p:nvSpPr>
@@ -5983,20 +7058,14 @@
         </p:sp>
         <p:pic>
           <p:nvPicPr>
-            <p:cNvPr id="12" name="图片 11">
-              <a:extLst>
-                <a:ext uri="{FF2B5EF4-FFF2-40B4-BE49-F238E27FC236}">
-                  <a16:creationId xmlns:a16="http://schemas.microsoft.com/office/drawing/2014/main" id="{51031E8E-3A29-434F-8A54-574A5FA20B34}"/>
-                </a:ext>
-              </a:extLst>
-            </p:cNvPr>
+            <p:cNvPr id="12" name="图片 11"/>
             <p:cNvPicPr>
               <a:picLocks noChangeAspect="1"/>
             </p:cNvPicPr>
             <p:nvPr/>
           </p:nvPicPr>
           <p:blipFill>
-            <a:blip r:embed="rId6"/>
+            <a:blip r:embed="rId4"/>
             <a:stretch>
               <a:fillRect/>
             </a:stretch>
@@ -6018,20 +7087,14 @@
       </p:grpSp>
       <p:pic>
         <p:nvPicPr>
-          <p:cNvPr id="13" name="图片 12">
-            <a:extLst>
-              <a:ext uri="{FF2B5EF4-FFF2-40B4-BE49-F238E27FC236}">
-                <a16:creationId xmlns:a16="http://schemas.microsoft.com/office/drawing/2014/main" id="{2DC52C6B-811E-4923-8E63-8874E78AA1CB}"/>
-              </a:ext>
-            </a:extLst>
-          </p:cNvPr>
+          <p:cNvPr id="13" name="图片 12"/>
           <p:cNvPicPr>
             <a:picLocks noChangeAspect="1"/>
           </p:cNvPicPr>
           <p:nvPr/>
         </p:nvPicPr>
         <p:blipFill>
-          <a:blip r:embed="rId7"/>
+          <a:blip r:embed="rId5"/>
           <a:stretch>
             <a:fillRect/>
           </a:stretch>
@@ -6052,13 +7115,7 @@
       </p:pic>
       <p:sp>
         <p:nvSpPr>
-          <p:cNvPr id="15" name="文本框 14">
-            <a:extLst>
-              <a:ext uri="{FF2B5EF4-FFF2-40B4-BE49-F238E27FC236}">
-                <a16:creationId xmlns:a16="http://schemas.microsoft.com/office/drawing/2014/main" id="{9CBBDD02-0E06-44BE-BFA3-C62310D1B341}"/>
-              </a:ext>
-            </a:extLst>
-          </p:cNvPr>
+          <p:cNvPr id="15" name="文本框 14"/>
           <p:cNvSpPr txBox="1"/>
           <p:nvPr/>
         </p:nvSpPr>
@@ -6101,7 +7158,7 @@
             <a:endParaRPr lang="zh-CN" altLang="en-US" sz="1800" kern="100" dirty="0">
               <a:effectLst/>
               <a:latin typeface="Times New Roman" panose="02020603050405020304" pitchFamily="18" charset="0"/>
-              <a:ea typeface="黑体" panose="02010609060101010101" pitchFamily="49" charset="-122"/>
+              <a:ea typeface="黑体" panose="02010609060101010101" charset="-122"/>
             </a:endParaRPr>
           </a:p>
         </p:txBody>
@@ -6111,13 +7168,13 @@
   <p:clrMapOvr>
     <a:masterClrMapping/>
   </p:clrMapOvr>
-  <mc:AlternateContent xmlns:mc="http://schemas.openxmlformats.org/markup-compatibility/2006" xmlns:p14="http://schemas.microsoft.com/office/powerpoint/2010/main">
-    <mc:Choice Requires="p14">
+  <mc:AlternateContent xmlns:mc="http://schemas.openxmlformats.org/markup-compatibility/2006">
+    <mc:Choice xmlns:p14="http://schemas.microsoft.com/office/powerpoint/2010/main" Requires="p14">
       <p:transition spd="med" p14:dur="699">
         <p:fade/>
       </p:transition>
     </mc:Choice>
-    <mc:Fallback xmlns="">
+    <mc:Fallback>
       <p:transition spd="med">
         <p:fade/>
       </p:transition>
@@ -6131,13 +7188,7 @@
   <p:cSld>
     <p:spTree>
       <p:nvGrpSpPr>
-        <p:cNvPr id="1" name="">
-          <a:extLst>
-            <a:ext uri="{FF2B5EF4-FFF2-40B4-BE49-F238E27FC236}">
-              <a16:creationId xmlns:a16="http://schemas.microsoft.com/office/drawing/2014/main" id="{26DB7B7E-EE8F-5479-5473-A6ED53547C0E}"/>
-            </a:ext>
-          </a:extLst>
-        </p:cNvPr>
+        <p:cNvPr id="1" name=""/>
         <p:cNvGrpSpPr/>
         <p:nvPr/>
       </p:nvGrpSpPr>
@@ -6151,13 +7202,7 @@
       </p:grpSpPr>
       <p:cxnSp>
         <p:nvCxnSpPr>
-          <p:cNvPr id="37" name="直接连接符 36">
-            <a:extLst>
-              <a:ext uri="{FF2B5EF4-FFF2-40B4-BE49-F238E27FC236}">
-                <a16:creationId xmlns:a16="http://schemas.microsoft.com/office/drawing/2014/main" id="{3E847B48-D24D-3FBB-0C22-0EA2B6A31D40}"/>
-              </a:ext>
-            </a:extLst>
-          </p:cNvPr>
+          <p:cNvPr id="37" name="直接连接符 36"/>
           <p:cNvCxnSpPr/>
           <p:nvPr>
             <p:custDataLst>
@@ -6197,13 +7242,7 @@
       </p:cxnSp>
       <p:grpSp>
         <p:nvGrpSpPr>
-          <p:cNvPr id="29" name="powerpoint template design by DAJU_PPT正版来源小红书大橘PPT微信DAJU_PPT请勿抄袭搬运！盗版必究！">
-            <a:extLst>
-              <a:ext uri="{FF2B5EF4-FFF2-40B4-BE49-F238E27FC236}">
-                <a16:creationId xmlns:a16="http://schemas.microsoft.com/office/drawing/2014/main" id="{759710D7-FEA8-EB0C-2457-138F815FEC84}"/>
-              </a:ext>
-            </a:extLst>
-          </p:cNvPr>
+          <p:cNvPr id="29" name="powerpoint template design by DAJU_PPT正版来源小红书大橘PPT微信DAJU_PPT请勿抄袭搬运！盗版必究！"/>
           <p:cNvGrpSpPr/>
           <p:nvPr/>
         </p:nvGrpSpPr>
@@ -6217,13 +7256,7 @@
         </p:grpSpPr>
         <p:sp>
           <p:nvSpPr>
-            <p:cNvPr id="30" name="powerpoint template design by DAJU_PPT正版来源小红书大橘PPT微信DAJU_PPT请勿抄袭搬运！盗版必究！-1">
-              <a:extLst>
-                <a:ext uri="{FF2B5EF4-FFF2-40B4-BE49-F238E27FC236}">
-                  <a16:creationId xmlns:a16="http://schemas.microsoft.com/office/drawing/2014/main" id="{08EF5844-F910-F761-AEEA-726FEC35563A}"/>
-                </a:ext>
-              </a:extLst>
-            </p:cNvPr>
+            <p:cNvPr id="30" name="powerpoint template design by DAJU_PPT正版来源小红书大橘PPT微信DAJU_PPT请勿抄袭搬运！盗版必究！-1"/>
             <p:cNvSpPr txBox="1"/>
             <p:nvPr/>
           </p:nvSpPr>
@@ -6255,13 +7288,7 @@
         </p:sp>
         <p:sp>
           <p:nvSpPr>
-            <p:cNvPr id="32" name="powerpoint template design by DAJU_PPT正版来源小红书大橘PPT微信DAJU_PPT请勿抄袭搬运！盗版必究！-3">
-              <a:extLst>
-                <a:ext uri="{FF2B5EF4-FFF2-40B4-BE49-F238E27FC236}">
-                  <a16:creationId xmlns:a16="http://schemas.microsoft.com/office/drawing/2014/main" id="{F909DD68-4F1F-F45C-1B58-B0C4514B8C30}"/>
-                </a:ext>
-              </a:extLst>
-            </p:cNvPr>
+            <p:cNvPr id="32" name="powerpoint template design by DAJU_PPT正版来源小红书大橘PPT微信DAJU_PPT请勿抄袭搬运！盗版必究！-3"/>
             <p:cNvSpPr txBox="1"/>
             <p:nvPr/>
           </p:nvSpPr>
@@ -6310,13 +7337,7 @@
       </p:grpSp>
       <p:sp>
         <p:nvSpPr>
-          <p:cNvPr id="35" name="powerpoint template design by DAJU_PPT正版来源小红书大橘PPT微信DAJU_PPT请勿抄袭搬运！盗版必究！">
-            <a:extLst>
-              <a:ext uri="{FF2B5EF4-FFF2-40B4-BE49-F238E27FC236}">
-                <a16:creationId xmlns:a16="http://schemas.microsoft.com/office/drawing/2014/main" id="{89191239-FCB4-8360-307A-7F0CA55B4C41}"/>
-              </a:ext>
-            </a:extLst>
-          </p:cNvPr>
+          <p:cNvPr id="35" name="powerpoint template design by DAJU_PPT正版来源小红书大橘PPT微信DAJU_PPT请勿抄袭搬运！盗版必究！"/>
           <p:cNvSpPr/>
           <p:nvPr/>
         </p:nvSpPr>
@@ -6367,13 +7388,7 @@
       </p:sp>
       <p:sp>
         <p:nvSpPr>
-          <p:cNvPr id="36" name="矩形 35">
-            <a:extLst>
-              <a:ext uri="{FF2B5EF4-FFF2-40B4-BE49-F238E27FC236}">
-                <a16:creationId xmlns:a16="http://schemas.microsoft.com/office/drawing/2014/main" id="{5A823C72-9769-4DB9-83BB-2B3486144474}"/>
-              </a:ext>
-            </a:extLst>
-          </p:cNvPr>
+          <p:cNvPr id="36" name="矩形 35"/>
           <p:cNvSpPr/>
           <p:nvPr/>
         </p:nvSpPr>
@@ -6419,20 +7434,14 @@
       </p:sp>
       <p:pic>
         <p:nvPicPr>
-          <p:cNvPr id="6" name="图片 5" descr="附件：北京航空航天大学标志组合汇总(1)">
-            <a:extLst>
-              <a:ext uri="{FF2B5EF4-FFF2-40B4-BE49-F238E27FC236}">
-                <a16:creationId xmlns:a16="http://schemas.microsoft.com/office/drawing/2014/main" id="{1160E790-FBBA-7935-022B-271E0BA891AB}"/>
-              </a:ext>
-            </a:extLst>
-          </p:cNvPr>
+          <p:cNvPr id="6" name="图片 5" descr="附件：北京航空航天大学标志组合汇总(1)"/>
           <p:cNvPicPr>
             <a:picLocks noChangeAspect="1"/>
           </p:cNvPicPr>
           <p:nvPr/>
         </p:nvPicPr>
         <p:blipFill>
-          <a:blip r:embed="rId5"/>
+          <a:blip r:embed="rId2"/>
           <a:stretch>
             <a:fillRect/>
           </a:stretch>
@@ -6449,17 +7458,11 @@
       </p:pic>
       <p:sp>
         <p:nvSpPr>
-          <p:cNvPr id="2" name="矩形 1" descr="7b0a20202020227461726765744d6f64756c65223a202270726f636573734f6e6c696e65466f6e7473220a7d0a">
-            <a:extLst>
-              <a:ext uri="{FF2B5EF4-FFF2-40B4-BE49-F238E27FC236}">
-                <a16:creationId xmlns:a16="http://schemas.microsoft.com/office/drawing/2014/main" id="{F624D830-E051-1EB3-70A1-9F5990848275}"/>
-              </a:ext>
-            </a:extLst>
-          </p:cNvPr>
+          <p:cNvPr id="2" name="矩形 1" descr="7b0a20202020227461726765744d6f64756c65223a202270726f636573734f6e6c696e65466f6e7473220a7d0a"/>
           <p:cNvSpPr/>
           <p:nvPr>
             <p:custDataLst>
-              <p:tags r:id="rId2"/>
+              <p:tags r:id="rId3"/>
             </p:custDataLst>
           </p:nvPr>
         </p:nvSpPr>
@@ -6504,8 +7507,8 @@
                     </a:srgbClr>
                   </a:outerShdw>
                 </a:effectLst>
-                <a:latin typeface="华文行楷" charset="-122"/>
-                <a:ea typeface="华文行楷" charset="-122"/>
+                <a:latin typeface="华文行楷" panose="02010800040101010101" charset="-122"/>
+                <a:ea typeface="华文行楷" panose="02010800040101010101" charset="-122"/>
                 <a:cs typeface="明康欧楷" charset="-122"/>
                 <a:sym typeface="汉仪雅酷黑简" charset="-122"/>
               </a:rPr>
@@ -6522,8 +7525,8 @@
                   </a:srgbClr>
                 </a:outerShdw>
               </a:effectLst>
-              <a:latin typeface="华文行楷" charset="-122"/>
-              <a:ea typeface="华文行楷" charset="-122"/>
+              <a:latin typeface="华文行楷" panose="02010800040101010101" charset="-122"/>
+              <a:ea typeface="华文行楷" panose="02010800040101010101" charset="-122"/>
               <a:cs typeface="明康欧楷" charset="-122"/>
               <a:sym typeface="汉仪雅酷黑简" charset="-122"/>
             </a:endParaRPr>
@@ -6532,13 +7535,7 @@
       </p:sp>
       <p:grpSp>
         <p:nvGrpSpPr>
-          <p:cNvPr id="13" name="组合 12">
-            <a:extLst>
-              <a:ext uri="{FF2B5EF4-FFF2-40B4-BE49-F238E27FC236}">
-                <a16:creationId xmlns:a16="http://schemas.microsoft.com/office/drawing/2014/main" id="{1A01F961-5602-4E85-8A4F-99402A5566BE}"/>
-              </a:ext>
-            </a:extLst>
-          </p:cNvPr>
+          <p:cNvPr id="13" name="组合 12"/>
           <p:cNvGrpSpPr/>
           <p:nvPr/>
         </p:nvGrpSpPr>
@@ -6552,13 +7549,7 @@
         </p:grpSpPr>
         <p:sp>
           <p:nvSpPr>
-            <p:cNvPr id="14" name="powerpoint template design by DAJU_PPT正版来源小红书大橘PPT微信DAJU_PPT请勿抄袭搬运！盗版必究！-1">
-              <a:extLst>
-                <a:ext uri="{FF2B5EF4-FFF2-40B4-BE49-F238E27FC236}">
-                  <a16:creationId xmlns:a16="http://schemas.microsoft.com/office/drawing/2014/main" id="{0E0B6038-38C9-47A9-944F-09D6F23231B8}"/>
-                </a:ext>
-              </a:extLst>
-            </p:cNvPr>
+            <p:cNvPr id="14" name="powerpoint template design by DAJU_PPT正版来源小红书大橘PPT微信DAJU_PPT请勿抄袭搬运！盗版必究！-1"/>
             <p:cNvSpPr txBox="1"/>
             <p:nvPr/>
           </p:nvSpPr>
@@ -6609,20 +7600,14 @@
         </p:sp>
         <p:pic>
           <p:nvPicPr>
-            <p:cNvPr id="15" name="图片 14">
-              <a:extLst>
-                <a:ext uri="{FF2B5EF4-FFF2-40B4-BE49-F238E27FC236}">
-                  <a16:creationId xmlns:a16="http://schemas.microsoft.com/office/drawing/2014/main" id="{05DF5B69-8D7B-4095-B602-9C78866B6E37}"/>
-                </a:ext>
-              </a:extLst>
-            </p:cNvPr>
+            <p:cNvPr id="15" name="图片 14"/>
             <p:cNvPicPr>
               <a:picLocks noChangeAspect="1"/>
             </p:cNvPicPr>
             <p:nvPr/>
           </p:nvPicPr>
           <p:blipFill>
-            <a:blip r:embed="rId6"/>
+            <a:blip r:embed="rId4"/>
             <a:stretch>
               <a:fillRect/>
             </a:stretch>
@@ -6644,13 +7629,7 @@
       </p:grpSp>
       <p:sp>
         <p:nvSpPr>
-          <p:cNvPr id="3" name="矩形 2">
-            <a:extLst>
-              <a:ext uri="{FF2B5EF4-FFF2-40B4-BE49-F238E27FC236}">
-                <a16:creationId xmlns:a16="http://schemas.microsoft.com/office/drawing/2014/main" id="{5F5D26FD-8CF6-454B-BEFA-CEF6E0C2B068}"/>
-              </a:ext>
-            </a:extLst>
-          </p:cNvPr>
+          <p:cNvPr id="3" name="矩形 2"/>
           <p:cNvSpPr/>
           <p:nvPr/>
         </p:nvSpPr>
@@ -6696,13 +7675,7 @@
       </p:sp>
       <p:sp>
         <p:nvSpPr>
-          <p:cNvPr id="21" name="文本框 20">
-            <a:extLst>
-              <a:ext uri="{FF2B5EF4-FFF2-40B4-BE49-F238E27FC236}">
-                <a16:creationId xmlns:a16="http://schemas.microsoft.com/office/drawing/2014/main" id="{ECC5D5B9-FEDD-4217-9721-ADA7E96D6690}"/>
-              </a:ext>
-            </a:extLst>
-          </p:cNvPr>
+          <p:cNvPr id="21" name="文本框 20"/>
           <p:cNvSpPr txBox="1"/>
           <p:nvPr/>
         </p:nvSpPr>
@@ -6834,20 +7807,14 @@
       </p:sp>
       <p:pic>
         <p:nvPicPr>
-          <p:cNvPr id="22" name="图片 21">
-            <a:extLst>
-              <a:ext uri="{FF2B5EF4-FFF2-40B4-BE49-F238E27FC236}">
-                <a16:creationId xmlns:a16="http://schemas.microsoft.com/office/drawing/2014/main" id="{C88B3A39-F2BA-4C82-883A-8229F950962A}"/>
-              </a:ext>
-            </a:extLst>
-          </p:cNvPr>
+          <p:cNvPr id="22" name="图片 21"/>
           <p:cNvPicPr>
             <a:picLocks noChangeAspect="1"/>
           </p:cNvPicPr>
           <p:nvPr/>
         </p:nvPicPr>
         <p:blipFill>
-          <a:blip r:embed="rId7"/>
+          <a:blip r:embed="rId5"/>
           <a:stretch>
             <a:fillRect/>
           </a:stretch>
@@ -6868,13 +7835,7 @@
       </p:pic>
       <p:sp>
         <p:nvSpPr>
-          <p:cNvPr id="24" name="文本框 23">
-            <a:extLst>
-              <a:ext uri="{FF2B5EF4-FFF2-40B4-BE49-F238E27FC236}">
-                <a16:creationId xmlns:a16="http://schemas.microsoft.com/office/drawing/2014/main" id="{B9169056-2DCA-480F-A07C-BF3E79225981}"/>
-              </a:ext>
-            </a:extLst>
-          </p:cNvPr>
+          <p:cNvPr id="24" name="文本框 23"/>
           <p:cNvSpPr txBox="1"/>
           <p:nvPr/>
         </p:nvSpPr>
@@ -6926,28 +7887,23 @@
             <a:endParaRPr lang="zh-CN" altLang="en-US" sz="1800" kern="100" dirty="0">
               <a:effectLst/>
               <a:latin typeface="Times New Roman" panose="02020603050405020304" pitchFamily="18" charset="0"/>
-              <a:ea typeface="黑体" panose="02010609060101010101" pitchFamily="49" charset="-122"/>
+              <a:ea typeface="黑体" panose="02010609060101010101" charset="-122"/>
             </a:endParaRPr>
           </a:p>
         </p:txBody>
       </p:sp>
     </p:spTree>
-    <p:extLst>
-      <p:ext uri="{BB962C8B-B14F-4D97-AF65-F5344CB8AC3E}">
-        <p14:creationId xmlns:p14="http://schemas.microsoft.com/office/powerpoint/2010/main" val="751847120"/>
-      </p:ext>
-    </p:extLst>
   </p:cSld>
   <p:clrMapOvr>
     <a:masterClrMapping/>
   </p:clrMapOvr>
-  <mc:AlternateContent xmlns:mc="http://schemas.openxmlformats.org/markup-compatibility/2006" xmlns:p14="http://schemas.microsoft.com/office/powerpoint/2010/main">
-    <mc:Choice Requires="p14">
+  <mc:AlternateContent xmlns:mc="http://schemas.openxmlformats.org/markup-compatibility/2006">
+    <mc:Choice xmlns:p14="http://schemas.microsoft.com/office/powerpoint/2010/main" Requires="p14">
       <p:transition spd="med" p14:dur="699">
         <p:fade/>
       </p:transition>
     </mc:Choice>
-    <mc:Fallback xmlns="">
+    <mc:Fallback>
       <p:transition spd="med">
         <p:fade/>
       </p:transition>
@@ -6961,13 +7917,7 @@
   <p:cSld>
     <p:spTree>
       <p:nvGrpSpPr>
-        <p:cNvPr id="1" name="">
-          <a:extLst>
-            <a:ext uri="{FF2B5EF4-FFF2-40B4-BE49-F238E27FC236}">
-              <a16:creationId xmlns:a16="http://schemas.microsoft.com/office/drawing/2014/main" id="{26DB7B7E-EE8F-5479-5473-A6ED53547C0E}"/>
-            </a:ext>
-          </a:extLst>
-        </p:cNvPr>
+        <p:cNvPr id="1" name=""/>
         <p:cNvGrpSpPr/>
         <p:nvPr/>
       </p:nvGrpSpPr>
@@ -6981,13 +7931,7 @@
       </p:grpSpPr>
       <p:cxnSp>
         <p:nvCxnSpPr>
-          <p:cNvPr id="37" name="直接连接符 36">
-            <a:extLst>
-              <a:ext uri="{FF2B5EF4-FFF2-40B4-BE49-F238E27FC236}">
-                <a16:creationId xmlns:a16="http://schemas.microsoft.com/office/drawing/2014/main" id="{3E847B48-D24D-3FBB-0C22-0EA2B6A31D40}"/>
-              </a:ext>
-            </a:extLst>
-          </p:cNvPr>
+          <p:cNvPr id="37" name="直接连接符 36"/>
           <p:cNvCxnSpPr/>
           <p:nvPr>
             <p:custDataLst>
@@ -7027,13 +7971,7 @@
       </p:cxnSp>
       <p:grpSp>
         <p:nvGrpSpPr>
-          <p:cNvPr id="29" name="powerpoint template design by DAJU_PPT正版来源小红书大橘PPT微信DAJU_PPT请勿抄袭搬运！盗版必究！">
-            <a:extLst>
-              <a:ext uri="{FF2B5EF4-FFF2-40B4-BE49-F238E27FC236}">
-                <a16:creationId xmlns:a16="http://schemas.microsoft.com/office/drawing/2014/main" id="{759710D7-FEA8-EB0C-2457-138F815FEC84}"/>
-              </a:ext>
-            </a:extLst>
-          </p:cNvPr>
+          <p:cNvPr id="29" name="powerpoint template design by DAJU_PPT正版来源小红书大橘PPT微信DAJU_PPT请勿抄袭搬运！盗版必究！"/>
           <p:cNvGrpSpPr/>
           <p:nvPr/>
         </p:nvGrpSpPr>
@@ -7047,13 +7985,7 @@
         </p:grpSpPr>
         <p:sp>
           <p:nvSpPr>
-            <p:cNvPr id="30" name="powerpoint template design by DAJU_PPT正版来源小红书大橘PPT微信DAJU_PPT请勿抄袭搬运！盗版必究！-1">
-              <a:extLst>
-                <a:ext uri="{FF2B5EF4-FFF2-40B4-BE49-F238E27FC236}">
-                  <a16:creationId xmlns:a16="http://schemas.microsoft.com/office/drawing/2014/main" id="{08EF5844-F910-F761-AEEA-726FEC35563A}"/>
-                </a:ext>
-              </a:extLst>
-            </p:cNvPr>
+            <p:cNvPr id="30" name="powerpoint template design by DAJU_PPT正版来源小红书大橘PPT微信DAJU_PPT请勿抄袭搬运！盗版必究！-1"/>
             <p:cNvSpPr txBox="1"/>
             <p:nvPr/>
           </p:nvSpPr>
@@ -7085,13 +8017,7 @@
         </p:sp>
         <p:sp>
           <p:nvSpPr>
-            <p:cNvPr id="32" name="powerpoint template design by DAJU_PPT正版来源小红书大橘PPT微信DAJU_PPT请勿抄袭搬运！盗版必究！-3">
-              <a:extLst>
-                <a:ext uri="{FF2B5EF4-FFF2-40B4-BE49-F238E27FC236}">
-                  <a16:creationId xmlns:a16="http://schemas.microsoft.com/office/drawing/2014/main" id="{F909DD68-4F1F-F45C-1B58-B0C4514B8C30}"/>
-                </a:ext>
-              </a:extLst>
-            </p:cNvPr>
+            <p:cNvPr id="32" name="powerpoint template design by DAJU_PPT正版来源小红书大橘PPT微信DAJU_PPT请勿抄袭搬运！盗版必究！-3"/>
             <p:cNvSpPr txBox="1"/>
             <p:nvPr/>
           </p:nvSpPr>
@@ -7140,13 +8066,7 @@
       </p:grpSp>
       <p:sp>
         <p:nvSpPr>
-          <p:cNvPr id="35" name="powerpoint template design by DAJU_PPT正版来源小红书大橘PPT微信DAJU_PPT请勿抄袭搬运！盗版必究！">
-            <a:extLst>
-              <a:ext uri="{FF2B5EF4-FFF2-40B4-BE49-F238E27FC236}">
-                <a16:creationId xmlns:a16="http://schemas.microsoft.com/office/drawing/2014/main" id="{89191239-FCB4-8360-307A-7F0CA55B4C41}"/>
-              </a:ext>
-            </a:extLst>
-          </p:cNvPr>
+          <p:cNvPr id="35" name="powerpoint template design by DAJU_PPT正版来源小红书大橘PPT微信DAJU_PPT请勿抄袭搬运！盗版必究！"/>
           <p:cNvSpPr/>
           <p:nvPr/>
         </p:nvSpPr>
@@ -7197,13 +8117,7 @@
       </p:sp>
       <p:sp>
         <p:nvSpPr>
-          <p:cNvPr id="36" name="矩形 35">
-            <a:extLst>
-              <a:ext uri="{FF2B5EF4-FFF2-40B4-BE49-F238E27FC236}">
-                <a16:creationId xmlns:a16="http://schemas.microsoft.com/office/drawing/2014/main" id="{5A823C72-9769-4DB9-83BB-2B3486144474}"/>
-              </a:ext>
-            </a:extLst>
-          </p:cNvPr>
+          <p:cNvPr id="36" name="矩形 35"/>
           <p:cNvSpPr/>
           <p:nvPr/>
         </p:nvSpPr>
@@ -7249,20 +8163,14 @@
       </p:sp>
       <p:pic>
         <p:nvPicPr>
-          <p:cNvPr id="6" name="图片 5" descr="附件：北京航空航天大学标志组合汇总(1)">
-            <a:extLst>
-              <a:ext uri="{FF2B5EF4-FFF2-40B4-BE49-F238E27FC236}">
-                <a16:creationId xmlns:a16="http://schemas.microsoft.com/office/drawing/2014/main" id="{1160E790-FBBA-7935-022B-271E0BA891AB}"/>
-              </a:ext>
-            </a:extLst>
-          </p:cNvPr>
+          <p:cNvPr id="6" name="图片 5" descr="附件：北京航空航天大学标志组合汇总(1)"/>
           <p:cNvPicPr>
             <a:picLocks noChangeAspect="1"/>
           </p:cNvPicPr>
           <p:nvPr/>
         </p:nvPicPr>
         <p:blipFill>
-          <a:blip r:embed="rId5"/>
+          <a:blip r:embed="rId2"/>
           <a:stretch>
             <a:fillRect/>
           </a:stretch>
@@ -7279,17 +8187,11 @@
       </p:pic>
       <p:sp>
         <p:nvSpPr>
-          <p:cNvPr id="2" name="矩形 1" descr="7b0a20202020227461726765744d6f64756c65223a202270726f636573734f6e6c696e65466f6e7473220a7d0a">
-            <a:extLst>
-              <a:ext uri="{FF2B5EF4-FFF2-40B4-BE49-F238E27FC236}">
-                <a16:creationId xmlns:a16="http://schemas.microsoft.com/office/drawing/2014/main" id="{F624D830-E051-1EB3-70A1-9F5990848275}"/>
-              </a:ext>
-            </a:extLst>
-          </p:cNvPr>
+          <p:cNvPr id="2" name="矩形 1" descr="7b0a20202020227461726765744d6f64756c65223a202270726f636573734f6e6c696e65466f6e7473220a7d0a"/>
           <p:cNvSpPr/>
           <p:nvPr>
             <p:custDataLst>
-              <p:tags r:id="rId2"/>
+              <p:tags r:id="rId3"/>
             </p:custDataLst>
           </p:nvPr>
         </p:nvSpPr>
@@ -7334,8 +8236,8 @@
                     </a:srgbClr>
                   </a:outerShdw>
                 </a:effectLst>
-                <a:latin typeface="华文行楷" charset="-122"/>
-                <a:ea typeface="华文行楷" charset="-122"/>
+                <a:latin typeface="华文行楷" panose="02010800040101010101" charset="-122"/>
+                <a:ea typeface="华文行楷" panose="02010800040101010101" charset="-122"/>
                 <a:cs typeface="明康欧楷" charset="-122"/>
                 <a:sym typeface="汉仪雅酷黑简" charset="-122"/>
               </a:rPr>
@@ -7352,8 +8254,8 @@
                   </a:srgbClr>
                 </a:outerShdw>
               </a:effectLst>
-              <a:latin typeface="华文行楷" charset="-122"/>
-              <a:ea typeface="华文行楷" charset="-122"/>
+              <a:latin typeface="华文行楷" panose="02010800040101010101" charset="-122"/>
+              <a:ea typeface="华文行楷" panose="02010800040101010101" charset="-122"/>
               <a:cs typeface="明康欧楷" charset="-122"/>
               <a:sym typeface="汉仪雅酷黑简" charset="-122"/>
             </a:endParaRPr>
@@ -7362,13 +8264,7 @@
       </p:sp>
       <p:grpSp>
         <p:nvGrpSpPr>
-          <p:cNvPr id="7" name="组合 6">
-            <a:extLst>
-              <a:ext uri="{FF2B5EF4-FFF2-40B4-BE49-F238E27FC236}">
-                <a16:creationId xmlns:a16="http://schemas.microsoft.com/office/drawing/2014/main" id="{1FCB42C8-39C4-4797-B00E-36CEA9EADA8D}"/>
-              </a:ext>
-            </a:extLst>
-          </p:cNvPr>
+          <p:cNvPr id="7" name="组合 6"/>
           <p:cNvGrpSpPr/>
           <p:nvPr/>
         </p:nvGrpSpPr>
@@ -7382,13 +8278,7 @@
         </p:grpSpPr>
         <p:grpSp>
           <p:nvGrpSpPr>
-            <p:cNvPr id="13" name="组合 12">
-              <a:extLst>
-                <a:ext uri="{FF2B5EF4-FFF2-40B4-BE49-F238E27FC236}">
-                  <a16:creationId xmlns:a16="http://schemas.microsoft.com/office/drawing/2014/main" id="{1A01F961-5602-4E85-8A4F-99402A5566BE}"/>
-                </a:ext>
-              </a:extLst>
-            </p:cNvPr>
+            <p:cNvPr id="13" name="组合 12"/>
             <p:cNvGrpSpPr/>
             <p:nvPr/>
           </p:nvGrpSpPr>
@@ -7402,13 +8292,7 @@
           </p:grpSpPr>
           <p:sp>
             <p:nvSpPr>
-              <p:cNvPr id="14" name="powerpoint template design by DAJU_PPT正版来源小红书大橘PPT微信DAJU_PPT请勿抄袭搬运！盗版必究！-1">
-                <a:extLst>
-                  <a:ext uri="{FF2B5EF4-FFF2-40B4-BE49-F238E27FC236}">
-                    <a16:creationId xmlns:a16="http://schemas.microsoft.com/office/drawing/2014/main" id="{0E0B6038-38C9-47A9-944F-09D6F23231B8}"/>
-                  </a:ext>
-                </a:extLst>
-              </p:cNvPr>
+              <p:cNvPr id="14" name="powerpoint template design by DAJU_PPT正版来源小红书大橘PPT微信DAJU_PPT请勿抄袭搬运！盗版必究！-1"/>
               <p:cNvSpPr txBox="1"/>
               <p:nvPr/>
             </p:nvSpPr>
@@ -7459,20 +8343,14 @@
           </p:sp>
           <p:pic>
             <p:nvPicPr>
-              <p:cNvPr id="15" name="图片 14">
-                <a:extLst>
-                  <a:ext uri="{FF2B5EF4-FFF2-40B4-BE49-F238E27FC236}">
-                    <a16:creationId xmlns:a16="http://schemas.microsoft.com/office/drawing/2014/main" id="{05DF5B69-8D7B-4095-B602-9C78866B6E37}"/>
-                  </a:ext>
-                </a:extLst>
-              </p:cNvPr>
+              <p:cNvPr id="15" name="图片 14"/>
               <p:cNvPicPr>
                 <a:picLocks noChangeAspect="1"/>
               </p:cNvPicPr>
               <p:nvPr/>
             </p:nvPicPr>
             <p:blipFill>
-              <a:blip r:embed="rId6"/>
+              <a:blip r:embed="rId4"/>
               <a:stretch>
                 <a:fillRect/>
               </a:stretch>
@@ -7494,13 +8372,7 @@
         </p:grpSp>
         <p:sp>
           <p:nvSpPr>
-            <p:cNvPr id="3" name="矩形 2">
-              <a:extLst>
-                <a:ext uri="{FF2B5EF4-FFF2-40B4-BE49-F238E27FC236}">
-                  <a16:creationId xmlns:a16="http://schemas.microsoft.com/office/drawing/2014/main" id="{5F5D26FD-8CF6-454B-BEFA-CEF6E0C2B068}"/>
-                </a:ext>
-              </a:extLst>
-            </p:cNvPr>
+            <p:cNvPr id="3" name="矩形 2"/>
             <p:cNvSpPr/>
             <p:nvPr/>
           </p:nvSpPr>
@@ -7547,20 +8419,14 @@
       </p:grpSp>
       <p:pic>
         <p:nvPicPr>
-          <p:cNvPr id="16" name="图片 15">
-            <a:extLst>
-              <a:ext uri="{FF2B5EF4-FFF2-40B4-BE49-F238E27FC236}">
-                <a16:creationId xmlns:a16="http://schemas.microsoft.com/office/drawing/2014/main" id="{739EE738-43AF-43D2-AC9B-B3D0E24DF2EC}"/>
-              </a:ext>
-            </a:extLst>
-          </p:cNvPr>
+          <p:cNvPr id="16" name="图片 15"/>
           <p:cNvPicPr>
             <a:picLocks noChangeAspect="1"/>
           </p:cNvPicPr>
           <p:nvPr/>
         </p:nvPicPr>
         <p:blipFill>
-          <a:blip r:embed="rId7"/>
+          <a:blip r:embed="rId5"/>
           <a:stretch>
             <a:fillRect/>
           </a:stretch>
@@ -7581,13 +8447,7 @@
       </p:pic>
       <p:sp>
         <p:nvSpPr>
-          <p:cNvPr id="17" name="文本框 16">
-            <a:extLst>
-              <a:ext uri="{FF2B5EF4-FFF2-40B4-BE49-F238E27FC236}">
-                <a16:creationId xmlns:a16="http://schemas.microsoft.com/office/drawing/2014/main" id="{63838CE0-449C-433D-A55A-ABBBB0DB2E0A}"/>
-              </a:ext>
-            </a:extLst>
-          </p:cNvPr>
+          <p:cNvPr id="17" name="文本框 16"/>
           <p:cNvSpPr txBox="1"/>
           <p:nvPr/>
         </p:nvSpPr>
@@ -7630,20 +8490,14 @@
             <a:endParaRPr lang="zh-CN" altLang="en-US" sz="1800" kern="100" dirty="0">
               <a:effectLst/>
               <a:latin typeface="Times New Roman" panose="02020603050405020304" pitchFamily="18" charset="0"/>
-              <a:ea typeface="黑体" panose="02010609060101010101" pitchFamily="49" charset="-122"/>
+              <a:ea typeface="黑体" panose="02010609060101010101" charset="-122"/>
             </a:endParaRPr>
           </a:p>
         </p:txBody>
       </p:sp>
       <p:grpSp>
         <p:nvGrpSpPr>
-          <p:cNvPr id="5" name="组合 4">
-            <a:extLst>
-              <a:ext uri="{FF2B5EF4-FFF2-40B4-BE49-F238E27FC236}">
-                <a16:creationId xmlns:a16="http://schemas.microsoft.com/office/drawing/2014/main" id="{E9DB1D3C-10BB-4634-9B84-A69C784ECEE6}"/>
-              </a:ext>
-            </a:extLst>
-          </p:cNvPr>
+          <p:cNvPr id="5" name="组合 4"/>
           <p:cNvGrpSpPr/>
           <p:nvPr/>
         </p:nvGrpSpPr>
@@ -7657,20 +8511,14 @@
         </p:grpSpPr>
         <p:pic>
           <p:nvPicPr>
-            <p:cNvPr id="18" name="图片 17" descr="214e2deeb49d5313f741a7573e6f941">
-              <a:extLst>
-                <a:ext uri="{FF2B5EF4-FFF2-40B4-BE49-F238E27FC236}">
-                  <a16:creationId xmlns:a16="http://schemas.microsoft.com/office/drawing/2014/main" id="{D7436B99-580D-48BB-BE1C-FC041AB343EF}"/>
-                </a:ext>
-              </a:extLst>
-            </p:cNvPr>
+            <p:cNvPr id="18" name="图片 17" descr="214e2deeb49d5313f741a7573e6f941"/>
             <p:cNvPicPr>
               <a:picLocks noChangeAspect="1"/>
             </p:cNvPicPr>
             <p:nvPr/>
           </p:nvPicPr>
           <p:blipFill>
-            <a:blip r:embed="rId8"/>
+            <a:blip r:embed="rId6"/>
             <a:stretch>
               <a:fillRect/>
             </a:stretch>
@@ -7687,20 +8535,14 @@
         </p:pic>
         <p:pic>
           <p:nvPicPr>
-            <p:cNvPr id="19" name="图片 18" descr="214e2deeb49d5313f741a7573e6f941">
-              <a:extLst>
-                <a:ext uri="{FF2B5EF4-FFF2-40B4-BE49-F238E27FC236}">
-                  <a16:creationId xmlns:a16="http://schemas.microsoft.com/office/drawing/2014/main" id="{B8604A0D-88E1-4AB0-AE1B-0F9B1FEC7ECF}"/>
-                </a:ext>
-              </a:extLst>
-            </p:cNvPr>
+            <p:cNvPr id="19" name="图片 18" descr="214e2deeb49d5313f741a7573e6f941"/>
             <p:cNvPicPr>
               <a:picLocks noChangeAspect="1"/>
             </p:cNvPicPr>
             <p:nvPr/>
           </p:nvPicPr>
           <p:blipFill>
-            <a:blip r:embed="rId8"/>
+            <a:blip r:embed="rId6"/>
             <a:stretch>
               <a:fillRect/>
             </a:stretch>
@@ -7717,22 +8559,17 @@
         </p:pic>
       </p:grpSp>
     </p:spTree>
-    <p:extLst>
-      <p:ext uri="{BB962C8B-B14F-4D97-AF65-F5344CB8AC3E}">
-        <p14:creationId xmlns:p14="http://schemas.microsoft.com/office/powerpoint/2010/main" val="312400696"/>
-      </p:ext>
-    </p:extLst>
   </p:cSld>
   <p:clrMapOvr>
     <a:masterClrMapping/>
   </p:clrMapOvr>
-  <mc:AlternateContent xmlns:mc="http://schemas.openxmlformats.org/markup-compatibility/2006" xmlns:p14="http://schemas.microsoft.com/office/powerpoint/2010/main">
-    <mc:Choice Requires="p14">
+  <mc:AlternateContent xmlns:mc="http://schemas.openxmlformats.org/markup-compatibility/2006">
+    <mc:Choice xmlns:p14="http://schemas.microsoft.com/office/powerpoint/2010/main" Requires="p14">
       <p:transition spd="med" p14:dur="699">
         <p:fade/>
       </p:transition>
     </mc:Choice>
-    <mc:Fallback xmlns="">
+    <mc:Fallback>
       <p:transition spd="med">
         <p:fade/>
       </p:transition>
@@ -7746,13 +8583,7 @@
   <p:cSld>
     <p:spTree>
       <p:nvGrpSpPr>
-        <p:cNvPr id="1" name="">
-          <a:extLst>
-            <a:ext uri="{FF2B5EF4-FFF2-40B4-BE49-F238E27FC236}">
-              <a16:creationId xmlns:a16="http://schemas.microsoft.com/office/drawing/2014/main" id="{26DB7B7E-EE8F-5479-5473-A6ED53547C0E}"/>
-            </a:ext>
-          </a:extLst>
-        </p:cNvPr>
+        <p:cNvPr id="1" name=""/>
         <p:cNvGrpSpPr/>
         <p:nvPr/>
       </p:nvGrpSpPr>
@@ -7766,13 +8597,7 @@
       </p:grpSpPr>
       <p:cxnSp>
         <p:nvCxnSpPr>
-          <p:cNvPr id="37" name="直接连接符 36">
-            <a:extLst>
-              <a:ext uri="{FF2B5EF4-FFF2-40B4-BE49-F238E27FC236}">
-                <a16:creationId xmlns:a16="http://schemas.microsoft.com/office/drawing/2014/main" id="{3E847B48-D24D-3FBB-0C22-0EA2B6A31D40}"/>
-              </a:ext>
-            </a:extLst>
-          </p:cNvPr>
+          <p:cNvPr id="37" name="直接连接符 36"/>
           <p:cNvCxnSpPr/>
           <p:nvPr>
             <p:custDataLst>
@@ -7812,13 +8637,7 @@
       </p:cxnSp>
       <p:grpSp>
         <p:nvGrpSpPr>
-          <p:cNvPr id="29" name="powerpoint template design by DAJU_PPT正版来源小红书大橘PPT微信DAJU_PPT请勿抄袭搬运！盗版必究！">
-            <a:extLst>
-              <a:ext uri="{FF2B5EF4-FFF2-40B4-BE49-F238E27FC236}">
-                <a16:creationId xmlns:a16="http://schemas.microsoft.com/office/drawing/2014/main" id="{759710D7-FEA8-EB0C-2457-138F815FEC84}"/>
-              </a:ext>
-            </a:extLst>
-          </p:cNvPr>
+          <p:cNvPr id="29" name="powerpoint template design by DAJU_PPT正版来源小红书大橘PPT微信DAJU_PPT请勿抄袭搬运！盗版必究！"/>
           <p:cNvGrpSpPr/>
           <p:nvPr/>
         </p:nvGrpSpPr>
@@ -7832,13 +8651,7 @@
         </p:grpSpPr>
         <p:sp>
           <p:nvSpPr>
-            <p:cNvPr id="30" name="powerpoint template design by DAJU_PPT正版来源小红书大橘PPT微信DAJU_PPT请勿抄袭搬运！盗版必究！-1">
-              <a:extLst>
-                <a:ext uri="{FF2B5EF4-FFF2-40B4-BE49-F238E27FC236}">
-                  <a16:creationId xmlns:a16="http://schemas.microsoft.com/office/drawing/2014/main" id="{08EF5844-F910-F761-AEEA-726FEC35563A}"/>
-                </a:ext>
-              </a:extLst>
-            </p:cNvPr>
+            <p:cNvPr id="30" name="powerpoint template design by DAJU_PPT正版来源小红书大橘PPT微信DAJU_PPT请勿抄袭搬运！盗版必究！-1"/>
             <p:cNvSpPr txBox="1"/>
             <p:nvPr/>
           </p:nvSpPr>
@@ -7870,13 +8683,7 @@
         </p:sp>
         <p:sp>
           <p:nvSpPr>
-            <p:cNvPr id="32" name="powerpoint template design by DAJU_PPT正版来源小红书大橘PPT微信DAJU_PPT请勿抄袭搬运！盗版必究！-3">
-              <a:extLst>
-                <a:ext uri="{FF2B5EF4-FFF2-40B4-BE49-F238E27FC236}">
-                  <a16:creationId xmlns:a16="http://schemas.microsoft.com/office/drawing/2014/main" id="{F909DD68-4F1F-F45C-1B58-B0C4514B8C30}"/>
-                </a:ext>
-              </a:extLst>
-            </p:cNvPr>
+            <p:cNvPr id="32" name="powerpoint template design by DAJU_PPT正版来源小红书大橘PPT微信DAJU_PPT请勿抄袭搬运！盗版必究！-3"/>
             <p:cNvSpPr txBox="1"/>
             <p:nvPr/>
           </p:nvSpPr>
@@ -7925,13 +8732,7 @@
       </p:grpSp>
       <p:sp>
         <p:nvSpPr>
-          <p:cNvPr id="35" name="powerpoint template design by DAJU_PPT正版来源小红书大橘PPT微信DAJU_PPT请勿抄袭搬运！盗版必究！">
-            <a:extLst>
-              <a:ext uri="{FF2B5EF4-FFF2-40B4-BE49-F238E27FC236}">
-                <a16:creationId xmlns:a16="http://schemas.microsoft.com/office/drawing/2014/main" id="{89191239-FCB4-8360-307A-7F0CA55B4C41}"/>
-              </a:ext>
-            </a:extLst>
-          </p:cNvPr>
+          <p:cNvPr id="35" name="powerpoint template design by DAJU_PPT正版来源小红书大橘PPT微信DAJU_PPT请勿抄袭搬运！盗版必究！"/>
           <p:cNvSpPr/>
           <p:nvPr/>
         </p:nvSpPr>
@@ -7982,13 +8783,7 @@
       </p:sp>
       <p:sp>
         <p:nvSpPr>
-          <p:cNvPr id="36" name="矩形 35">
-            <a:extLst>
-              <a:ext uri="{FF2B5EF4-FFF2-40B4-BE49-F238E27FC236}">
-                <a16:creationId xmlns:a16="http://schemas.microsoft.com/office/drawing/2014/main" id="{5A823C72-9769-4DB9-83BB-2B3486144474}"/>
-              </a:ext>
-            </a:extLst>
-          </p:cNvPr>
+          <p:cNvPr id="36" name="矩形 35"/>
           <p:cNvSpPr/>
           <p:nvPr/>
         </p:nvSpPr>
@@ -8034,20 +8829,14 @@
       </p:sp>
       <p:pic>
         <p:nvPicPr>
-          <p:cNvPr id="6" name="图片 5" descr="附件：北京航空航天大学标志组合汇总(1)">
-            <a:extLst>
-              <a:ext uri="{FF2B5EF4-FFF2-40B4-BE49-F238E27FC236}">
-                <a16:creationId xmlns:a16="http://schemas.microsoft.com/office/drawing/2014/main" id="{1160E790-FBBA-7935-022B-271E0BA891AB}"/>
-              </a:ext>
-            </a:extLst>
-          </p:cNvPr>
+          <p:cNvPr id="6" name="图片 5" descr="附件：北京航空航天大学标志组合汇总(1)"/>
           <p:cNvPicPr>
             <a:picLocks noChangeAspect="1"/>
           </p:cNvPicPr>
           <p:nvPr/>
         </p:nvPicPr>
         <p:blipFill>
-          <a:blip r:embed="rId5"/>
+          <a:blip r:embed="rId2"/>
           <a:stretch>
             <a:fillRect/>
           </a:stretch>
@@ -8064,17 +8853,11 @@
       </p:pic>
       <p:sp>
         <p:nvSpPr>
-          <p:cNvPr id="2" name="矩形 1" descr="7b0a20202020227461726765744d6f64756c65223a202270726f636573734f6e6c696e65466f6e7473220a7d0a">
-            <a:extLst>
-              <a:ext uri="{FF2B5EF4-FFF2-40B4-BE49-F238E27FC236}">
-                <a16:creationId xmlns:a16="http://schemas.microsoft.com/office/drawing/2014/main" id="{F624D830-E051-1EB3-70A1-9F5990848275}"/>
-              </a:ext>
-            </a:extLst>
-          </p:cNvPr>
+          <p:cNvPr id="2" name="矩形 1" descr="7b0a20202020227461726765744d6f64756c65223a202270726f636573734f6e6c696e65466f6e7473220a7d0a"/>
           <p:cNvSpPr/>
           <p:nvPr>
             <p:custDataLst>
-              <p:tags r:id="rId2"/>
+              <p:tags r:id="rId3"/>
             </p:custDataLst>
           </p:nvPr>
         </p:nvSpPr>
@@ -8119,8 +8902,8 @@
                     </a:srgbClr>
                   </a:outerShdw>
                 </a:effectLst>
-                <a:latin typeface="华文行楷" charset="-122"/>
-                <a:ea typeface="华文行楷" charset="-122"/>
+                <a:latin typeface="华文行楷" panose="02010800040101010101" charset="-122"/>
+                <a:ea typeface="华文行楷" panose="02010800040101010101" charset="-122"/>
                 <a:cs typeface="明康欧楷" charset="-122"/>
                 <a:sym typeface="汉仪雅酷黑简" charset="-122"/>
               </a:rPr>
@@ -8137,8 +8920,8 @@
                   </a:srgbClr>
                 </a:outerShdw>
               </a:effectLst>
-              <a:latin typeface="华文行楷" charset="-122"/>
-              <a:ea typeface="华文行楷" charset="-122"/>
+              <a:latin typeface="华文行楷" panose="02010800040101010101" charset="-122"/>
+              <a:ea typeface="华文行楷" panose="02010800040101010101" charset="-122"/>
               <a:cs typeface="明康欧楷" charset="-122"/>
               <a:sym typeface="汉仪雅酷黑简" charset="-122"/>
             </a:endParaRPr>
@@ -8147,13 +8930,7 @@
       </p:sp>
       <p:sp>
         <p:nvSpPr>
-          <p:cNvPr id="24" name="文本框 23">
-            <a:extLst>
-              <a:ext uri="{FF2B5EF4-FFF2-40B4-BE49-F238E27FC236}">
-                <a16:creationId xmlns:a16="http://schemas.microsoft.com/office/drawing/2014/main" id="{B9169056-2DCA-480F-A07C-BF3E79225981}"/>
-              </a:ext>
-            </a:extLst>
-          </p:cNvPr>
+          <p:cNvPr id="24" name="文本框 23"/>
           <p:cNvSpPr txBox="1"/>
           <p:nvPr/>
         </p:nvSpPr>
@@ -8232,27 +9009,21 @@
             <a:endParaRPr lang="zh-CN" altLang="en-US" sz="1800" kern="100" dirty="0">
               <a:effectLst/>
               <a:latin typeface="Times New Roman" panose="02020603050405020304" pitchFamily="18" charset="0"/>
-              <a:ea typeface="黑体" panose="02010609060101010101" pitchFamily="49" charset="-122"/>
+              <a:ea typeface="黑体" panose="02010609060101010101" charset="-122"/>
             </a:endParaRPr>
           </a:p>
         </p:txBody>
       </p:sp>
       <p:pic>
         <p:nvPicPr>
-          <p:cNvPr id="17" name="图片 16" descr="f8fe707361847302b18947326d45672">
-            <a:extLst>
-              <a:ext uri="{FF2B5EF4-FFF2-40B4-BE49-F238E27FC236}">
-                <a16:creationId xmlns:a16="http://schemas.microsoft.com/office/drawing/2014/main" id="{C70FD6E7-A981-4743-927B-AACB23E5E196}"/>
-              </a:ext>
-            </a:extLst>
-          </p:cNvPr>
+          <p:cNvPr id="17" name="图片 16" descr="f8fe707361847302b18947326d45672"/>
           <p:cNvPicPr>
             <a:picLocks noChangeAspect="1"/>
           </p:cNvPicPr>
           <p:nvPr/>
         </p:nvPicPr>
         <p:blipFill>
-          <a:blip r:embed="rId6"/>
+          <a:blip r:embed="rId4"/>
           <a:stretch>
             <a:fillRect/>
           </a:stretch>
@@ -8269,13 +9040,7 @@
       </p:pic>
       <p:grpSp>
         <p:nvGrpSpPr>
-          <p:cNvPr id="18" name="组合 17">
-            <a:extLst>
-              <a:ext uri="{FF2B5EF4-FFF2-40B4-BE49-F238E27FC236}">
-                <a16:creationId xmlns:a16="http://schemas.microsoft.com/office/drawing/2014/main" id="{90044E9F-D8C5-4A88-9C8F-1B7CAC3A5C8F}"/>
-              </a:ext>
-            </a:extLst>
-          </p:cNvPr>
+          <p:cNvPr id="18" name="组合 17"/>
           <p:cNvGrpSpPr/>
           <p:nvPr/>
         </p:nvGrpSpPr>
@@ -8289,13 +9054,7 @@
         </p:grpSpPr>
         <p:grpSp>
           <p:nvGrpSpPr>
-            <p:cNvPr id="19" name="组合 18">
-              <a:extLst>
-                <a:ext uri="{FF2B5EF4-FFF2-40B4-BE49-F238E27FC236}">
-                  <a16:creationId xmlns:a16="http://schemas.microsoft.com/office/drawing/2014/main" id="{E2CCC355-7607-4AB3-A0B9-24905317AC9B}"/>
-                </a:ext>
-              </a:extLst>
-            </p:cNvPr>
+            <p:cNvPr id="19" name="组合 18"/>
             <p:cNvGrpSpPr/>
             <p:nvPr/>
           </p:nvGrpSpPr>
@@ -8309,13 +9068,7 @@
           </p:grpSpPr>
           <p:sp>
             <p:nvSpPr>
-              <p:cNvPr id="23" name="powerpoint template design by DAJU_PPT正版来源小红书大橘PPT微信DAJU_PPT请勿抄袭搬运！盗版必究！-1">
-                <a:extLst>
-                  <a:ext uri="{FF2B5EF4-FFF2-40B4-BE49-F238E27FC236}">
-                    <a16:creationId xmlns:a16="http://schemas.microsoft.com/office/drawing/2014/main" id="{8ACDD031-D157-4ECA-90D8-C53DC5B68D38}"/>
-                  </a:ext>
-                </a:extLst>
-              </p:cNvPr>
+              <p:cNvPr id="23" name="powerpoint template design by DAJU_PPT正版来源小红书大橘PPT微信DAJU_PPT请勿抄袭搬运！盗版必究！-1"/>
               <p:cNvSpPr txBox="1"/>
               <p:nvPr/>
             </p:nvSpPr>
@@ -8366,20 +9119,14 @@
           </p:sp>
           <p:pic>
             <p:nvPicPr>
-              <p:cNvPr id="25" name="图片 24">
-                <a:extLst>
-                  <a:ext uri="{FF2B5EF4-FFF2-40B4-BE49-F238E27FC236}">
-                    <a16:creationId xmlns:a16="http://schemas.microsoft.com/office/drawing/2014/main" id="{BD5670B5-EBC2-4109-A01E-3410277F28E8}"/>
-                  </a:ext>
-                </a:extLst>
-              </p:cNvPr>
+              <p:cNvPr id="25" name="图片 24"/>
               <p:cNvPicPr>
                 <a:picLocks noChangeAspect="1"/>
               </p:cNvPicPr>
               <p:nvPr/>
             </p:nvPicPr>
             <p:blipFill>
-              <a:blip r:embed="rId7"/>
+              <a:blip r:embed="rId5"/>
               <a:stretch>
                 <a:fillRect/>
               </a:stretch>
@@ -8401,13 +9148,7 @@
         </p:grpSp>
         <p:sp>
           <p:nvSpPr>
-            <p:cNvPr id="20" name="矩形 19">
-              <a:extLst>
-                <a:ext uri="{FF2B5EF4-FFF2-40B4-BE49-F238E27FC236}">
-                  <a16:creationId xmlns:a16="http://schemas.microsoft.com/office/drawing/2014/main" id="{D7778D80-1C81-4185-A9D5-1B8B99226BBC}"/>
-                </a:ext>
-              </a:extLst>
-            </p:cNvPr>
+            <p:cNvPr id="20" name="矩形 19"/>
             <p:cNvSpPr/>
             <p:nvPr/>
           </p:nvSpPr>
@@ -8454,13 +9195,7 @@
       </p:grpSp>
       <p:sp>
         <p:nvSpPr>
-          <p:cNvPr id="26" name="文本框 25">
-            <a:extLst>
-              <a:ext uri="{FF2B5EF4-FFF2-40B4-BE49-F238E27FC236}">
-                <a16:creationId xmlns:a16="http://schemas.microsoft.com/office/drawing/2014/main" id="{1DB869D0-C644-4567-949C-CD948B4011C1}"/>
-              </a:ext>
-            </a:extLst>
-          </p:cNvPr>
+          <p:cNvPr id="26" name="文本框 25"/>
           <p:cNvSpPr txBox="1"/>
           <p:nvPr/>
         </p:nvSpPr>
@@ -8536,22 +9271,17 @@
         </p:txBody>
       </p:sp>
     </p:spTree>
-    <p:extLst>
-      <p:ext uri="{BB962C8B-B14F-4D97-AF65-F5344CB8AC3E}">
-        <p14:creationId xmlns:p14="http://schemas.microsoft.com/office/powerpoint/2010/main" val="860298876"/>
-      </p:ext>
-    </p:extLst>
   </p:cSld>
   <p:clrMapOvr>
     <a:masterClrMapping/>
   </p:clrMapOvr>
-  <mc:AlternateContent xmlns:mc="http://schemas.openxmlformats.org/markup-compatibility/2006" xmlns:p14="http://schemas.microsoft.com/office/powerpoint/2010/main">
-    <mc:Choice Requires="p14">
+  <mc:AlternateContent xmlns:mc="http://schemas.openxmlformats.org/markup-compatibility/2006">
+    <mc:Choice xmlns:p14="http://schemas.microsoft.com/office/powerpoint/2010/main" Requires="p14">
       <p:transition spd="med" p14:dur="699">
         <p:fade/>
       </p:transition>
     </mc:Choice>
-    <mc:Fallback xmlns="">
+    <mc:Fallback>
       <p:transition spd="med">
         <p:fade/>
       </p:transition>
@@ -8565,13 +9295,7 @@
   <p:cSld>
     <p:spTree>
       <p:nvGrpSpPr>
-        <p:cNvPr id="1" name="">
-          <a:extLst>
-            <a:ext uri="{FF2B5EF4-FFF2-40B4-BE49-F238E27FC236}">
-              <a16:creationId xmlns:a16="http://schemas.microsoft.com/office/drawing/2014/main" id="{26DB7B7E-EE8F-5479-5473-A6ED53547C0E}"/>
-            </a:ext>
-          </a:extLst>
-        </p:cNvPr>
+        <p:cNvPr id="1" name=""/>
         <p:cNvGrpSpPr/>
         <p:nvPr/>
       </p:nvGrpSpPr>
@@ -8585,13 +9309,7 @@
       </p:grpSpPr>
       <p:cxnSp>
         <p:nvCxnSpPr>
-          <p:cNvPr id="37" name="直接连接符 36">
-            <a:extLst>
-              <a:ext uri="{FF2B5EF4-FFF2-40B4-BE49-F238E27FC236}">
-                <a16:creationId xmlns:a16="http://schemas.microsoft.com/office/drawing/2014/main" id="{3E847B48-D24D-3FBB-0C22-0EA2B6A31D40}"/>
-              </a:ext>
-            </a:extLst>
-          </p:cNvPr>
+          <p:cNvPr id="37" name="直接连接符 36"/>
           <p:cNvCxnSpPr/>
           <p:nvPr>
             <p:custDataLst>
@@ -8631,13 +9349,7 @@
       </p:cxnSp>
       <p:grpSp>
         <p:nvGrpSpPr>
-          <p:cNvPr id="29" name="powerpoint template design by DAJU_PPT正版来源小红书大橘PPT微信DAJU_PPT请勿抄袭搬运！盗版必究！">
-            <a:extLst>
-              <a:ext uri="{FF2B5EF4-FFF2-40B4-BE49-F238E27FC236}">
-                <a16:creationId xmlns:a16="http://schemas.microsoft.com/office/drawing/2014/main" id="{759710D7-FEA8-EB0C-2457-138F815FEC84}"/>
-              </a:ext>
-            </a:extLst>
-          </p:cNvPr>
+          <p:cNvPr id="29" name="powerpoint template design by DAJU_PPT正版来源小红书大橘PPT微信DAJU_PPT请勿抄袭搬运！盗版必究！"/>
           <p:cNvGrpSpPr/>
           <p:nvPr/>
         </p:nvGrpSpPr>
@@ -8651,13 +9363,7 @@
         </p:grpSpPr>
         <p:sp>
           <p:nvSpPr>
-            <p:cNvPr id="30" name="powerpoint template design by DAJU_PPT正版来源小红书大橘PPT微信DAJU_PPT请勿抄袭搬运！盗版必究！-1">
-              <a:extLst>
-                <a:ext uri="{FF2B5EF4-FFF2-40B4-BE49-F238E27FC236}">
-                  <a16:creationId xmlns:a16="http://schemas.microsoft.com/office/drawing/2014/main" id="{08EF5844-F910-F761-AEEA-726FEC35563A}"/>
-                </a:ext>
-              </a:extLst>
-            </p:cNvPr>
+            <p:cNvPr id="30" name="powerpoint template design by DAJU_PPT正版来源小红书大橘PPT微信DAJU_PPT请勿抄袭搬运！盗版必究！-1"/>
             <p:cNvSpPr txBox="1"/>
             <p:nvPr/>
           </p:nvSpPr>
@@ -8689,13 +9395,7 @@
         </p:sp>
         <p:sp>
           <p:nvSpPr>
-            <p:cNvPr id="32" name="powerpoint template design by DAJU_PPT正版来源小红书大橘PPT微信DAJU_PPT请勿抄袭搬运！盗版必究！-3">
-              <a:extLst>
-                <a:ext uri="{FF2B5EF4-FFF2-40B4-BE49-F238E27FC236}">
-                  <a16:creationId xmlns:a16="http://schemas.microsoft.com/office/drawing/2014/main" id="{F909DD68-4F1F-F45C-1B58-B0C4514B8C30}"/>
-                </a:ext>
-              </a:extLst>
-            </p:cNvPr>
+            <p:cNvPr id="32" name="powerpoint template design by DAJU_PPT正版来源小红书大橘PPT微信DAJU_PPT请勿抄袭搬运！盗版必究！-3"/>
             <p:cNvSpPr txBox="1"/>
             <p:nvPr/>
           </p:nvSpPr>
@@ -8744,13 +9444,7 @@
       </p:grpSp>
       <p:sp>
         <p:nvSpPr>
-          <p:cNvPr id="35" name="powerpoint template design by DAJU_PPT正版来源小红书大橘PPT微信DAJU_PPT请勿抄袭搬运！盗版必究！">
-            <a:extLst>
-              <a:ext uri="{FF2B5EF4-FFF2-40B4-BE49-F238E27FC236}">
-                <a16:creationId xmlns:a16="http://schemas.microsoft.com/office/drawing/2014/main" id="{89191239-FCB4-8360-307A-7F0CA55B4C41}"/>
-              </a:ext>
-            </a:extLst>
-          </p:cNvPr>
+          <p:cNvPr id="35" name="powerpoint template design by DAJU_PPT正版来源小红书大橘PPT微信DAJU_PPT请勿抄袭搬运！盗版必究！"/>
           <p:cNvSpPr/>
           <p:nvPr/>
         </p:nvSpPr>
@@ -8801,13 +9495,7 @@
       </p:sp>
       <p:sp>
         <p:nvSpPr>
-          <p:cNvPr id="36" name="矩形 35">
-            <a:extLst>
-              <a:ext uri="{FF2B5EF4-FFF2-40B4-BE49-F238E27FC236}">
-                <a16:creationId xmlns:a16="http://schemas.microsoft.com/office/drawing/2014/main" id="{5A823C72-9769-4DB9-83BB-2B3486144474}"/>
-              </a:ext>
-            </a:extLst>
-          </p:cNvPr>
+          <p:cNvPr id="36" name="矩形 35"/>
           <p:cNvSpPr/>
           <p:nvPr/>
         </p:nvSpPr>
@@ -8853,20 +9541,14 @@
       </p:sp>
       <p:pic>
         <p:nvPicPr>
-          <p:cNvPr id="6" name="图片 5" descr="附件：北京航空航天大学标志组合汇总(1)">
-            <a:extLst>
-              <a:ext uri="{FF2B5EF4-FFF2-40B4-BE49-F238E27FC236}">
-                <a16:creationId xmlns:a16="http://schemas.microsoft.com/office/drawing/2014/main" id="{1160E790-FBBA-7935-022B-271E0BA891AB}"/>
-              </a:ext>
-            </a:extLst>
-          </p:cNvPr>
+          <p:cNvPr id="6" name="图片 5" descr="附件：北京航空航天大学标志组合汇总(1)"/>
           <p:cNvPicPr>
             <a:picLocks noChangeAspect="1"/>
           </p:cNvPicPr>
           <p:nvPr/>
         </p:nvPicPr>
         <p:blipFill>
-          <a:blip r:embed="rId5"/>
+          <a:blip r:embed="rId2"/>
           <a:stretch>
             <a:fillRect/>
           </a:stretch>
@@ -8883,17 +9565,11 @@
       </p:pic>
       <p:sp>
         <p:nvSpPr>
-          <p:cNvPr id="2" name="矩形 1" descr="7b0a20202020227461726765744d6f64756c65223a202270726f636573734f6e6c696e65466f6e7473220a7d0a">
-            <a:extLst>
-              <a:ext uri="{FF2B5EF4-FFF2-40B4-BE49-F238E27FC236}">
-                <a16:creationId xmlns:a16="http://schemas.microsoft.com/office/drawing/2014/main" id="{F624D830-E051-1EB3-70A1-9F5990848275}"/>
-              </a:ext>
-            </a:extLst>
-          </p:cNvPr>
+          <p:cNvPr id="2" name="矩形 1" descr="7b0a20202020227461726765744d6f64756c65223a202270726f636573734f6e6c696e65466f6e7473220a7d0a"/>
           <p:cNvSpPr/>
           <p:nvPr>
             <p:custDataLst>
-              <p:tags r:id="rId2"/>
+              <p:tags r:id="rId3"/>
             </p:custDataLst>
           </p:nvPr>
         </p:nvSpPr>
@@ -8938,8 +9614,8 @@
                     </a:srgbClr>
                   </a:outerShdw>
                 </a:effectLst>
-                <a:latin typeface="华文行楷" charset="-122"/>
-                <a:ea typeface="华文行楷" charset="-122"/>
+                <a:latin typeface="华文行楷" panose="02010800040101010101" charset="-122"/>
+                <a:ea typeface="华文行楷" panose="02010800040101010101" charset="-122"/>
                 <a:cs typeface="明康欧楷" charset="-122"/>
                 <a:sym typeface="汉仪雅酷黑简" charset="-122"/>
               </a:rPr>
@@ -8956,8 +9632,8 @@
                   </a:srgbClr>
                 </a:outerShdw>
               </a:effectLst>
-              <a:latin typeface="华文行楷" charset="-122"/>
-              <a:ea typeface="华文行楷" charset="-122"/>
+              <a:latin typeface="华文行楷" panose="02010800040101010101" charset="-122"/>
+              <a:ea typeface="华文行楷" panose="02010800040101010101" charset="-122"/>
               <a:cs typeface="明康欧楷" charset="-122"/>
               <a:sym typeface="汉仪雅酷黑简" charset="-122"/>
             </a:endParaRPr>
@@ -8966,20 +9642,14 @@
       </p:sp>
       <p:pic>
         <p:nvPicPr>
-          <p:cNvPr id="16" name="图片 15" descr="图42">
-            <a:extLst>
-              <a:ext uri="{FF2B5EF4-FFF2-40B4-BE49-F238E27FC236}">
-                <a16:creationId xmlns:a16="http://schemas.microsoft.com/office/drawing/2014/main" id="{7EFB7783-EF4B-4E20-848C-252E4DAF68F7}"/>
-              </a:ext>
-            </a:extLst>
-          </p:cNvPr>
+          <p:cNvPr id="16" name="图片 15" descr="图42"/>
           <p:cNvPicPr>
             <a:picLocks noChangeAspect="1"/>
           </p:cNvPicPr>
           <p:nvPr/>
         </p:nvPicPr>
         <p:blipFill>
-          <a:blip r:embed="rId6"/>
+          <a:blip r:embed="rId4"/>
           <a:stretch>
             <a:fillRect/>
           </a:stretch>
@@ -8996,13 +9666,7 @@
       </p:pic>
       <p:sp>
         <p:nvSpPr>
-          <p:cNvPr id="18" name="文本框 17">
-            <a:extLst>
-              <a:ext uri="{FF2B5EF4-FFF2-40B4-BE49-F238E27FC236}">
-                <a16:creationId xmlns:a16="http://schemas.microsoft.com/office/drawing/2014/main" id="{B503DEF9-1C9D-49C2-B12B-10C4377DBF16}"/>
-              </a:ext>
-            </a:extLst>
-          </p:cNvPr>
+          <p:cNvPr id="18" name="文本框 17"/>
           <p:cNvSpPr txBox="1"/>
           <p:nvPr/>
         </p:nvSpPr>
@@ -9074,20 +9738,14 @@
       </p:sp>
       <p:pic>
         <p:nvPicPr>
-          <p:cNvPr id="7" name="图片 6">
-            <a:extLst>
-              <a:ext uri="{FF2B5EF4-FFF2-40B4-BE49-F238E27FC236}">
-                <a16:creationId xmlns:a16="http://schemas.microsoft.com/office/drawing/2014/main" id="{CD8CF020-2D54-4C8A-88A6-252027CC5334}"/>
-              </a:ext>
-            </a:extLst>
-          </p:cNvPr>
+          <p:cNvPr id="7" name="图片 6"/>
           <p:cNvPicPr>
             <a:picLocks noChangeAspect="1"/>
           </p:cNvPicPr>
           <p:nvPr/>
         </p:nvPicPr>
         <p:blipFill>
-          <a:blip r:embed="rId7"/>
+          <a:blip r:embed="rId5"/>
           <a:stretch>
             <a:fillRect/>
           </a:stretch>
@@ -9104,13 +9762,7 @@
       </p:pic>
       <p:grpSp>
         <p:nvGrpSpPr>
-          <p:cNvPr id="21" name="组合 20">
-            <a:extLst>
-              <a:ext uri="{FF2B5EF4-FFF2-40B4-BE49-F238E27FC236}">
-                <a16:creationId xmlns:a16="http://schemas.microsoft.com/office/drawing/2014/main" id="{96B21A07-C2E8-4C97-B705-A53951C99D6B}"/>
-              </a:ext>
-            </a:extLst>
-          </p:cNvPr>
+          <p:cNvPr id="21" name="组合 20"/>
           <p:cNvGrpSpPr/>
           <p:nvPr/>
         </p:nvGrpSpPr>
@@ -9124,13 +9776,7 @@
         </p:grpSpPr>
         <p:grpSp>
           <p:nvGrpSpPr>
-            <p:cNvPr id="22" name="组合 21">
-              <a:extLst>
-                <a:ext uri="{FF2B5EF4-FFF2-40B4-BE49-F238E27FC236}">
-                  <a16:creationId xmlns:a16="http://schemas.microsoft.com/office/drawing/2014/main" id="{4742F2B3-ACB2-48D5-8E74-E7E3AD49C0A4}"/>
-                </a:ext>
-              </a:extLst>
-            </p:cNvPr>
+            <p:cNvPr id="22" name="组合 21"/>
             <p:cNvGrpSpPr/>
             <p:nvPr/>
           </p:nvGrpSpPr>
@@ -9144,13 +9790,7 @@
           </p:grpSpPr>
           <p:sp>
             <p:nvSpPr>
-              <p:cNvPr id="25" name="powerpoint template design by DAJU_PPT正版来源小红书大橘PPT微信DAJU_PPT请勿抄袭搬运！盗版必究！-1">
-                <a:extLst>
-                  <a:ext uri="{FF2B5EF4-FFF2-40B4-BE49-F238E27FC236}">
-                    <a16:creationId xmlns:a16="http://schemas.microsoft.com/office/drawing/2014/main" id="{E9D4D49B-6938-4D11-8B5F-D1DCA5400A57}"/>
-                  </a:ext>
-                </a:extLst>
-              </p:cNvPr>
+              <p:cNvPr id="25" name="powerpoint template design by DAJU_PPT正版来源小红书大橘PPT微信DAJU_PPT请勿抄袭搬运！盗版必究！-1"/>
               <p:cNvSpPr txBox="1"/>
               <p:nvPr/>
             </p:nvSpPr>
@@ -9201,20 +9841,14 @@
           </p:sp>
           <p:pic>
             <p:nvPicPr>
-              <p:cNvPr id="26" name="图片 25">
-                <a:extLst>
-                  <a:ext uri="{FF2B5EF4-FFF2-40B4-BE49-F238E27FC236}">
-                    <a16:creationId xmlns:a16="http://schemas.microsoft.com/office/drawing/2014/main" id="{3C219D13-505C-43FF-A628-72E688D255F3}"/>
-                  </a:ext>
-                </a:extLst>
-              </p:cNvPr>
+              <p:cNvPr id="26" name="图片 25"/>
               <p:cNvPicPr>
                 <a:picLocks noChangeAspect="1"/>
               </p:cNvPicPr>
               <p:nvPr/>
             </p:nvPicPr>
             <p:blipFill>
-              <a:blip r:embed="rId8"/>
+              <a:blip r:embed="rId6"/>
               <a:stretch>
                 <a:fillRect/>
               </a:stretch>
@@ -9236,13 +9870,7 @@
         </p:grpSp>
         <p:sp>
           <p:nvSpPr>
-            <p:cNvPr id="23" name="矩形 22">
-              <a:extLst>
-                <a:ext uri="{FF2B5EF4-FFF2-40B4-BE49-F238E27FC236}">
-                  <a16:creationId xmlns:a16="http://schemas.microsoft.com/office/drawing/2014/main" id="{3B63C9D9-E945-41BE-BE5C-0364501BB7E9}"/>
-                </a:ext>
-              </a:extLst>
-            </p:cNvPr>
+            <p:cNvPr id="23" name="矩形 22"/>
             <p:cNvSpPr/>
             <p:nvPr/>
           </p:nvSpPr>
@@ -9288,22 +9916,17 @@
         </p:sp>
       </p:grpSp>
     </p:spTree>
-    <p:extLst>
-      <p:ext uri="{BB962C8B-B14F-4D97-AF65-F5344CB8AC3E}">
-        <p14:creationId xmlns:p14="http://schemas.microsoft.com/office/powerpoint/2010/main" val="3954979092"/>
-      </p:ext>
-    </p:extLst>
   </p:cSld>
   <p:clrMapOvr>
     <a:masterClrMapping/>
   </p:clrMapOvr>
-  <mc:AlternateContent xmlns:mc="http://schemas.openxmlformats.org/markup-compatibility/2006" xmlns:p14="http://schemas.microsoft.com/office/powerpoint/2010/main">
-    <mc:Choice Requires="p14">
+  <mc:AlternateContent xmlns:mc="http://schemas.openxmlformats.org/markup-compatibility/2006">
+    <mc:Choice xmlns:p14="http://schemas.microsoft.com/office/powerpoint/2010/main" Requires="p14">
       <p:transition spd="med" p14:dur="699">
         <p:fade/>
       </p:transition>
     </mc:Choice>
-    <mc:Fallback xmlns="">
+    <mc:Fallback>
       <p:transition spd="med">
         <p:fade/>
       </p:transition>
@@ -9317,13 +9940,7 @@
   <p:cSld>
     <p:spTree>
       <p:nvGrpSpPr>
-        <p:cNvPr id="1" name="">
-          <a:extLst>
-            <a:ext uri="{FF2B5EF4-FFF2-40B4-BE49-F238E27FC236}">
-              <a16:creationId xmlns:a16="http://schemas.microsoft.com/office/drawing/2014/main" id="{26DB7B7E-EE8F-5479-5473-A6ED53547C0E}"/>
-            </a:ext>
-          </a:extLst>
-        </p:cNvPr>
+        <p:cNvPr id="1" name=""/>
         <p:cNvGrpSpPr/>
         <p:nvPr/>
       </p:nvGrpSpPr>
@@ -9337,13 +9954,7 @@
       </p:grpSpPr>
       <p:cxnSp>
         <p:nvCxnSpPr>
-          <p:cNvPr id="37" name="直接连接符 36">
-            <a:extLst>
-              <a:ext uri="{FF2B5EF4-FFF2-40B4-BE49-F238E27FC236}">
-                <a16:creationId xmlns:a16="http://schemas.microsoft.com/office/drawing/2014/main" id="{3E847B48-D24D-3FBB-0C22-0EA2B6A31D40}"/>
-              </a:ext>
-            </a:extLst>
-          </p:cNvPr>
+          <p:cNvPr id="37" name="直接连接符 36"/>
           <p:cNvCxnSpPr/>
           <p:nvPr>
             <p:custDataLst>
@@ -9383,13 +9994,7 @@
       </p:cxnSp>
       <p:grpSp>
         <p:nvGrpSpPr>
-          <p:cNvPr id="29" name="powerpoint template design by DAJU_PPT正版来源小红书大橘PPT微信DAJU_PPT请勿抄袭搬运！盗版必究！">
-            <a:extLst>
-              <a:ext uri="{FF2B5EF4-FFF2-40B4-BE49-F238E27FC236}">
-                <a16:creationId xmlns:a16="http://schemas.microsoft.com/office/drawing/2014/main" id="{759710D7-FEA8-EB0C-2457-138F815FEC84}"/>
-              </a:ext>
-            </a:extLst>
-          </p:cNvPr>
+          <p:cNvPr id="29" name="powerpoint template design by DAJU_PPT正版来源小红书大橘PPT微信DAJU_PPT请勿抄袭搬运！盗版必究！"/>
           <p:cNvGrpSpPr/>
           <p:nvPr/>
         </p:nvGrpSpPr>
@@ -9403,13 +10008,7 @@
         </p:grpSpPr>
         <p:sp>
           <p:nvSpPr>
-            <p:cNvPr id="30" name="powerpoint template design by DAJU_PPT正版来源小红书大橘PPT微信DAJU_PPT请勿抄袭搬运！盗版必究！-1">
-              <a:extLst>
-                <a:ext uri="{FF2B5EF4-FFF2-40B4-BE49-F238E27FC236}">
-                  <a16:creationId xmlns:a16="http://schemas.microsoft.com/office/drawing/2014/main" id="{08EF5844-F910-F761-AEEA-726FEC35563A}"/>
-                </a:ext>
-              </a:extLst>
-            </p:cNvPr>
+            <p:cNvPr id="30" name="powerpoint template design by DAJU_PPT正版来源小红书大橘PPT微信DAJU_PPT请勿抄袭搬运！盗版必究！-1"/>
             <p:cNvSpPr txBox="1"/>
             <p:nvPr/>
           </p:nvSpPr>
@@ -9441,13 +10040,7 @@
         </p:sp>
         <p:sp>
           <p:nvSpPr>
-            <p:cNvPr id="32" name="powerpoint template design by DAJU_PPT正版来源小红书大橘PPT微信DAJU_PPT请勿抄袭搬运！盗版必究！-3">
-              <a:extLst>
-                <a:ext uri="{FF2B5EF4-FFF2-40B4-BE49-F238E27FC236}">
-                  <a16:creationId xmlns:a16="http://schemas.microsoft.com/office/drawing/2014/main" id="{F909DD68-4F1F-F45C-1B58-B0C4514B8C30}"/>
-                </a:ext>
-              </a:extLst>
-            </p:cNvPr>
+            <p:cNvPr id="32" name="powerpoint template design by DAJU_PPT正版来源小红书大橘PPT微信DAJU_PPT请勿抄袭搬运！盗版必究！-3"/>
             <p:cNvSpPr txBox="1"/>
             <p:nvPr/>
           </p:nvSpPr>
@@ -9492,19 +10085,14 @@
                 <a:rPr lang="zh-CN" altLang="en-US" b="1" dirty="0"/>
                 <a:t>与深度相机的定位检测</a:t>
               </a:r>
+              <a:endParaRPr lang="zh-CN" altLang="en-US" b="1" dirty="0"/>
             </a:p>
           </p:txBody>
         </p:sp>
       </p:grpSp>
       <p:sp>
         <p:nvSpPr>
-          <p:cNvPr id="35" name="powerpoint template design by DAJU_PPT正版来源小红书大橘PPT微信DAJU_PPT请勿抄袭搬运！盗版必究！">
-            <a:extLst>
-              <a:ext uri="{FF2B5EF4-FFF2-40B4-BE49-F238E27FC236}">
-                <a16:creationId xmlns:a16="http://schemas.microsoft.com/office/drawing/2014/main" id="{89191239-FCB4-8360-307A-7F0CA55B4C41}"/>
-              </a:ext>
-            </a:extLst>
-          </p:cNvPr>
+          <p:cNvPr id="35" name="powerpoint template design by DAJU_PPT正版来源小红书大橘PPT微信DAJU_PPT请勿抄袭搬运！盗版必究！"/>
           <p:cNvSpPr/>
           <p:nvPr/>
         </p:nvSpPr>
@@ -9555,13 +10143,7 @@
       </p:sp>
       <p:sp>
         <p:nvSpPr>
-          <p:cNvPr id="36" name="矩形 35">
-            <a:extLst>
-              <a:ext uri="{FF2B5EF4-FFF2-40B4-BE49-F238E27FC236}">
-                <a16:creationId xmlns:a16="http://schemas.microsoft.com/office/drawing/2014/main" id="{5A823C72-9769-4DB9-83BB-2B3486144474}"/>
-              </a:ext>
-            </a:extLst>
-          </p:cNvPr>
+          <p:cNvPr id="36" name="矩形 35"/>
           <p:cNvSpPr/>
           <p:nvPr/>
         </p:nvSpPr>
@@ -9607,20 +10189,14 @@
       </p:sp>
       <p:pic>
         <p:nvPicPr>
-          <p:cNvPr id="6" name="图片 5" descr="附件：北京航空航天大学标志组合汇总(1)">
-            <a:extLst>
-              <a:ext uri="{FF2B5EF4-FFF2-40B4-BE49-F238E27FC236}">
-                <a16:creationId xmlns:a16="http://schemas.microsoft.com/office/drawing/2014/main" id="{1160E790-FBBA-7935-022B-271E0BA891AB}"/>
-              </a:ext>
-            </a:extLst>
-          </p:cNvPr>
+          <p:cNvPr id="6" name="图片 5" descr="附件：北京航空航天大学标志组合汇总(1)"/>
           <p:cNvPicPr>
             <a:picLocks noChangeAspect="1"/>
           </p:cNvPicPr>
           <p:nvPr/>
         </p:nvPicPr>
         <p:blipFill>
-          <a:blip r:embed="rId5"/>
+          <a:blip r:embed="rId2"/>
           <a:stretch>
             <a:fillRect/>
           </a:stretch>
@@ -9637,17 +10213,11 @@
       </p:pic>
       <p:sp>
         <p:nvSpPr>
-          <p:cNvPr id="2" name="矩形 1" descr="7b0a20202020227461726765744d6f64756c65223a202270726f636573734f6e6c696e65466f6e7473220a7d0a">
-            <a:extLst>
-              <a:ext uri="{FF2B5EF4-FFF2-40B4-BE49-F238E27FC236}">
-                <a16:creationId xmlns:a16="http://schemas.microsoft.com/office/drawing/2014/main" id="{F624D830-E051-1EB3-70A1-9F5990848275}"/>
-              </a:ext>
-            </a:extLst>
-          </p:cNvPr>
+          <p:cNvPr id="2" name="矩形 1" descr="7b0a20202020227461726765744d6f64756c65223a202270726f636573734f6e6c696e65466f6e7473220a7d0a"/>
           <p:cNvSpPr/>
           <p:nvPr>
             <p:custDataLst>
-              <p:tags r:id="rId2"/>
+              <p:tags r:id="rId3"/>
             </p:custDataLst>
           </p:nvPr>
         </p:nvSpPr>
@@ -9692,8 +10262,8 @@
                     </a:srgbClr>
                   </a:outerShdw>
                 </a:effectLst>
-                <a:latin typeface="华文行楷" charset="-122"/>
-                <a:ea typeface="华文行楷" charset="-122"/>
+                <a:latin typeface="华文行楷" panose="02010800040101010101" charset="-122"/>
+                <a:ea typeface="华文行楷" panose="02010800040101010101" charset="-122"/>
                 <a:cs typeface="明康欧楷" charset="-122"/>
                 <a:sym typeface="汉仪雅酷黑简" charset="-122"/>
               </a:rPr>
@@ -9710,8 +10280,8 @@
                   </a:srgbClr>
                 </a:outerShdw>
               </a:effectLst>
-              <a:latin typeface="华文行楷" charset="-122"/>
-              <a:ea typeface="华文行楷" charset="-122"/>
+              <a:latin typeface="华文行楷" panose="02010800040101010101" charset="-122"/>
+              <a:ea typeface="华文行楷" panose="02010800040101010101" charset="-122"/>
               <a:cs typeface="明康欧楷" charset="-122"/>
               <a:sym typeface="汉仪雅酷黑简" charset="-122"/>
             </a:endParaRPr>
@@ -9720,13 +10290,7 @@
       </p:sp>
       <p:grpSp>
         <p:nvGrpSpPr>
-          <p:cNvPr id="4" name="组合 3">
-            <a:extLst>
-              <a:ext uri="{FF2B5EF4-FFF2-40B4-BE49-F238E27FC236}">
-                <a16:creationId xmlns:a16="http://schemas.microsoft.com/office/drawing/2014/main" id="{FFC969D3-BCAC-409D-A62E-7A2C4BE69467}"/>
-              </a:ext>
-            </a:extLst>
-          </p:cNvPr>
+          <p:cNvPr id="4" name="组合 3"/>
           <p:cNvGrpSpPr/>
           <p:nvPr/>
         </p:nvGrpSpPr>
@@ -9740,13 +10304,7 @@
         </p:grpSpPr>
         <p:grpSp>
           <p:nvGrpSpPr>
-            <p:cNvPr id="13" name="组合 12">
-              <a:extLst>
-                <a:ext uri="{FF2B5EF4-FFF2-40B4-BE49-F238E27FC236}">
-                  <a16:creationId xmlns:a16="http://schemas.microsoft.com/office/drawing/2014/main" id="{1A01F961-5602-4E85-8A4F-99402A5566BE}"/>
-                </a:ext>
-              </a:extLst>
-            </p:cNvPr>
+            <p:cNvPr id="13" name="组合 12"/>
             <p:cNvGrpSpPr/>
             <p:nvPr/>
           </p:nvGrpSpPr>
@@ -9760,13 +10318,7 @@
           </p:grpSpPr>
           <p:sp>
             <p:nvSpPr>
-              <p:cNvPr id="14" name="powerpoint template design by DAJU_PPT正版来源小红书大橘PPT微信DAJU_PPT请勿抄袭搬运！盗版必究！-1">
-                <a:extLst>
-                  <a:ext uri="{FF2B5EF4-FFF2-40B4-BE49-F238E27FC236}">
-                    <a16:creationId xmlns:a16="http://schemas.microsoft.com/office/drawing/2014/main" id="{0E0B6038-38C9-47A9-944F-09D6F23231B8}"/>
-                  </a:ext>
-                </a:extLst>
-              </p:cNvPr>
+              <p:cNvPr id="14" name="powerpoint template design by DAJU_PPT正版来源小红书大橘PPT微信DAJU_PPT请勿抄袭搬运！盗版必究！-1"/>
               <p:cNvSpPr txBox="1"/>
               <p:nvPr/>
             </p:nvSpPr>
@@ -9817,20 +10369,14 @@
           </p:sp>
           <p:pic>
             <p:nvPicPr>
-              <p:cNvPr id="15" name="图片 14">
-                <a:extLst>
-                  <a:ext uri="{FF2B5EF4-FFF2-40B4-BE49-F238E27FC236}">
-                    <a16:creationId xmlns:a16="http://schemas.microsoft.com/office/drawing/2014/main" id="{05DF5B69-8D7B-4095-B602-9C78866B6E37}"/>
-                  </a:ext>
-                </a:extLst>
-              </p:cNvPr>
+              <p:cNvPr id="15" name="图片 14"/>
               <p:cNvPicPr>
                 <a:picLocks noChangeAspect="1"/>
               </p:cNvPicPr>
               <p:nvPr/>
             </p:nvPicPr>
             <p:blipFill>
-              <a:blip r:embed="rId6"/>
+              <a:blip r:embed="rId4"/>
               <a:stretch>
                 <a:fillRect/>
               </a:stretch>
@@ -9852,13 +10398,7 @@
         </p:grpSp>
         <p:sp>
           <p:nvSpPr>
-            <p:cNvPr id="3" name="矩形 2">
-              <a:extLst>
-                <a:ext uri="{FF2B5EF4-FFF2-40B4-BE49-F238E27FC236}">
-                  <a16:creationId xmlns:a16="http://schemas.microsoft.com/office/drawing/2014/main" id="{5F5D26FD-8CF6-454B-BEFA-CEF6E0C2B068}"/>
-                </a:ext>
-              </a:extLst>
-            </p:cNvPr>
+            <p:cNvPr id="3" name="矩形 2"/>
             <p:cNvSpPr/>
             <p:nvPr/>
           </p:nvSpPr>
@@ -9905,13 +10445,7 @@
       </p:grpSp>
       <p:sp>
         <p:nvSpPr>
-          <p:cNvPr id="21" name="文本框 20">
-            <a:extLst>
-              <a:ext uri="{FF2B5EF4-FFF2-40B4-BE49-F238E27FC236}">
-                <a16:creationId xmlns:a16="http://schemas.microsoft.com/office/drawing/2014/main" id="{ECC5D5B9-FEDD-4217-9721-ADA7E96D6690}"/>
-              </a:ext>
-            </a:extLst>
-          </p:cNvPr>
+          <p:cNvPr id="21" name="文本框 20"/>
           <p:cNvSpPr txBox="1"/>
           <p:nvPr/>
         </p:nvSpPr>
@@ -9989,13 +10523,7 @@
       </p:sp>
       <p:sp>
         <p:nvSpPr>
-          <p:cNvPr id="24" name="文本框 23">
-            <a:extLst>
-              <a:ext uri="{FF2B5EF4-FFF2-40B4-BE49-F238E27FC236}">
-                <a16:creationId xmlns:a16="http://schemas.microsoft.com/office/drawing/2014/main" id="{B9169056-2DCA-480F-A07C-BF3E79225981}"/>
-              </a:ext>
-            </a:extLst>
-          </p:cNvPr>
+          <p:cNvPr id="24" name="文本框 23"/>
           <p:cNvSpPr txBox="1"/>
           <p:nvPr/>
         </p:nvSpPr>
@@ -10030,7 +10558,7 @@
               <a:rPr lang="en-US" altLang="zh-CN" sz="1800" b="1" kern="100" dirty="0">
                 <a:effectLst/>
                 <a:latin typeface="Times New Roman" panose="02020603050405020304" pitchFamily="18" charset="0"/>
-                <a:ea typeface="黑体" panose="02010609060101010101" pitchFamily="49" charset="-122"/>
+                <a:ea typeface="黑体" panose="02010609060101010101" charset="-122"/>
                 <a:cs typeface="Times New Roman" panose="02020603050405020304" pitchFamily="18" charset="0"/>
               </a:rPr>
               <a:t>YOLOv11 </a:t>
@@ -10038,8 +10566,8 @@
             <a:r>
               <a:rPr lang="zh-CN" altLang="en-US" sz="1800" b="1" kern="100" dirty="0">
                 <a:effectLst/>
-                <a:latin typeface="黑体" panose="02010609060101010101" pitchFamily="49" charset="-122"/>
-                <a:ea typeface="黑体" panose="02010609060101010101" pitchFamily="49" charset="-122"/>
+                <a:latin typeface="黑体" panose="02010609060101010101" charset="-122"/>
+                <a:ea typeface="黑体" panose="02010609060101010101" charset="-122"/>
                 <a:cs typeface="Times New Roman" panose="02020603050405020304" pitchFamily="18" charset="0"/>
               </a:rPr>
               <a:t>网络结构图</a:t>
@@ -10047,27 +10575,21 @@
             <a:endParaRPr lang="zh-CN" altLang="en-US" sz="1800" kern="100" dirty="0">
               <a:effectLst/>
               <a:latin typeface="Times New Roman" panose="02020603050405020304" pitchFamily="18" charset="0"/>
-              <a:ea typeface="黑体" panose="02010609060101010101" pitchFamily="49" charset="-122"/>
+              <a:ea typeface="黑体" panose="02010609060101010101" charset="-122"/>
             </a:endParaRPr>
           </a:p>
         </p:txBody>
       </p:sp>
       <p:pic>
         <p:nvPicPr>
-          <p:cNvPr id="17" name="图片 16">
-            <a:extLst>
-              <a:ext uri="{FF2B5EF4-FFF2-40B4-BE49-F238E27FC236}">
-                <a16:creationId xmlns:a16="http://schemas.microsoft.com/office/drawing/2014/main" id="{EEAFDD75-F50D-4A57-AC52-88311C476192}"/>
-              </a:ext>
-            </a:extLst>
-          </p:cNvPr>
+          <p:cNvPr id="17" name="图片 16"/>
           <p:cNvPicPr>
             <a:picLocks noChangeAspect="1"/>
           </p:cNvPicPr>
           <p:nvPr/>
         </p:nvPicPr>
         <p:blipFill>
-          <a:blip r:embed="rId7"/>
+          <a:blip r:embed="rId5"/>
           <a:stretch>
             <a:fillRect/>
           </a:stretch>
@@ -10087,22 +10609,17 @@
         </p:spPr>
       </p:pic>
     </p:spTree>
-    <p:extLst>
-      <p:ext uri="{BB962C8B-B14F-4D97-AF65-F5344CB8AC3E}">
-        <p14:creationId xmlns:p14="http://schemas.microsoft.com/office/powerpoint/2010/main" val="2910385887"/>
-      </p:ext>
-    </p:extLst>
   </p:cSld>
   <p:clrMapOvr>
     <a:masterClrMapping/>
   </p:clrMapOvr>
-  <mc:AlternateContent xmlns:mc="http://schemas.openxmlformats.org/markup-compatibility/2006" xmlns:p14="http://schemas.microsoft.com/office/powerpoint/2010/main">
-    <mc:Choice Requires="p14">
+  <mc:AlternateContent xmlns:mc="http://schemas.openxmlformats.org/markup-compatibility/2006">
+    <mc:Choice xmlns:p14="http://schemas.microsoft.com/office/powerpoint/2010/main" Requires="p14">
       <p:transition spd="med" p14:dur="699">
         <p:fade/>
       </p:transition>
     </mc:Choice>
-    <mc:Fallback xmlns="">
+    <mc:Fallback>
       <p:transition spd="med">
         <p:fade/>
       </p:transition>
@@ -10116,13 +10633,7 @@
   <p:cSld>
     <p:spTree>
       <p:nvGrpSpPr>
-        <p:cNvPr id="1" name="">
-          <a:extLst>
-            <a:ext uri="{FF2B5EF4-FFF2-40B4-BE49-F238E27FC236}">
-              <a16:creationId xmlns:a16="http://schemas.microsoft.com/office/drawing/2014/main" id="{26DB7B7E-EE8F-5479-5473-A6ED53547C0E}"/>
-            </a:ext>
-          </a:extLst>
-        </p:cNvPr>
+        <p:cNvPr id="1" name=""/>
         <p:cNvGrpSpPr/>
         <p:nvPr/>
       </p:nvGrpSpPr>
@@ -10136,13 +10647,7 @@
       </p:grpSpPr>
       <p:cxnSp>
         <p:nvCxnSpPr>
-          <p:cNvPr id="37" name="直接连接符 36">
-            <a:extLst>
-              <a:ext uri="{FF2B5EF4-FFF2-40B4-BE49-F238E27FC236}">
-                <a16:creationId xmlns:a16="http://schemas.microsoft.com/office/drawing/2014/main" id="{3E847B48-D24D-3FBB-0C22-0EA2B6A31D40}"/>
-              </a:ext>
-            </a:extLst>
-          </p:cNvPr>
+          <p:cNvPr id="37" name="直接连接符 36"/>
           <p:cNvCxnSpPr/>
           <p:nvPr>
             <p:custDataLst>
@@ -10182,13 +10687,7 @@
       </p:cxnSp>
       <p:grpSp>
         <p:nvGrpSpPr>
-          <p:cNvPr id="29" name="powerpoint template design by DAJU_PPT正版来源小红书大橘PPT微信DAJU_PPT请勿抄袭搬运！盗版必究！">
-            <a:extLst>
-              <a:ext uri="{FF2B5EF4-FFF2-40B4-BE49-F238E27FC236}">
-                <a16:creationId xmlns:a16="http://schemas.microsoft.com/office/drawing/2014/main" id="{759710D7-FEA8-EB0C-2457-138F815FEC84}"/>
-              </a:ext>
-            </a:extLst>
-          </p:cNvPr>
+          <p:cNvPr id="29" name="powerpoint template design by DAJU_PPT正版来源小红书大橘PPT微信DAJU_PPT请勿抄袭搬运！盗版必究！"/>
           <p:cNvGrpSpPr/>
           <p:nvPr/>
         </p:nvGrpSpPr>
@@ -10202,13 +10701,7 @@
         </p:grpSpPr>
         <p:sp>
           <p:nvSpPr>
-            <p:cNvPr id="30" name="powerpoint template design by DAJU_PPT正版来源小红书大橘PPT微信DAJU_PPT请勿抄袭搬运！盗版必究！-1">
-              <a:extLst>
-                <a:ext uri="{FF2B5EF4-FFF2-40B4-BE49-F238E27FC236}">
-                  <a16:creationId xmlns:a16="http://schemas.microsoft.com/office/drawing/2014/main" id="{08EF5844-F910-F761-AEEA-726FEC35563A}"/>
-                </a:ext>
-              </a:extLst>
-            </p:cNvPr>
+            <p:cNvPr id="30" name="powerpoint template design by DAJU_PPT正版来源小红书大橘PPT微信DAJU_PPT请勿抄袭搬运！盗版必究！-1"/>
             <p:cNvSpPr txBox="1"/>
             <p:nvPr/>
           </p:nvSpPr>
@@ -10240,13 +10733,7 @@
         </p:sp>
         <p:sp>
           <p:nvSpPr>
-            <p:cNvPr id="32" name="powerpoint template design by DAJU_PPT正版来源小红书大橘PPT微信DAJU_PPT请勿抄袭搬运！盗版必究！-3">
-              <a:extLst>
-                <a:ext uri="{FF2B5EF4-FFF2-40B4-BE49-F238E27FC236}">
-                  <a16:creationId xmlns:a16="http://schemas.microsoft.com/office/drawing/2014/main" id="{F909DD68-4F1F-F45C-1B58-B0C4514B8C30}"/>
-                </a:ext>
-              </a:extLst>
-            </p:cNvPr>
+            <p:cNvPr id="32" name="powerpoint template design by DAJU_PPT正版来源小红书大橘PPT微信DAJU_PPT请勿抄袭搬运！盗版必究！-3"/>
             <p:cNvSpPr txBox="1"/>
             <p:nvPr/>
           </p:nvSpPr>
@@ -10291,19 +10778,14 @@
                 <a:rPr lang="zh-CN" altLang="en-US" b="1" dirty="0"/>
                 <a:t>与深度相机的定位检测</a:t>
               </a:r>
+              <a:endParaRPr lang="zh-CN" altLang="en-US" b="1" dirty="0"/>
             </a:p>
           </p:txBody>
         </p:sp>
       </p:grpSp>
       <p:sp>
         <p:nvSpPr>
-          <p:cNvPr id="35" name="powerpoint template design by DAJU_PPT正版来源小红书大橘PPT微信DAJU_PPT请勿抄袭搬运！盗版必究！">
-            <a:extLst>
-              <a:ext uri="{FF2B5EF4-FFF2-40B4-BE49-F238E27FC236}">
-                <a16:creationId xmlns:a16="http://schemas.microsoft.com/office/drawing/2014/main" id="{89191239-FCB4-8360-307A-7F0CA55B4C41}"/>
-              </a:ext>
-            </a:extLst>
-          </p:cNvPr>
+          <p:cNvPr id="35" name="powerpoint template design by DAJU_PPT正版来源小红书大橘PPT微信DAJU_PPT请勿抄袭搬运！盗版必究！"/>
           <p:cNvSpPr/>
           <p:nvPr/>
         </p:nvSpPr>
@@ -10354,13 +10836,7 @@
       </p:sp>
       <p:sp>
         <p:nvSpPr>
-          <p:cNvPr id="36" name="矩形 35">
-            <a:extLst>
-              <a:ext uri="{FF2B5EF4-FFF2-40B4-BE49-F238E27FC236}">
-                <a16:creationId xmlns:a16="http://schemas.microsoft.com/office/drawing/2014/main" id="{5A823C72-9769-4DB9-83BB-2B3486144474}"/>
-              </a:ext>
-            </a:extLst>
-          </p:cNvPr>
+          <p:cNvPr id="36" name="矩形 35"/>
           <p:cNvSpPr/>
           <p:nvPr/>
         </p:nvSpPr>
@@ -10406,20 +10882,14 @@
       </p:sp>
       <p:pic>
         <p:nvPicPr>
-          <p:cNvPr id="6" name="图片 5" descr="附件：北京航空航天大学标志组合汇总(1)">
-            <a:extLst>
-              <a:ext uri="{FF2B5EF4-FFF2-40B4-BE49-F238E27FC236}">
-                <a16:creationId xmlns:a16="http://schemas.microsoft.com/office/drawing/2014/main" id="{1160E790-FBBA-7935-022B-271E0BA891AB}"/>
-              </a:ext>
-            </a:extLst>
-          </p:cNvPr>
+          <p:cNvPr id="6" name="图片 5" descr="附件：北京航空航天大学标志组合汇总(1)"/>
           <p:cNvPicPr>
             <a:picLocks noChangeAspect="1"/>
           </p:cNvPicPr>
           <p:nvPr/>
         </p:nvPicPr>
         <p:blipFill>
-          <a:blip r:embed="rId5"/>
+          <a:blip r:embed="rId2"/>
           <a:stretch>
             <a:fillRect/>
           </a:stretch>
@@ -10436,17 +10906,11 @@
       </p:pic>
       <p:sp>
         <p:nvSpPr>
-          <p:cNvPr id="2" name="矩形 1" descr="7b0a20202020227461726765744d6f64756c65223a202270726f636573734f6e6c696e65466f6e7473220a7d0a">
-            <a:extLst>
-              <a:ext uri="{FF2B5EF4-FFF2-40B4-BE49-F238E27FC236}">
-                <a16:creationId xmlns:a16="http://schemas.microsoft.com/office/drawing/2014/main" id="{F624D830-E051-1EB3-70A1-9F5990848275}"/>
-              </a:ext>
-            </a:extLst>
-          </p:cNvPr>
+          <p:cNvPr id="2" name="矩形 1" descr="7b0a20202020227461726765744d6f64756c65223a202270726f636573734f6e6c696e65466f6e7473220a7d0a"/>
           <p:cNvSpPr/>
           <p:nvPr>
             <p:custDataLst>
-              <p:tags r:id="rId2"/>
+              <p:tags r:id="rId3"/>
             </p:custDataLst>
           </p:nvPr>
         </p:nvSpPr>
@@ -10491,8 +10955,8 @@
                     </a:srgbClr>
                   </a:outerShdw>
                 </a:effectLst>
-                <a:latin typeface="华文行楷" charset="-122"/>
-                <a:ea typeface="华文行楷" charset="-122"/>
+                <a:latin typeface="华文行楷" panose="02010800040101010101" charset="-122"/>
+                <a:ea typeface="华文行楷" panose="02010800040101010101" charset="-122"/>
                 <a:cs typeface="明康欧楷" charset="-122"/>
                 <a:sym typeface="汉仪雅酷黑简" charset="-122"/>
               </a:rPr>
@@ -10509,8 +10973,8 @@
                   </a:srgbClr>
                 </a:outerShdw>
               </a:effectLst>
-              <a:latin typeface="华文行楷" charset="-122"/>
-              <a:ea typeface="华文行楷" charset="-122"/>
+              <a:latin typeface="华文行楷" panose="02010800040101010101" charset="-122"/>
+              <a:ea typeface="华文行楷" panose="02010800040101010101" charset="-122"/>
               <a:cs typeface="明康欧楷" charset="-122"/>
               <a:sym typeface="汉仪雅酷黑简" charset="-122"/>
             </a:endParaRPr>
@@ -10519,13 +10983,7 @@
       </p:sp>
       <p:grpSp>
         <p:nvGrpSpPr>
-          <p:cNvPr id="4" name="组合 3">
-            <a:extLst>
-              <a:ext uri="{FF2B5EF4-FFF2-40B4-BE49-F238E27FC236}">
-                <a16:creationId xmlns:a16="http://schemas.microsoft.com/office/drawing/2014/main" id="{FFC969D3-BCAC-409D-A62E-7A2C4BE69467}"/>
-              </a:ext>
-            </a:extLst>
-          </p:cNvPr>
+          <p:cNvPr id="4" name="组合 3"/>
           <p:cNvGrpSpPr/>
           <p:nvPr/>
         </p:nvGrpSpPr>
@@ -10539,13 +10997,7 @@
         </p:grpSpPr>
         <p:grpSp>
           <p:nvGrpSpPr>
-            <p:cNvPr id="13" name="组合 12">
-              <a:extLst>
-                <a:ext uri="{FF2B5EF4-FFF2-40B4-BE49-F238E27FC236}">
-                  <a16:creationId xmlns:a16="http://schemas.microsoft.com/office/drawing/2014/main" id="{1A01F961-5602-4E85-8A4F-99402A5566BE}"/>
-                </a:ext>
-              </a:extLst>
-            </p:cNvPr>
+            <p:cNvPr id="13" name="组合 12"/>
             <p:cNvGrpSpPr/>
             <p:nvPr/>
           </p:nvGrpSpPr>
@@ -10559,13 +11011,7 @@
           </p:grpSpPr>
           <p:sp>
             <p:nvSpPr>
-              <p:cNvPr id="14" name="powerpoint template design by DAJU_PPT正版来源小红书大橘PPT微信DAJU_PPT请勿抄袭搬运！盗版必究！-1">
-                <a:extLst>
-                  <a:ext uri="{FF2B5EF4-FFF2-40B4-BE49-F238E27FC236}">
-                    <a16:creationId xmlns:a16="http://schemas.microsoft.com/office/drawing/2014/main" id="{0E0B6038-38C9-47A9-944F-09D6F23231B8}"/>
-                  </a:ext>
-                </a:extLst>
-              </p:cNvPr>
+              <p:cNvPr id="14" name="powerpoint template design by DAJU_PPT正版来源小红书大橘PPT微信DAJU_PPT请勿抄袭搬运！盗版必究！-1"/>
               <p:cNvSpPr txBox="1"/>
               <p:nvPr/>
             </p:nvSpPr>
@@ -10616,20 +11062,14 @@
           </p:sp>
           <p:pic>
             <p:nvPicPr>
-              <p:cNvPr id="15" name="图片 14">
-                <a:extLst>
-                  <a:ext uri="{FF2B5EF4-FFF2-40B4-BE49-F238E27FC236}">
-                    <a16:creationId xmlns:a16="http://schemas.microsoft.com/office/drawing/2014/main" id="{05DF5B69-8D7B-4095-B602-9C78866B6E37}"/>
-                  </a:ext>
-                </a:extLst>
-              </p:cNvPr>
+              <p:cNvPr id="15" name="图片 14"/>
               <p:cNvPicPr>
                 <a:picLocks noChangeAspect="1"/>
               </p:cNvPicPr>
               <p:nvPr/>
             </p:nvPicPr>
             <p:blipFill>
-              <a:blip r:embed="rId6"/>
+              <a:blip r:embed="rId4"/>
               <a:stretch>
                 <a:fillRect/>
               </a:stretch>
@@ -10651,13 +11091,7 @@
         </p:grpSp>
         <p:sp>
           <p:nvSpPr>
-            <p:cNvPr id="3" name="矩形 2">
-              <a:extLst>
-                <a:ext uri="{FF2B5EF4-FFF2-40B4-BE49-F238E27FC236}">
-                  <a16:creationId xmlns:a16="http://schemas.microsoft.com/office/drawing/2014/main" id="{5F5D26FD-8CF6-454B-BEFA-CEF6E0C2B068}"/>
-                </a:ext>
-              </a:extLst>
-            </p:cNvPr>
+            <p:cNvPr id="3" name="矩形 2"/>
             <p:cNvSpPr/>
             <p:nvPr/>
           </p:nvSpPr>
@@ -10702,23 +11136,101 @@
           </p:txBody>
         </p:sp>
       </p:grpSp>
+      <p:pic>
+        <p:nvPicPr>
+          <p:cNvPr id="5" name="图片 4" descr="标定过程"/>
+          <p:cNvPicPr>
+            <a:picLocks noChangeAspect="1"/>
+          </p:cNvPicPr>
+          <p:nvPr/>
+        </p:nvPicPr>
+        <p:blipFill>
+          <a:blip r:embed="rId5"/>
+          <a:stretch>
+            <a:fillRect/>
+          </a:stretch>
+        </p:blipFill>
+        <p:spPr>
+          <a:xfrm>
+            <a:off x="420370" y="2065655"/>
+            <a:ext cx="6028690" cy="3391535"/>
+          </a:xfrm>
+          <a:prstGeom prst="rect">
+            <a:avLst/>
+          </a:prstGeom>
+        </p:spPr>
+      </p:pic>
+      <p:sp>
+        <p:nvSpPr>
+          <p:cNvPr id="8" name="powerpoint template design by DAJU_PPT正版来源小红书大橘PPT微信DAJU_PPT请勿抄袭搬运！盗版必究！-1"/>
+          <p:cNvSpPr txBox="1"/>
+          <p:nvPr/>
+        </p:nvSpPr>
+        <p:spPr>
+          <a:xfrm>
+            <a:off x="1005447" y="5950832"/>
+            <a:ext cx="5041599" cy="450850"/>
+          </a:xfrm>
+          <a:prstGeom prst="rect">
+            <a:avLst/>
+          </a:prstGeom>
+          <a:noFill/>
+        </p:spPr>
+        <p:txBody>
+          <a:bodyPr wrap="square" rtlCol="0">
+            <a:spAutoFit/>
+          </a:bodyPr>
+          <a:p>
+            <a:pPr indent="267970" algn="ctr">
+              <a:lnSpc>
+                <a:spcPct val="130000"/>
+              </a:lnSpc>
+              <a:spcBef>
+                <a:spcPts val="600"/>
+              </a:spcBef>
+              <a:spcAft>
+                <a:spcPts val="1800"/>
+              </a:spcAft>
+            </a:pPr>
+            <a:r>
+              <a:rPr lang="zh-CN" altLang="en-US" sz="1800" b="1" kern="100" dirty="0">
+                <a:effectLst/>
+                <a:latin typeface="宋体" panose="02010600030101010101" pitchFamily="2" charset="-122"/>
+                <a:ea typeface="宋体" panose="02010600030101010101" pitchFamily="2" charset="-122"/>
+                <a:cs typeface="宋体" panose="02010600030101010101" pitchFamily="2" charset="-122"/>
+              </a:rPr>
+              <a:t>标定图像</a:t>
+            </a:r>
+            <a:r>
+              <a:rPr lang="zh-CN" altLang="en-US" sz="1800" b="1" kern="100" dirty="0">
+                <a:effectLst/>
+                <a:latin typeface="宋体" panose="02010600030101010101" pitchFamily="2" charset="-122"/>
+                <a:ea typeface="宋体" panose="02010600030101010101" pitchFamily="2" charset="-122"/>
+                <a:cs typeface="宋体" panose="02010600030101010101" pitchFamily="2" charset="-122"/>
+              </a:rPr>
+              <a:t>采集</a:t>
+            </a:r>
+            <a:endParaRPr lang="zh-CN" altLang="en-US" sz="1800" b="1" kern="100" dirty="0">
+              <a:effectLst/>
+              <a:latin typeface="宋体" panose="02010600030101010101" pitchFamily="2" charset="-122"/>
+              <a:ea typeface="宋体" panose="02010600030101010101" pitchFamily="2" charset="-122"/>
+              <a:cs typeface="宋体" panose="02010600030101010101" pitchFamily="2" charset="-122"/>
+            </a:endParaRPr>
+          </a:p>
+        </p:txBody>
+      </p:sp>
     </p:spTree>
-    <p:extLst>
-      <p:ext uri="{BB962C8B-B14F-4D97-AF65-F5344CB8AC3E}">
-        <p14:creationId xmlns:p14="http://schemas.microsoft.com/office/powerpoint/2010/main" val="2881867870"/>
-      </p:ext>
-    </p:extLst>
   </p:cSld>
   <p:clrMapOvr>
     <a:masterClrMapping/>
   </p:clrMapOvr>
-  <mc:AlternateContent xmlns:mc="http://schemas.openxmlformats.org/markup-compatibility/2006" xmlns:p14="http://schemas.microsoft.com/office/powerpoint/2010/main">
-    <mc:Choice Requires="p14">
+  <mc:AlternateContent xmlns:mc="http://schemas.openxmlformats.org/markup-compatibility/2006">
+    <mc:Choice xmlns:p14="http://schemas.microsoft.com/office/powerpoint/2010/main" Requires="p14">
       <p:transition spd="med" p14:dur="699">
         <p:fade/>
       </p:transition>
     </mc:Choice>
-    <mc:Fallback xmlns="">
+    <mc:Fallback>
       <p:transition spd="med">
         <p:fade/>
       </p:transition>
@@ -10732,13 +11244,7 @@
   <p:cSld>
     <p:spTree>
       <p:nvGrpSpPr>
-        <p:cNvPr id="1" name="">
-          <a:extLst>
-            <a:ext uri="{FF2B5EF4-FFF2-40B4-BE49-F238E27FC236}">
-              <a16:creationId xmlns:a16="http://schemas.microsoft.com/office/drawing/2014/main" id="{26DB7B7E-EE8F-5479-5473-A6ED53547C0E}"/>
-            </a:ext>
-          </a:extLst>
-        </p:cNvPr>
+        <p:cNvPr id="1" name=""/>
         <p:cNvGrpSpPr/>
         <p:nvPr/>
       </p:nvGrpSpPr>
@@ -10752,13 +11258,7 @@
       </p:grpSpPr>
       <p:cxnSp>
         <p:nvCxnSpPr>
-          <p:cNvPr id="37" name="直接连接符 36">
-            <a:extLst>
-              <a:ext uri="{FF2B5EF4-FFF2-40B4-BE49-F238E27FC236}">
-                <a16:creationId xmlns:a16="http://schemas.microsoft.com/office/drawing/2014/main" id="{3E847B48-D24D-3FBB-0C22-0EA2B6A31D40}"/>
-              </a:ext>
-            </a:extLst>
-          </p:cNvPr>
+          <p:cNvPr id="37" name="直接连接符 36"/>
           <p:cNvCxnSpPr/>
           <p:nvPr>
             <p:custDataLst>
@@ -10798,13 +11298,7 @@
       </p:cxnSp>
       <p:grpSp>
         <p:nvGrpSpPr>
-          <p:cNvPr id="29" name="powerpoint template design by DAJU_PPT正版来源小红书大橘PPT微信DAJU_PPT请勿抄袭搬运！盗版必究！">
-            <a:extLst>
-              <a:ext uri="{FF2B5EF4-FFF2-40B4-BE49-F238E27FC236}">
-                <a16:creationId xmlns:a16="http://schemas.microsoft.com/office/drawing/2014/main" id="{759710D7-FEA8-EB0C-2457-138F815FEC84}"/>
-              </a:ext>
-            </a:extLst>
-          </p:cNvPr>
+          <p:cNvPr id="29" name="powerpoint template design by DAJU_PPT正版来源小红书大橘PPT微信DAJU_PPT请勿抄袭搬运！盗版必究！"/>
           <p:cNvGrpSpPr/>
           <p:nvPr/>
         </p:nvGrpSpPr>
@@ -10818,13 +11312,7 @@
         </p:grpSpPr>
         <p:sp>
           <p:nvSpPr>
-            <p:cNvPr id="30" name="powerpoint template design by DAJU_PPT正版来源小红书大橘PPT微信DAJU_PPT请勿抄袭搬运！盗版必究！-1">
-              <a:extLst>
-                <a:ext uri="{FF2B5EF4-FFF2-40B4-BE49-F238E27FC236}">
-                  <a16:creationId xmlns:a16="http://schemas.microsoft.com/office/drawing/2014/main" id="{08EF5844-F910-F761-AEEA-726FEC35563A}"/>
-                </a:ext>
-              </a:extLst>
-            </p:cNvPr>
+            <p:cNvPr id="30" name="powerpoint template design by DAJU_PPT正版来源小红书大橘PPT微信DAJU_PPT请勿抄袭搬运！盗版必究！-1"/>
             <p:cNvSpPr txBox="1"/>
             <p:nvPr/>
           </p:nvSpPr>
@@ -10856,13 +11344,7 @@
         </p:sp>
         <p:sp>
           <p:nvSpPr>
-            <p:cNvPr id="32" name="powerpoint template design by DAJU_PPT正版来源小红书大橘PPT微信DAJU_PPT请勿抄袭搬运！盗版必究！-3">
-              <a:extLst>
-                <a:ext uri="{FF2B5EF4-FFF2-40B4-BE49-F238E27FC236}">
-                  <a16:creationId xmlns:a16="http://schemas.microsoft.com/office/drawing/2014/main" id="{F909DD68-4F1F-F45C-1B58-B0C4514B8C30}"/>
-                </a:ext>
-              </a:extLst>
-            </p:cNvPr>
+            <p:cNvPr id="32" name="powerpoint template design by DAJU_PPT正版来源小红书大橘PPT微信DAJU_PPT请勿抄袭搬运！盗版必究！-3"/>
             <p:cNvSpPr txBox="1"/>
             <p:nvPr/>
           </p:nvSpPr>
@@ -10907,19 +11389,14 @@
                 <a:rPr lang="zh-CN" altLang="en-US" b="1" dirty="0"/>
                 <a:t>与深度相机的定位检测</a:t>
               </a:r>
+              <a:endParaRPr lang="zh-CN" altLang="en-US" b="1" dirty="0"/>
             </a:p>
           </p:txBody>
         </p:sp>
       </p:grpSp>
       <p:sp>
         <p:nvSpPr>
-          <p:cNvPr id="35" name="powerpoint template design by DAJU_PPT正版来源小红书大橘PPT微信DAJU_PPT请勿抄袭搬运！盗版必究！">
-            <a:extLst>
-              <a:ext uri="{FF2B5EF4-FFF2-40B4-BE49-F238E27FC236}">
-                <a16:creationId xmlns:a16="http://schemas.microsoft.com/office/drawing/2014/main" id="{89191239-FCB4-8360-307A-7F0CA55B4C41}"/>
-              </a:ext>
-            </a:extLst>
-          </p:cNvPr>
+          <p:cNvPr id="35" name="powerpoint template design by DAJU_PPT正版来源小红书大橘PPT微信DAJU_PPT请勿抄袭搬运！盗版必究！"/>
           <p:cNvSpPr/>
           <p:nvPr/>
         </p:nvSpPr>
@@ -10970,13 +11447,7 @@
       </p:sp>
       <p:sp>
         <p:nvSpPr>
-          <p:cNvPr id="36" name="矩形 35">
-            <a:extLst>
-              <a:ext uri="{FF2B5EF4-FFF2-40B4-BE49-F238E27FC236}">
-                <a16:creationId xmlns:a16="http://schemas.microsoft.com/office/drawing/2014/main" id="{5A823C72-9769-4DB9-83BB-2B3486144474}"/>
-              </a:ext>
-            </a:extLst>
-          </p:cNvPr>
+          <p:cNvPr id="36" name="矩形 35"/>
           <p:cNvSpPr/>
           <p:nvPr/>
         </p:nvSpPr>
@@ -11022,20 +11493,14 @@
       </p:sp>
       <p:pic>
         <p:nvPicPr>
-          <p:cNvPr id="6" name="图片 5" descr="附件：北京航空航天大学标志组合汇总(1)">
-            <a:extLst>
-              <a:ext uri="{FF2B5EF4-FFF2-40B4-BE49-F238E27FC236}">
-                <a16:creationId xmlns:a16="http://schemas.microsoft.com/office/drawing/2014/main" id="{1160E790-FBBA-7935-022B-271E0BA891AB}"/>
-              </a:ext>
-            </a:extLst>
-          </p:cNvPr>
+          <p:cNvPr id="6" name="图片 5" descr="附件：北京航空航天大学标志组合汇总(1)"/>
           <p:cNvPicPr>
             <a:picLocks noChangeAspect="1"/>
           </p:cNvPicPr>
           <p:nvPr/>
         </p:nvPicPr>
         <p:blipFill>
-          <a:blip r:embed="rId5"/>
+          <a:blip r:embed="rId2"/>
           <a:stretch>
             <a:fillRect/>
           </a:stretch>
@@ -11052,17 +11517,11 @@
       </p:pic>
       <p:sp>
         <p:nvSpPr>
-          <p:cNvPr id="2" name="矩形 1" descr="7b0a20202020227461726765744d6f64756c65223a202270726f636573734f6e6c696e65466f6e7473220a7d0a">
-            <a:extLst>
-              <a:ext uri="{FF2B5EF4-FFF2-40B4-BE49-F238E27FC236}">
-                <a16:creationId xmlns:a16="http://schemas.microsoft.com/office/drawing/2014/main" id="{F624D830-E051-1EB3-70A1-9F5990848275}"/>
-              </a:ext>
-            </a:extLst>
-          </p:cNvPr>
+          <p:cNvPr id="2" name="矩形 1" descr="7b0a20202020227461726765744d6f64756c65223a202270726f636573734f6e6c696e65466f6e7473220a7d0a"/>
           <p:cNvSpPr/>
           <p:nvPr>
             <p:custDataLst>
-              <p:tags r:id="rId2"/>
+              <p:tags r:id="rId3"/>
             </p:custDataLst>
           </p:nvPr>
         </p:nvSpPr>
@@ -11107,8 +11566,8 @@
                     </a:srgbClr>
                   </a:outerShdw>
                 </a:effectLst>
-                <a:latin typeface="华文行楷" charset="-122"/>
-                <a:ea typeface="华文行楷" charset="-122"/>
+                <a:latin typeface="华文行楷" panose="02010800040101010101" charset="-122"/>
+                <a:ea typeface="华文行楷" panose="02010800040101010101" charset="-122"/>
                 <a:cs typeface="明康欧楷" charset="-122"/>
                 <a:sym typeface="汉仪雅酷黑简" charset="-122"/>
               </a:rPr>
@@ -11125,8 +11584,8 @@
                   </a:srgbClr>
                 </a:outerShdw>
               </a:effectLst>
-              <a:latin typeface="华文行楷" charset="-122"/>
-              <a:ea typeface="华文行楷" charset="-122"/>
+              <a:latin typeface="华文行楷" panose="02010800040101010101" charset="-122"/>
+              <a:ea typeface="华文行楷" panose="02010800040101010101" charset="-122"/>
               <a:cs typeface="明康欧楷" charset="-122"/>
               <a:sym typeface="汉仪雅酷黑简" charset="-122"/>
             </a:endParaRPr>
@@ -11135,33 +11594,21 @@
       </p:sp>
       <p:grpSp>
         <p:nvGrpSpPr>
-          <p:cNvPr id="4" name="组合 3">
-            <a:extLst>
-              <a:ext uri="{FF2B5EF4-FFF2-40B4-BE49-F238E27FC236}">
-                <a16:creationId xmlns:a16="http://schemas.microsoft.com/office/drawing/2014/main" id="{FFC969D3-BCAC-409D-A62E-7A2C4BE69467}"/>
-              </a:ext>
-            </a:extLst>
-          </p:cNvPr>
+          <p:cNvPr id="4" name="组合 3"/>
           <p:cNvGrpSpPr/>
           <p:nvPr/>
         </p:nvGrpSpPr>
         <p:grpSpPr>
           <a:xfrm>
-            <a:off x="7637548" y="1661264"/>
-            <a:ext cx="3889195" cy="4480080"/>
+            <a:off x="6531217" y="1273021"/>
+            <a:ext cx="5041599" cy="5315669"/>
             <a:chOff x="6679516" y="1247519"/>
             <a:chExt cx="5041599" cy="5315669"/>
           </a:xfrm>
         </p:grpSpPr>
         <p:grpSp>
           <p:nvGrpSpPr>
-            <p:cNvPr id="13" name="组合 12">
-              <a:extLst>
-                <a:ext uri="{FF2B5EF4-FFF2-40B4-BE49-F238E27FC236}">
-                  <a16:creationId xmlns:a16="http://schemas.microsoft.com/office/drawing/2014/main" id="{1A01F961-5602-4E85-8A4F-99402A5566BE}"/>
-                </a:ext>
-              </a:extLst>
-            </p:cNvPr>
+            <p:cNvPr id="13" name="组合 12"/>
             <p:cNvGrpSpPr/>
             <p:nvPr/>
           </p:nvGrpSpPr>
@@ -11175,13 +11622,7 @@
           </p:grpSpPr>
           <p:sp>
             <p:nvSpPr>
-              <p:cNvPr id="14" name="powerpoint template design by DAJU_PPT正版来源小红书大橘PPT微信DAJU_PPT请勿抄袭搬运！盗版必究！-1">
-                <a:extLst>
-                  <a:ext uri="{FF2B5EF4-FFF2-40B4-BE49-F238E27FC236}">
-                    <a16:creationId xmlns:a16="http://schemas.microsoft.com/office/drawing/2014/main" id="{0E0B6038-38C9-47A9-944F-09D6F23231B8}"/>
-                  </a:ext>
-                </a:extLst>
-              </p:cNvPr>
+              <p:cNvPr id="14" name="powerpoint template design by DAJU_PPT正版来源小红书大橘PPT微信DAJU_PPT请勿抄袭搬运！盗版必究！-1"/>
               <p:cNvSpPr txBox="1"/>
               <p:nvPr/>
             </p:nvSpPr>
@@ -11232,20 +11673,14 @@
           </p:sp>
           <p:pic>
             <p:nvPicPr>
-              <p:cNvPr id="15" name="图片 14">
-                <a:extLst>
-                  <a:ext uri="{FF2B5EF4-FFF2-40B4-BE49-F238E27FC236}">
-                    <a16:creationId xmlns:a16="http://schemas.microsoft.com/office/drawing/2014/main" id="{05DF5B69-8D7B-4095-B602-9C78866B6E37}"/>
-                  </a:ext>
-                </a:extLst>
-              </p:cNvPr>
+              <p:cNvPr id="15" name="图片 14"/>
               <p:cNvPicPr>
                 <a:picLocks noChangeAspect="1"/>
               </p:cNvPicPr>
               <p:nvPr/>
             </p:nvPicPr>
             <p:blipFill>
-              <a:blip r:embed="rId6"/>
+              <a:blip r:embed="rId4"/>
               <a:stretch>
                 <a:fillRect/>
               </a:stretch>
@@ -11267,13 +11702,7 @@
         </p:grpSp>
         <p:sp>
           <p:nvSpPr>
-            <p:cNvPr id="3" name="矩形 2">
-              <a:extLst>
-                <a:ext uri="{FF2B5EF4-FFF2-40B4-BE49-F238E27FC236}">
-                  <a16:creationId xmlns:a16="http://schemas.microsoft.com/office/drawing/2014/main" id="{5F5D26FD-8CF6-454B-BEFA-CEF6E0C2B068}"/>
-                </a:ext>
-              </a:extLst>
-            </p:cNvPr>
+            <p:cNvPr id="3" name="矩形 2"/>
             <p:cNvSpPr/>
             <p:nvPr/>
           </p:nvSpPr>
@@ -11318,53 +11747,210 @@
           </p:txBody>
         </p:sp>
       </p:grpSp>
-      <p:pic>
-        <p:nvPicPr>
-          <p:cNvPr id="9" name="图片 8">
-            <a:extLst>
-              <a:ext uri="{FF2B5EF4-FFF2-40B4-BE49-F238E27FC236}">
-                <a16:creationId xmlns:a16="http://schemas.microsoft.com/office/drawing/2014/main" id="{A879D67D-E46B-4095-8F47-BCCF32F79DF1}"/>
-              </a:ext>
-            </a:extLst>
-          </p:cNvPr>
-          <p:cNvPicPr>
-            <a:picLocks noChangeAspect="1"/>
-          </p:cNvPicPr>
+      <p:grpSp>
+        <p:nvGrpSpPr>
+          <p:cNvPr id="11" name="组合 10"/>
+          <p:cNvGrpSpPr/>
           <p:nvPr/>
-        </p:nvPicPr>
-        <p:blipFill>
-          <a:blip r:embed="rId7"/>
-          <a:stretch>
-            <a:fillRect/>
-          </a:stretch>
-        </p:blipFill>
-        <p:spPr>
-          <a:xfrm>
-            <a:off x="366286" y="2091035"/>
-            <a:ext cx="7479338" cy="4166959"/>
-          </a:xfrm>
-          <a:prstGeom prst="rect">
-            <a:avLst/>
-          </a:prstGeom>
-        </p:spPr>
-      </p:pic>
+        </p:nvGrpSpPr>
+        <p:grpSpPr>
+          <a:xfrm>
+            <a:off x="339090" y="2119630"/>
+            <a:ext cx="6550025" cy="3845560"/>
+            <a:chOff x="534" y="2972"/>
+            <a:chExt cx="10315" cy="6056"/>
+          </a:xfrm>
+        </p:grpSpPr>
+        <p:pic>
+          <p:nvPicPr>
+            <p:cNvPr id="7" name="图片 6"/>
+            <p:cNvPicPr>
+              <a:picLocks noChangeAspect="1"/>
+            </p:cNvPicPr>
+            <p:nvPr/>
+          </p:nvPicPr>
+          <p:blipFill>
+            <a:blip r:embed="rId5"/>
+            <a:stretch>
+              <a:fillRect/>
+            </a:stretch>
+          </p:blipFill>
+          <p:spPr>
+            <a:xfrm>
+              <a:off x="573" y="2972"/>
+              <a:ext cx="4903" cy="4855"/>
+            </a:xfrm>
+            <a:prstGeom prst="rect">
+              <a:avLst/>
+            </a:prstGeom>
+          </p:spPr>
+        </p:pic>
+        <p:pic>
+          <p:nvPicPr>
+            <p:cNvPr id="8" name="图片 7"/>
+            <p:cNvPicPr>
+              <a:picLocks noChangeAspect="1"/>
+            </p:cNvPicPr>
+            <p:nvPr/>
+          </p:nvPicPr>
+          <p:blipFill>
+            <a:blip r:embed="rId6"/>
+            <a:stretch>
+              <a:fillRect/>
+            </a:stretch>
+          </p:blipFill>
+          <p:spPr>
+            <a:xfrm>
+              <a:off x="5947" y="2973"/>
+              <a:ext cx="4902" cy="4854"/>
+            </a:xfrm>
+            <a:prstGeom prst="rect">
+              <a:avLst/>
+            </a:prstGeom>
+          </p:spPr>
+        </p:pic>
+        <p:sp>
+          <p:nvSpPr>
+            <p:cNvPr id="9" name="powerpoint template design by DAJU_PPT正版来源小红书大橘PPT微信DAJU_PPT请勿抄袭搬运！盗版必究！-1"/>
+            <p:cNvSpPr txBox="1"/>
+            <p:nvPr/>
+          </p:nvSpPr>
+          <p:spPr>
+            <a:xfrm>
+              <a:off x="534" y="8318"/>
+              <a:ext cx="4669" cy="710"/>
+            </a:xfrm>
+            <a:prstGeom prst="rect">
+              <a:avLst/>
+            </a:prstGeom>
+            <a:noFill/>
+          </p:spPr>
+          <p:txBody>
+            <a:bodyPr wrap="square" rtlCol="0">
+              <a:spAutoFit/>
+            </a:bodyPr>
+            <a:p>
+              <a:pPr indent="267970" algn="ctr">
+                <a:lnSpc>
+                  <a:spcPct val="130000"/>
+                </a:lnSpc>
+                <a:spcBef>
+                  <a:spcPts val="600"/>
+                </a:spcBef>
+                <a:spcAft>
+                  <a:spcPts val="1800"/>
+                </a:spcAft>
+              </a:pPr>
+              <a:r>
+                <a:rPr lang="en-US" altLang="zh-CN" sz="1800" b="1" kern="100" dirty="0">
+                  <a:effectLst/>
+                  <a:latin typeface="宋体" panose="02010600030101010101" pitchFamily="2" charset="-122"/>
+                  <a:ea typeface="宋体" panose="02010600030101010101" pitchFamily="2" charset="-122"/>
+                  <a:cs typeface="宋体" panose="02010600030101010101" pitchFamily="2" charset="-122"/>
+                </a:rPr>
+                <a:t>rgb</a:t>
+              </a:r>
+              <a:r>
+                <a:rPr lang="zh-CN" altLang="en-US" sz="1800" b="1" kern="100" dirty="0">
+                  <a:effectLst/>
+                  <a:latin typeface="宋体" panose="02010600030101010101" pitchFamily="2" charset="-122"/>
+                  <a:ea typeface="宋体" panose="02010600030101010101" pitchFamily="2" charset="-122"/>
+                  <a:cs typeface="宋体" panose="02010600030101010101" pitchFamily="2" charset="-122"/>
+                </a:rPr>
+                <a:t>相机</a:t>
+              </a:r>
+              <a:r>
+                <a:rPr lang="zh-CN" altLang="en-US" sz="1800" b="1" kern="100" dirty="0">
+                  <a:effectLst/>
+                  <a:latin typeface="宋体" panose="02010600030101010101" pitchFamily="2" charset="-122"/>
+                  <a:ea typeface="宋体" panose="02010600030101010101" pitchFamily="2" charset="-122"/>
+                  <a:cs typeface="宋体" panose="02010600030101010101" pitchFamily="2" charset="-122"/>
+                </a:rPr>
+                <a:t>内参</a:t>
+              </a:r>
+              <a:endParaRPr lang="zh-CN" altLang="en-US" sz="1800" b="1" kern="100" dirty="0">
+                <a:effectLst/>
+                <a:latin typeface="宋体" panose="02010600030101010101" pitchFamily="2" charset="-122"/>
+                <a:ea typeface="宋体" panose="02010600030101010101" pitchFamily="2" charset="-122"/>
+                <a:cs typeface="宋体" panose="02010600030101010101" pitchFamily="2" charset="-122"/>
+              </a:endParaRPr>
+            </a:p>
+          </p:txBody>
+        </p:sp>
+        <p:sp>
+          <p:nvSpPr>
+            <p:cNvPr id="10" name="powerpoint template design by DAJU_PPT正版来源小红书大橘PPT微信DAJU_PPT请勿抄袭搬运！盗版必究！-1"/>
+            <p:cNvSpPr txBox="1"/>
+            <p:nvPr/>
+          </p:nvSpPr>
+          <p:spPr>
+            <a:xfrm>
+              <a:off x="6063" y="8318"/>
+              <a:ext cx="4669" cy="710"/>
+            </a:xfrm>
+            <a:prstGeom prst="rect">
+              <a:avLst/>
+            </a:prstGeom>
+            <a:noFill/>
+          </p:spPr>
+          <p:txBody>
+            <a:bodyPr wrap="square" rtlCol="0">
+              <a:spAutoFit/>
+            </a:bodyPr>
+            <a:p>
+              <a:pPr indent="267970" algn="ctr">
+                <a:lnSpc>
+                  <a:spcPct val="130000"/>
+                </a:lnSpc>
+                <a:spcBef>
+                  <a:spcPts val="600"/>
+                </a:spcBef>
+                <a:spcAft>
+                  <a:spcPts val="1800"/>
+                </a:spcAft>
+              </a:pPr>
+              <a:r>
+                <a:rPr lang="en-US" altLang="zh-CN" b="1" kern="100" dirty="0">
+                  <a:effectLst/>
+                  <a:latin typeface="宋体" panose="02010600030101010101" pitchFamily="2" charset="-122"/>
+                  <a:ea typeface="宋体" panose="02010600030101010101" pitchFamily="2" charset="-122"/>
+                  <a:cs typeface="宋体" panose="02010600030101010101" pitchFamily="2" charset="-122"/>
+                  <a:sym typeface="+mn-ea"/>
+                </a:rPr>
+                <a:t>lr</a:t>
+              </a:r>
+              <a:r>
+                <a:rPr lang="zh-CN" altLang="en-US" b="1" kern="100" dirty="0">
+                  <a:effectLst/>
+                  <a:latin typeface="宋体" panose="02010600030101010101" pitchFamily="2" charset="-122"/>
+                  <a:ea typeface="宋体" panose="02010600030101010101" pitchFamily="2" charset="-122"/>
+                  <a:cs typeface="宋体" panose="02010600030101010101" pitchFamily="2" charset="-122"/>
+                  <a:sym typeface="+mn-ea"/>
+                </a:rPr>
+                <a:t>相机内参</a:t>
+              </a:r>
+              <a:endParaRPr lang="zh-CN" altLang="en-US" sz="1800" b="1" kern="100" dirty="0">
+                <a:effectLst/>
+                <a:latin typeface="宋体" panose="02010600030101010101" pitchFamily="2" charset="-122"/>
+                <a:ea typeface="宋体" panose="02010600030101010101" pitchFamily="2" charset="-122"/>
+                <a:cs typeface="宋体" panose="02010600030101010101" pitchFamily="2" charset="-122"/>
+              </a:endParaRPr>
+            </a:p>
+          </p:txBody>
+        </p:sp>
+      </p:grpSp>
     </p:spTree>
-    <p:extLst>
-      <p:ext uri="{BB962C8B-B14F-4D97-AF65-F5344CB8AC3E}">
-        <p14:creationId xmlns:p14="http://schemas.microsoft.com/office/powerpoint/2010/main" val="3630250501"/>
-      </p:ext>
-    </p:extLst>
   </p:cSld>
   <p:clrMapOvr>
     <a:masterClrMapping/>
   </p:clrMapOvr>
-  <mc:AlternateContent xmlns:mc="http://schemas.openxmlformats.org/markup-compatibility/2006" xmlns:p14="http://schemas.microsoft.com/office/powerpoint/2010/main">
-    <mc:Choice Requires="p14">
+  <mc:AlternateContent xmlns:mc="http://schemas.openxmlformats.org/markup-compatibility/2006">
+    <mc:Choice xmlns:p14="http://schemas.microsoft.com/office/powerpoint/2010/main" Requires="p14">
       <p:transition spd="med" p14:dur="699">
         <p:fade/>
       </p:transition>
     </mc:Choice>
-    <mc:Fallback xmlns="">
+    <mc:Fallback>
       <p:transition spd="med">
         <p:fade/>
       </p:transition>
@@ -11374,115 +11960,139 @@
 </file>
 
 <file path=ppt/tags/tag1.xml><?xml version="1.0" encoding="utf-8"?>
-<p:tagLst xmlns:a="http://schemas.openxmlformats.org/drawingml/2006/main" xmlns:r="http://schemas.openxmlformats.org/officeDocument/2006/relationships" xmlns:p="http://schemas.openxmlformats.org/presentationml/2006/main">
+<p:tagLst xmlns:p="http://schemas.openxmlformats.org/presentationml/2006/main">
   <p:tag name="KSO_WM_BEAUTIFY_FLAG" val=""/>
 </p:tagLst>
 </file>
 
 <file path=ppt/tags/tag10.xml><?xml version="1.0" encoding="utf-8"?>
-<p:tagLst xmlns:a="http://schemas.openxmlformats.org/drawingml/2006/main" xmlns:r="http://schemas.openxmlformats.org/officeDocument/2006/relationships" xmlns:p="http://schemas.openxmlformats.org/presentationml/2006/main">
+<p:tagLst xmlns:p="http://schemas.openxmlformats.org/presentationml/2006/main">
   <p:tag name="KSO_WM_BEAUTIFY_FLAG" val=""/>
 </p:tagLst>
 </file>
 
 <file path=ppt/tags/tag11.xml><?xml version="1.0" encoding="utf-8"?>
-<p:tagLst xmlns:a="http://schemas.openxmlformats.org/drawingml/2006/main" xmlns:r="http://schemas.openxmlformats.org/officeDocument/2006/relationships" xmlns:p="http://schemas.openxmlformats.org/presentationml/2006/main">
+<p:tagLst xmlns:p="http://schemas.openxmlformats.org/presentationml/2006/main">
   <p:tag name="KSO_WM_BEAUTIFY_FLAG" val=""/>
 </p:tagLst>
 </file>
 
 <file path=ppt/tags/tag12.xml><?xml version="1.0" encoding="utf-8"?>
-<p:tagLst xmlns:a="http://schemas.openxmlformats.org/drawingml/2006/main" xmlns:r="http://schemas.openxmlformats.org/officeDocument/2006/relationships" xmlns:p="http://schemas.openxmlformats.org/presentationml/2006/main">
+<p:tagLst xmlns:p="http://schemas.openxmlformats.org/presentationml/2006/main">
   <p:tag name="KSO_WM_BEAUTIFY_FLAG" val=""/>
 </p:tagLst>
 </file>
 
 <file path=ppt/tags/tag13.xml><?xml version="1.0" encoding="utf-8"?>
-<p:tagLst xmlns:a="http://schemas.openxmlformats.org/drawingml/2006/main" xmlns:r="http://schemas.openxmlformats.org/officeDocument/2006/relationships" xmlns:p="http://schemas.openxmlformats.org/presentationml/2006/main">
+<p:tagLst xmlns:p="http://schemas.openxmlformats.org/presentationml/2006/main">
   <p:tag name="KSO_WM_BEAUTIFY_FLAG" val=""/>
 </p:tagLst>
 </file>
 
 <file path=ppt/tags/tag14.xml><?xml version="1.0" encoding="utf-8"?>
-<p:tagLst xmlns:a="http://schemas.openxmlformats.org/drawingml/2006/main" xmlns:r="http://schemas.openxmlformats.org/officeDocument/2006/relationships" xmlns:p="http://schemas.openxmlformats.org/presentationml/2006/main">
+<p:tagLst xmlns:p="http://schemas.openxmlformats.org/presentationml/2006/main">
   <p:tag name="KSO_WM_BEAUTIFY_FLAG" val=""/>
 </p:tagLst>
 </file>
 
 <file path=ppt/tags/tag15.xml><?xml version="1.0" encoding="utf-8"?>
-<p:tagLst xmlns:a="http://schemas.openxmlformats.org/drawingml/2006/main" xmlns:r="http://schemas.openxmlformats.org/officeDocument/2006/relationships" xmlns:p="http://schemas.openxmlformats.org/presentationml/2006/main">
+<p:tagLst xmlns:p="http://schemas.openxmlformats.org/presentationml/2006/main">
   <p:tag name="KSO_WM_BEAUTIFY_FLAG" val=""/>
 </p:tagLst>
 </file>
 
 <file path=ppt/tags/tag16.xml><?xml version="1.0" encoding="utf-8"?>
-<p:tagLst xmlns:a="http://schemas.openxmlformats.org/drawingml/2006/main" xmlns:r="http://schemas.openxmlformats.org/officeDocument/2006/relationships" xmlns:p="http://schemas.openxmlformats.org/presentationml/2006/main">
+<p:tagLst xmlns:p="http://schemas.openxmlformats.org/presentationml/2006/main">
   <p:tag name="KSO_WM_BEAUTIFY_FLAG" val=""/>
 </p:tagLst>
 </file>
 
 <file path=ppt/tags/tag17.xml><?xml version="1.0" encoding="utf-8"?>
-<p:tagLst xmlns:a="http://schemas.openxmlformats.org/drawingml/2006/main" xmlns:r="http://schemas.openxmlformats.org/officeDocument/2006/relationships" xmlns:p="http://schemas.openxmlformats.org/presentationml/2006/main">
+<p:tagLst xmlns:p="http://schemas.openxmlformats.org/presentationml/2006/main">
   <p:tag name="KSO_WM_BEAUTIFY_FLAG" val=""/>
 </p:tagLst>
 </file>
 
 <file path=ppt/tags/tag18.xml><?xml version="1.0" encoding="utf-8"?>
-<p:tagLst xmlns:a="http://schemas.openxmlformats.org/drawingml/2006/main" xmlns:r="http://schemas.openxmlformats.org/officeDocument/2006/relationships" xmlns:p="http://schemas.openxmlformats.org/presentationml/2006/main">
+<p:tagLst xmlns:p="http://schemas.openxmlformats.org/presentationml/2006/main">
   <p:tag name="KSO_WM_BEAUTIFY_FLAG" val=""/>
 </p:tagLst>
 </file>
 
 <file path=ppt/tags/tag19.xml><?xml version="1.0" encoding="utf-8"?>
-<p:tagLst xmlns:a="http://schemas.openxmlformats.org/drawingml/2006/main" xmlns:r="http://schemas.openxmlformats.org/officeDocument/2006/relationships" xmlns:p="http://schemas.openxmlformats.org/presentationml/2006/main">
+<p:tagLst xmlns:p="http://schemas.openxmlformats.org/presentationml/2006/main">
   <p:tag name="KSO_WM_BEAUTIFY_FLAG" val=""/>
 </p:tagLst>
 </file>
 
 <file path=ppt/tags/tag2.xml><?xml version="1.0" encoding="utf-8"?>
-<p:tagLst xmlns:a="http://schemas.openxmlformats.org/drawingml/2006/main" xmlns:r="http://schemas.openxmlformats.org/officeDocument/2006/relationships" xmlns:p="http://schemas.openxmlformats.org/presentationml/2006/main">
+<p:tagLst xmlns:p="http://schemas.openxmlformats.org/presentationml/2006/main">
+  <p:tag name="KSO_WM_BEAUTIFY_FLAG" val=""/>
+</p:tagLst>
+</file>
+
+<file path=ppt/tags/tag20.xml><?xml version="1.0" encoding="utf-8"?>
+<p:tagLst xmlns:p="http://schemas.openxmlformats.org/presentationml/2006/main">
+  <p:tag name="KSO_WM_BEAUTIFY_FLAG" val=""/>
+</p:tagLst>
+</file>
+
+<file path=ppt/tags/tag21.xml><?xml version="1.0" encoding="utf-8"?>
+<p:tagLst xmlns:p="http://schemas.openxmlformats.org/presentationml/2006/main">
+  <p:tag name="KSO_WM_BEAUTIFY_FLAG" val=""/>
+</p:tagLst>
+</file>
+
+<file path=ppt/tags/tag22.xml><?xml version="1.0" encoding="utf-8"?>
+<p:tagLst xmlns:p="http://schemas.openxmlformats.org/presentationml/2006/main">
+  <p:tag name="KSO_WM_BEAUTIFY_FLAG" val=""/>
+</p:tagLst>
+</file>
+
+<file path=ppt/tags/tag23.xml><?xml version="1.0" encoding="utf-8"?>
+<p:tagLst xmlns:p="http://schemas.openxmlformats.org/presentationml/2006/main">
   <p:tag name="KSO_WM_BEAUTIFY_FLAG" val=""/>
 </p:tagLst>
 </file>
 
 <file path=ppt/tags/tag3.xml><?xml version="1.0" encoding="utf-8"?>
-<p:tagLst xmlns:a="http://schemas.openxmlformats.org/drawingml/2006/main" xmlns:r="http://schemas.openxmlformats.org/officeDocument/2006/relationships" xmlns:p="http://schemas.openxmlformats.org/presentationml/2006/main">
+<p:tagLst xmlns:p="http://schemas.openxmlformats.org/presentationml/2006/main">
   <p:tag name="KSO_WM_BEAUTIFY_FLAG" val=""/>
 </p:tagLst>
 </file>
 
 <file path=ppt/tags/tag4.xml><?xml version="1.0" encoding="utf-8"?>
-<p:tagLst xmlns:a="http://schemas.openxmlformats.org/drawingml/2006/main" xmlns:r="http://schemas.openxmlformats.org/officeDocument/2006/relationships" xmlns:p="http://schemas.openxmlformats.org/presentationml/2006/main">
+<p:tagLst xmlns:p="http://schemas.openxmlformats.org/presentationml/2006/main">
   <p:tag name="KSO_WM_BEAUTIFY_FLAG" val=""/>
 </p:tagLst>
 </file>
 
 <file path=ppt/tags/tag5.xml><?xml version="1.0" encoding="utf-8"?>
-<p:tagLst xmlns:a="http://schemas.openxmlformats.org/drawingml/2006/main" xmlns:r="http://schemas.openxmlformats.org/officeDocument/2006/relationships" xmlns:p="http://schemas.openxmlformats.org/presentationml/2006/main">
+<p:tagLst xmlns:p="http://schemas.openxmlformats.org/presentationml/2006/main">
   <p:tag name="KSO_WM_BEAUTIFY_FLAG" val=""/>
 </p:tagLst>
 </file>
 
 <file path=ppt/tags/tag6.xml><?xml version="1.0" encoding="utf-8"?>
-<p:tagLst xmlns:a="http://schemas.openxmlformats.org/drawingml/2006/main" xmlns:r="http://schemas.openxmlformats.org/officeDocument/2006/relationships" xmlns:p="http://schemas.openxmlformats.org/presentationml/2006/main">
+<p:tagLst xmlns:p="http://schemas.openxmlformats.org/presentationml/2006/main">
   <p:tag name="KSO_WM_BEAUTIFY_FLAG" val=""/>
 </p:tagLst>
 </file>
 
 <file path=ppt/tags/tag7.xml><?xml version="1.0" encoding="utf-8"?>
-<p:tagLst xmlns:a="http://schemas.openxmlformats.org/drawingml/2006/main" xmlns:r="http://schemas.openxmlformats.org/officeDocument/2006/relationships" xmlns:p="http://schemas.openxmlformats.org/presentationml/2006/main">
+<p:tagLst xmlns:p="http://schemas.openxmlformats.org/presentationml/2006/main">
   <p:tag name="KSO_WM_BEAUTIFY_FLAG" val=""/>
 </p:tagLst>
 </file>
 
 <file path=ppt/tags/tag8.xml><?xml version="1.0" encoding="utf-8"?>
-<p:tagLst xmlns:a="http://schemas.openxmlformats.org/drawingml/2006/main" xmlns:r="http://schemas.openxmlformats.org/officeDocument/2006/relationships" xmlns:p="http://schemas.openxmlformats.org/presentationml/2006/main">
+<p:tagLst xmlns:p="http://schemas.openxmlformats.org/presentationml/2006/main">
   <p:tag name="KSO_WM_BEAUTIFY_FLAG" val=""/>
 </p:tagLst>
 </file>
 
 <file path=ppt/tags/tag9.xml><?xml version="1.0" encoding="utf-8"?>
-<p:tagLst xmlns:a="http://schemas.openxmlformats.org/drawingml/2006/main" xmlns:r="http://schemas.openxmlformats.org/officeDocument/2006/relationships" xmlns:p="http://schemas.openxmlformats.org/presentationml/2006/main">
+<p:tagLst xmlns:p="http://schemas.openxmlformats.org/presentationml/2006/main">
   <p:tag name="KSO_WM_BEAUTIFY_FLAG" val=""/>
 </p:tagLst>
 </file>
@@ -11738,8 +12348,6 @@
       </a:bgFillStyleLst>
     </a:fmtScheme>
   </a:themeElements>
-  <a:objectDefaults/>
-  <a:extraClrSchemeLst/>
   <a:extLst>
     <a:ext uri="{05A4C25C-085E-4340-85A3-A5531E510DB2}">
       <thm15:themeFamily xmlns:thm15="http://schemas.microsoft.com/office/thememl/2012/main" name="Office Theme" id="{62F939B6-93AF-4DB8-9C6B-D6C7DFDC589F}" vid="{4A3C46E8-61CC-4603-A589-7422A47A8E4A}"/>
@@ -11999,8 +12607,6 @@
       </a:bgFillStyleLst>
     </a:fmtScheme>
   </a:themeElements>
-  <a:objectDefaults/>
-  <a:extraClrSchemeLst/>
   <a:extLst>
     <a:ext uri="{05A4C25C-085E-4340-85A3-A5531E510DB2}">
       <thm15:themeFamily xmlns:thm15="http://schemas.microsoft.com/office/thememl/2012/main" name="Office Theme" id="{62F939B6-93AF-4DB8-9C6B-D6C7DFDC589F}" vid="{4A3C46E8-61CC-4603-A589-7422A47A8E4A}"/>
